--- a/docs/endpräsenttion.pptx
+++ b/docs/endpräsenttion.pptx
@@ -5,22 +5,19 @@
     <p:sldMasterId id="2147483648" r:id="rId4"/>
   </p:sldMasterIdLst>
   <p:notesMasterIdLst>
-    <p:notesMasterId r:id="rId15"/>
+    <p:notesMasterId r:id="rId12"/>
   </p:notesMasterIdLst>
   <p:handoutMasterIdLst>
-    <p:handoutMasterId r:id="rId16"/>
+    <p:handoutMasterId r:id="rId13"/>
   </p:handoutMasterIdLst>
   <p:sldIdLst>
     <p:sldId id="285" r:id="rId5"/>
     <p:sldId id="277" r:id="rId6"/>
     <p:sldId id="261" r:id="rId7"/>
-    <p:sldId id="262" r:id="rId8"/>
-    <p:sldId id="296" r:id="rId9"/>
-    <p:sldId id="299" r:id="rId10"/>
-    <p:sldId id="298" r:id="rId11"/>
-    <p:sldId id="302" r:id="rId12"/>
-    <p:sldId id="300" r:id="rId13"/>
-    <p:sldId id="301" r:id="rId14"/>
+    <p:sldId id="296" r:id="rId8"/>
+    <p:sldId id="302" r:id="rId9"/>
+    <p:sldId id="300" r:id="rId10"/>
+    <p:sldId id="301" r:id="rId11"/>
   </p:sldIdLst>
   <p:sldSz cx="12192000" cy="6858000"/>
   <p:notesSz cx="6858000" cy="9144000"/>
@@ -259,7 +256,7 @@
           <a:p>
             <a:fld id="{2F37E1B8-528F-4D87-8EBD-B843BAE2C861}" type="datetimeFigureOut">
               <a:rPr lang="en-US" smtClean="0"/>
-              <a:t>2/1/24</a:t>
+              <a:t>2/8/24</a:t>
             </a:fld>
             <a:endParaRPr lang="en-US" dirty="0"/>
           </a:p>
@@ -451,7 +448,7 @@
           <a:p>
             <a:fld id="{740E576D-777F-42E1-9739-7FD89F404092}" type="datetimeFigureOut">
               <a:rPr lang="en-US" smtClean="0"/>
-              <a:t>2/1/24</a:t>
+              <a:t>2/8/24</a:t>
             </a:fld>
             <a:endParaRPr lang="en-US" dirty="0"/>
           </a:p>
@@ -15822,1290 +15819,6 @@
 </p:sld>
 </file>
 
-<file path=ppt/slides/slide10.xml><?xml version="1.0" encoding="utf-8"?>
-<p:sld xmlns:a="http://schemas.openxmlformats.org/drawingml/2006/main" xmlns:r="http://schemas.openxmlformats.org/officeDocument/2006/relationships" xmlns:p="http://schemas.openxmlformats.org/presentationml/2006/main">
-  <p:cSld>
-    <p:spTree>
-      <p:nvGrpSpPr>
-        <p:cNvPr id="1" name="">
-          <a:extLst>
-            <a:ext uri="{FF2B5EF4-FFF2-40B4-BE49-F238E27FC236}">
-              <a16:creationId xmlns:a16="http://schemas.microsoft.com/office/drawing/2014/main" id="{A0BABD68-9F23-198D-8F68-C77E6EB17EB0}"/>
-            </a:ext>
-          </a:extLst>
-        </p:cNvPr>
-        <p:cNvGrpSpPr/>
-        <p:nvPr/>
-      </p:nvGrpSpPr>
-      <p:grpSpPr>
-        <a:xfrm>
-          <a:off x="0" y="0"/>
-          <a:ext cx="0" cy="0"/>
-          <a:chOff x="0" y="0"/>
-          <a:chExt cx="0" cy="0"/>
-        </a:xfrm>
-      </p:grpSpPr>
-      <p:pic>
-        <p:nvPicPr>
-          <p:cNvPr id="13" name="Bildplatzhalter 12" descr="Ein Bild, das Schachfigur, Statue, Messing, Skulptur enthält.&#10;&#10;Beschreibung automatisch generiert.">
-            <a:extLst>
-              <a:ext uri="{FF2B5EF4-FFF2-40B4-BE49-F238E27FC236}">
-                <a16:creationId xmlns:a16="http://schemas.microsoft.com/office/drawing/2014/main" id="{42988585-72B3-CC6E-6C27-DA0B9EE54ED8}"/>
-              </a:ext>
-            </a:extLst>
-          </p:cNvPr>
-          <p:cNvPicPr>
-            <a:picLocks noGrp="1" noChangeAspect="1"/>
-          </p:cNvPicPr>
-          <p:nvPr>
-            <p:ph type="pic" sz="quarter" idx="13"/>
-          </p:nvPr>
-        </p:nvPicPr>
-        <p:blipFill>
-          <a:blip r:embed="rId2"/>
-          <a:srcRect t="21875" b="21875"/>
-          <a:stretch/>
-        </p:blipFill>
-        <p:spPr>
-          <a:xfrm>
-            <a:off x="0" y="0"/>
-            <a:ext cx="12192000" cy="6858000"/>
-          </a:xfrm>
-        </p:spPr>
-      </p:pic>
-      <p:sp>
-        <p:nvSpPr>
-          <p:cNvPr id="9" name="Rectangle 8">
-            <a:extLst>
-              <a:ext uri="{FF2B5EF4-FFF2-40B4-BE49-F238E27FC236}">
-                <a16:creationId xmlns:a16="http://schemas.microsoft.com/office/drawing/2014/main" id="{556C16CF-9779-BF39-2D02-C68CA9A9D63A}"/>
-              </a:ext>
-            </a:extLst>
-          </p:cNvPr>
-          <p:cNvSpPr/>
-          <p:nvPr/>
-        </p:nvSpPr>
-        <p:spPr>
-          <a:xfrm>
-            <a:off x="-379828" y="-436098"/>
-            <a:ext cx="13111090" cy="7779433"/>
-          </a:xfrm>
-          <a:prstGeom prst="rect">
-            <a:avLst/>
-          </a:prstGeom>
-          <a:solidFill>
-            <a:schemeClr val="bg1">
-              <a:alpha val="90000"/>
-            </a:schemeClr>
-          </a:solidFill>
-        </p:spPr>
-        <p:style>
-          <a:lnRef idx="2">
-            <a:schemeClr val="accent1">
-              <a:shade val="15000"/>
-            </a:schemeClr>
-          </a:lnRef>
-          <a:fillRef idx="1">
-            <a:schemeClr val="accent1"/>
-          </a:fillRef>
-          <a:effectRef idx="0">
-            <a:schemeClr val="accent1"/>
-          </a:effectRef>
-          <a:fontRef idx="minor">
-            <a:schemeClr val="lt1"/>
-          </a:fontRef>
-        </p:style>
-        <p:txBody>
-          <a:bodyPr rtlCol="0" anchor="ctr"/>
-          <a:lstStyle/>
-          <a:p>
-            <a:pPr algn="ctr"/>
-            <a:endParaRPr lang="en-DE"/>
-          </a:p>
-        </p:txBody>
-      </p:sp>
-      <p:sp>
-        <p:nvSpPr>
-          <p:cNvPr id="20" name="Text Placeholder 19">
-            <a:extLst>
-              <a:ext uri="{FF2B5EF4-FFF2-40B4-BE49-F238E27FC236}">
-                <a16:creationId xmlns:a16="http://schemas.microsoft.com/office/drawing/2014/main" id="{DD1D9720-3369-EA55-BEE8-79D9098DD435}"/>
-              </a:ext>
-            </a:extLst>
-          </p:cNvPr>
-          <p:cNvSpPr>
-            <a:spLocks noGrp="1"/>
-          </p:cNvSpPr>
-          <p:nvPr>
-            <p:ph type="body" sz="quarter" idx="17"/>
-          </p:nvPr>
-        </p:nvSpPr>
-        <p:spPr>
-          <a:xfrm>
-            <a:off x="4165451" y="1269416"/>
-            <a:ext cx="1598515" cy="1681163"/>
-          </a:xfrm>
-        </p:spPr>
-        <p:txBody>
-          <a:bodyPr vert="horz" lIns="91440" tIns="45720" rIns="91440" bIns="45720" rtlCol="0" anchor="t">
-            <a:noAutofit/>
-          </a:bodyPr>
-          <a:lstStyle/>
-          <a:p>
-            <a:r>
-              <a:rPr lang="en-US" dirty="0"/>
-              <a:t>S</a:t>
-            </a:r>
-          </a:p>
-        </p:txBody>
-      </p:sp>
-      <p:sp>
-        <p:nvSpPr>
-          <p:cNvPr id="18" name="Text Placeholder 17">
-            <a:extLst>
-              <a:ext uri="{FF2B5EF4-FFF2-40B4-BE49-F238E27FC236}">
-                <a16:creationId xmlns:a16="http://schemas.microsoft.com/office/drawing/2014/main" id="{A0B9477A-A89E-E0B2-EE58-451C57E1EC98}"/>
-              </a:ext>
-            </a:extLst>
-          </p:cNvPr>
-          <p:cNvSpPr>
-            <a:spLocks noGrp="1"/>
-          </p:cNvSpPr>
-          <p:nvPr>
-            <p:ph type="body" sz="quarter" idx="15"/>
-          </p:nvPr>
-        </p:nvSpPr>
-        <p:spPr>
-          <a:xfrm>
-            <a:off x="2827449" y="1330267"/>
-            <a:ext cx="1253665" cy="1681163"/>
-          </a:xfrm>
-        </p:spPr>
-        <p:txBody>
-          <a:bodyPr vert="horz" lIns="91440" tIns="45720" rIns="91440" bIns="45720" rtlCol="0" anchor="t">
-            <a:noAutofit/>
-          </a:bodyPr>
-          <a:lstStyle/>
-          <a:p>
-            <a:r>
-              <a:rPr lang="en-US" dirty="0"/>
-              <a:t>E</a:t>
-            </a:r>
-            <a:endParaRPr lang="en-US" dirty="0">
-              <a:ea typeface="Source Sans Pro"/>
-            </a:endParaRPr>
-          </a:p>
-        </p:txBody>
-      </p:sp>
-      <p:sp>
-        <p:nvSpPr>
-          <p:cNvPr id="17" name="Text Placeholder 16">
-            <a:extLst>
-              <a:ext uri="{FF2B5EF4-FFF2-40B4-BE49-F238E27FC236}">
-                <a16:creationId xmlns:a16="http://schemas.microsoft.com/office/drawing/2014/main" id="{BAC0C93F-088F-B931-9C4D-A0E06E9DEF31}"/>
-              </a:ext>
-            </a:extLst>
-          </p:cNvPr>
-          <p:cNvSpPr>
-            <a:spLocks noGrp="1"/>
-          </p:cNvSpPr>
-          <p:nvPr>
-            <p:ph type="body" sz="quarter" idx="14"/>
-          </p:nvPr>
-        </p:nvSpPr>
-        <p:spPr>
-          <a:xfrm>
-            <a:off x="869501" y="490621"/>
-            <a:ext cx="1253665" cy="1681163"/>
-          </a:xfrm>
-        </p:spPr>
-        <p:txBody>
-          <a:bodyPr vert="horz" lIns="91440" tIns="45720" rIns="91440" bIns="45720" rtlCol="0" anchor="t">
-            <a:noAutofit/>
-          </a:bodyPr>
-          <a:lstStyle/>
-          <a:p>
-            <a:r>
-              <a:rPr lang="en-US" dirty="0">
-                <a:ea typeface="Source Sans Pro"/>
-              </a:rPr>
-              <a:t>C</a:t>
-            </a:r>
-          </a:p>
-        </p:txBody>
-      </p:sp>
-      <p:sp>
-        <p:nvSpPr>
-          <p:cNvPr id="19" name="Text Placeholder 18">
-            <a:extLst>
-              <a:ext uri="{FF2B5EF4-FFF2-40B4-BE49-F238E27FC236}">
-                <a16:creationId xmlns:a16="http://schemas.microsoft.com/office/drawing/2014/main" id="{AE4FB503-95E9-303D-AC9A-67472DFA9005}"/>
-              </a:ext>
-            </a:extLst>
-          </p:cNvPr>
-          <p:cNvSpPr>
-            <a:spLocks noGrp="1"/>
-          </p:cNvSpPr>
-          <p:nvPr>
-            <p:ph type="body" sz="quarter" idx="16"/>
-          </p:nvPr>
-        </p:nvSpPr>
-        <p:spPr>
-          <a:xfrm>
-            <a:off x="3619153" y="991513"/>
-            <a:ext cx="1253665" cy="1681163"/>
-          </a:xfrm>
-        </p:spPr>
-        <p:txBody>
-          <a:bodyPr vert="horz" lIns="91440" tIns="45720" rIns="91440" bIns="45720" rtlCol="0" anchor="t">
-            <a:noAutofit/>
-          </a:bodyPr>
-          <a:lstStyle/>
-          <a:p>
-            <a:r>
-              <a:rPr lang="en-US" dirty="0"/>
-              <a:t>S</a:t>
-            </a:r>
-            <a:endParaRPr lang="en-US" dirty="0">
-              <a:ea typeface="Source Sans Pro"/>
-            </a:endParaRPr>
-          </a:p>
-        </p:txBody>
-      </p:sp>
-      <p:sp>
-        <p:nvSpPr>
-          <p:cNvPr id="32" name="Subtitle 31">
-            <a:extLst>
-              <a:ext uri="{FF2B5EF4-FFF2-40B4-BE49-F238E27FC236}">
-                <a16:creationId xmlns:a16="http://schemas.microsoft.com/office/drawing/2014/main" id="{9D864564-2B69-77F5-115C-F74F1008418A}"/>
-              </a:ext>
-            </a:extLst>
-          </p:cNvPr>
-          <p:cNvSpPr>
-            <a:spLocks noGrp="1"/>
-          </p:cNvSpPr>
-          <p:nvPr>
-            <p:ph type="subTitle" idx="1"/>
-          </p:nvPr>
-        </p:nvSpPr>
-        <p:spPr>
-          <a:xfrm>
-            <a:off x="7970418" y="5325276"/>
-            <a:ext cx="3677297" cy="682094"/>
-          </a:xfrm>
-        </p:spPr>
-        <p:txBody>
-          <a:bodyPr>
-            <a:normAutofit fontScale="85000" lnSpcReduction="20000"/>
-          </a:bodyPr>
-          <a:lstStyle/>
-          <a:p>
-            <a:r>
-              <a:rPr lang="en-US" dirty="0"/>
-              <a:t>Aaron </a:t>
-            </a:r>
-            <a:r>
-              <a:rPr lang="en-US" err="1"/>
-              <a:t>debebe</a:t>
-            </a:r>
-            <a:endParaRPr lang="en-US" dirty="0" err="1">
-              <a:ea typeface="Source Sans Pro"/>
-            </a:endParaRPr>
-          </a:p>
-          <a:p>
-            <a:r>
-              <a:rPr lang="en-US" dirty="0">
-                <a:ea typeface="Source Sans Pro"/>
-              </a:rPr>
-              <a:t>Constantin Schreyer</a:t>
-            </a:r>
-          </a:p>
-        </p:txBody>
-      </p:sp>
-      <p:cxnSp>
-        <p:nvCxnSpPr>
-          <p:cNvPr id="12" name="Straight Connector 11">
-            <a:extLst>
-              <a:ext uri="{FF2B5EF4-FFF2-40B4-BE49-F238E27FC236}">
-                <a16:creationId xmlns:a16="http://schemas.microsoft.com/office/drawing/2014/main" id="{CF05FD25-7293-3B36-F62C-28FB09A9FB06}"/>
-              </a:ext>
-              <a:ext uri="{C183D7F6-B498-43B3-948B-1728B52AA6E4}">
-                <adec:decorative xmlns:adec="http://schemas.microsoft.com/office/drawing/2017/decorative" val="1"/>
-              </a:ext>
-            </a:extLst>
-          </p:cNvPr>
-          <p:cNvCxnSpPr>
-            <a:cxnSpLocks/>
-          </p:cNvCxnSpPr>
-          <p:nvPr/>
-        </p:nvCxnSpPr>
-        <p:spPr>
-          <a:xfrm flipH="1">
-            <a:off x="4245428" y="5655432"/>
-            <a:ext cx="3318888" cy="0"/>
-          </a:xfrm>
-          <a:prstGeom prst="line">
-            <a:avLst/>
-          </a:prstGeom>
-          <a:ln w="19050">
-            <a:solidFill>
-              <a:schemeClr val="accent1"/>
-            </a:solidFill>
-          </a:ln>
-        </p:spPr>
-        <p:style>
-          <a:lnRef idx="1">
-            <a:schemeClr val="accent1"/>
-          </a:lnRef>
-          <a:fillRef idx="0">
-            <a:schemeClr val="accent1"/>
-          </a:fillRef>
-          <a:effectRef idx="0">
-            <a:schemeClr val="accent1"/>
-          </a:effectRef>
-          <a:fontRef idx="minor">
-            <a:schemeClr val="tx1"/>
-          </a:fontRef>
-        </p:style>
-      </p:cxnSp>
-      <p:sp>
-        <p:nvSpPr>
-          <p:cNvPr id="3" name="Text Placeholder 16">
-            <a:extLst>
-              <a:ext uri="{FF2B5EF4-FFF2-40B4-BE49-F238E27FC236}">
-                <a16:creationId xmlns:a16="http://schemas.microsoft.com/office/drawing/2014/main" id="{9FE3BF0C-DA66-F25D-CFED-BD9040853463}"/>
-              </a:ext>
-            </a:extLst>
-          </p:cNvPr>
-          <p:cNvSpPr txBox="1">
-            <a:spLocks/>
-          </p:cNvSpPr>
-          <p:nvPr/>
-        </p:nvSpPr>
-        <p:spPr>
-          <a:xfrm>
-            <a:off x="1895803" y="850839"/>
-            <a:ext cx="1253665" cy="1681163"/>
-          </a:xfrm>
-          <a:prstGeom prst="rect">
-            <a:avLst/>
-          </a:prstGeom>
-        </p:spPr>
-        <p:txBody>
-          <a:bodyPr vert="horz" lIns="91440" tIns="45720" rIns="91440" bIns="45720" rtlCol="0" anchor="t">
-            <a:noAutofit/>
-          </a:bodyPr>
-          <a:lstStyle>
-            <a:lvl1pPr marL="0" indent="0" algn="l" defTabSz="914400" rtl="0" eaLnBrk="1" latinLnBrk="0" hangingPunct="1">
-              <a:lnSpc>
-                <a:spcPct val="90000"/>
-              </a:lnSpc>
-              <a:spcBef>
-                <a:spcPts val="1000"/>
-              </a:spcBef>
-              <a:buFont typeface="Arial" panose="020B0604020202020204" pitchFamily="34" charset="0"/>
-              <a:buNone/>
-              <a:defRPr sz="15500" b="1" kern="1200">
-                <a:solidFill>
-                  <a:schemeClr val="tx1"/>
-                </a:solidFill>
-                <a:latin typeface="+mn-lt"/>
-                <a:ea typeface="+mn-ea"/>
-                <a:cs typeface="+mn-cs"/>
-              </a:defRPr>
-            </a:lvl1pPr>
-            <a:lvl2pPr marL="685800" indent="-228600" algn="l" defTabSz="914400" rtl="0" eaLnBrk="1" latinLnBrk="0" hangingPunct="1">
-              <a:lnSpc>
-                <a:spcPct val="90000"/>
-              </a:lnSpc>
-              <a:spcBef>
-                <a:spcPts val="500"/>
-              </a:spcBef>
-              <a:buFont typeface="Arial" panose="020B0604020202020204" pitchFamily="34" charset="0"/>
-              <a:buChar char="•"/>
-              <a:defRPr sz="2400" kern="1200">
-                <a:solidFill>
-                  <a:schemeClr val="tx1"/>
-                </a:solidFill>
-                <a:latin typeface="+mn-lt"/>
-                <a:ea typeface="+mn-ea"/>
-                <a:cs typeface="+mn-cs"/>
-              </a:defRPr>
-            </a:lvl2pPr>
-            <a:lvl3pPr marL="1143000" indent="-228600" algn="l" defTabSz="914400" rtl="0" eaLnBrk="1" latinLnBrk="0" hangingPunct="1">
-              <a:lnSpc>
-                <a:spcPct val="90000"/>
-              </a:lnSpc>
-              <a:spcBef>
-                <a:spcPts val="500"/>
-              </a:spcBef>
-              <a:buFont typeface="Arial" panose="020B0604020202020204" pitchFamily="34" charset="0"/>
-              <a:buChar char="•"/>
-              <a:defRPr sz="2000" kern="1200">
-                <a:solidFill>
-                  <a:schemeClr val="tx1"/>
-                </a:solidFill>
-                <a:latin typeface="+mn-lt"/>
-                <a:ea typeface="+mn-ea"/>
-                <a:cs typeface="+mn-cs"/>
-              </a:defRPr>
-            </a:lvl3pPr>
-            <a:lvl4pPr marL="1600200" indent="-228600" algn="l" defTabSz="914400" rtl="0" eaLnBrk="1" latinLnBrk="0" hangingPunct="1">
-              <a:lnSpc>
-                <a:spcPct val="90000"/>
-              </a:lnSpc>
-              <a:spcBef>
-                <a:spcPts val="500"/>
-              </a:spcBef>
-              <a:buFont typeface="Arial" panose="020B0604020202020204" pitchFamily="34" charset="0"/>
-              <a:buChar char="•"/>
-              <a:defRPr sz="1800" kern="1200">
-                <a:solidFill>
-                  <a:schemeClr val="tx1"/>
-                </a:solidFill>
-                <a:latin typeface="+mn-lt"/>
-                <a:ea typeface="+mn-ea"/>
-                <a:cs typeface="+mn-cs"/>
-              </a:defRPr>
-            </a:lvl4pPr>
-            <a:lvl5pPr marL="2057400" indent="-228600" algn="l" defTabSz="914400" rtl="0" eaLnBrk="1" latinLnBrk="0" hangingPunct="1">
-              <a:lnSpc>
-                <a:spcPct val="90000"/>
-              </a:lnSpc>
-              <a:spcBef>
-                <a:spcPts val="500"/>
-              </a:spcBef>
-              <a:buFont typeface="Arial" panose="020B0604020202020204" pitchFamily="34" charset="0"/>
-              <a:buChar char="•"/>
-              <a:defRPr sz="1800" kern="1200">
-                <a:solidFill>
-                  <a:schemeClr val="tx1"/>
-                </a:solidFill>
-                <a:latin typeface="+mn-lt"/>
-                <a:ea typeface="+mn-ea"/>
-                <a:cs typeface="+mn-cs"/>
-              </a:defRPr>
-            </a:lvl5pPr>
-            <a:lvl6pPr marL="2514600" indent="-228600" algn="l" defTabSz="914400" rtl="0" eaLnBrk="1" latinLnBrk="0" hangingPunct="1">
-              <a:lnSpc>
-                <a:spcPct val="90000"/>
-              </a:lnSpc>
-              <a:spcBef>
-                <a:spcPts val="500"/>
-              </a:spcBef>
-              <a:buFont typeface="Arial" panose="020B0604020202020204" pitchFamily="34" charset="0"/>
-              <a:buChar char="•"/>
-              <a:defRPr sz="1800" kern="1200">
-                <a:solidFill>
-                  <a:schemeClr val="tx1"/>
-                </a:solidFill>
-                <a:latin typeface="+mn-lt"/>
-                <a:ea typeface="+mn-ea"/>
-                <a:cs typeface="+mn-cs"/>
-              </a:defRPr>
-            </a:lvl6pPr>
-            <a:lvl7pPr marL="2971800" indent="-228600" algn="l" defTabSz="914400" rtl="0" eaLnBrk="1" latinLnBrk="0" hangingPunct="1">
-              <a:lnSpc>
-                <a:spcPct val="90000"/>
-              </a:lnSpc>
-              <a:spcBef>
-                <a:spcPts val="500"/>
-              </a:spcBef>
-              <a:buFont typeface="Arial" panose="020B0604020202020204" pitchFamily="34" charset="0"/>
-              <a:buChar char="•"/>
-              <a:defRPr sz="1800" kern="1200">
-                <a:solidFill>
-                  <a:schemeClr val="tx1"/>
-                </a:solidFill>
-                <a:latin typeface="+mn-lt"/>
-                <a:ea typeface="+mn-ea"/>
-                <a:cs typeface="+mn-cs"/>
-              </a:defRPr>
-            </a:lvl7pPr>
-            <a:lvl8pPr marL="3429000" indent="-228600" algn="l" defTabSz="914400" rtl="0" eaLnBrk="1" latinLnBrk="0" hangingPunct="1">
-              <a:lnSpc>
-                <a:spcPct val="90000"/>
-              </a:lnSpc>
-              <a:spcBef>
-                <a:spcPts val="500"/>
-              </a:spcBef>
-              <a:buFont typeface="Arial" panose="020B0604020202020204" pitchFamily="34" charset="0"/>
-              <a:buChar char="•"/>
-              <a:defRPr sz="1800" kern="1200">
-                <a:solidFill>
-                  <a:schemeClr val="tx1"/>
-                </a:solidFill>
-                <a:latin typeface="+mn-lt"/>
-                <a:ea typeface="+mn-ea"/>
-                <a:cs typeface="+mn-cs"/>
-              </a:defRPr>
-            </a:lvl8pPr>
-            <a:lvl9pPr marL="3886200" indent="-228600" algn="l" defTabSz="914400" rtl="0" eaLnBrk="1" latinLnBrk="0" hangingPunct="1">
-              <a:lnSpc>
-                <a:spcPct val="90000"/>
-              </a:lnSpc>
-              <a:spcBef>
-                <a:spcPts val="500"/>
-              </a:spcBef>
-              <a:buFont typeface="Arial" panose="020B0604020202020204" pitchFamily="34" charset="0"/>
-              <a:buChar char="•"/>
-              <a:defRPr sz="1800" kern="1200">
-                <a:solidFill>
-                  <a:schemeClr val="tx1"/>
-                </a:solidFill>
-                <a:latin typeface="+mn-lt"/>
-                <a:ea typeface="+mn-ea"/>
-                <a:cs typeface="+mn-cs"/>
-              </a:defRPr>
-            </a:lvl9pPr>
-          </a:lstStyle>
-          <a:p>
-            <a:r>
-              <a:rPr lang="en-US" dirty="0">
-                <a:ea typeface="Source Sans Pro"/>
-              </a:rPr>
-              <a:t>H</a:t>
-            </a:r>
-          </a:p>
-        </p:txBody>
-      </p:sp>
-      <p:sp>
-        <p:nvSpPr>
-          <p:cNvPr id="4" name="Text Placeholder 16">
-            <a:extLst>
-              <a:ext uri="{FF2B5EF4-FFF2-40B4-BE49-F238E27FC236}">
-                <a16:creationId xmlns:a16="http://schemas.microsoft.com/office/drawing/2014/main" id="{9640A1AC-0147-4FBC-E0A3-B322468434E5}"/>
-              </a:ext>
-            </a:extLst>
-          </p:cNvPr>
-          <p:cNvSpPr txBox="1">
-            <a:spLocks/>
-          </p:cNvSpPr>
-          <p:nvPr/>
-        </p:nvSpPr>
-        <p:spPr>
-          <a:xfrm>
-            <a:off x="1322364" y="2084304"/>
-            <a:ext cx="1253665" cy="1681163"/>
-          </a:xfrm>
-          <a:prstGeom prst="rect">
-            <a:avLst/>
-          </a:prstGeom>
-        </p:spPr>
-        <p:txBody>
-          <a:bodyPr vert="horz" lIns="91440" tIns="45720" rIns="91440" bIns="45720" rtlCol="0" anchor="t">
-            <a:noAutofit/>
-          </a:bodyPr>
-          <a:lstStyle>
-            <a:lvl1pPr marL="0" indent="0" algn="l" defTabSz="914400" rtl="0" eaLnBrk="1" latinLnBrk="0" hangingPunct="1">
-              <a:lnSpc>
-                <a:spcPct val="90000"/>
-              </a:lnSpc>
-              <a:spcBef>
-                <a:spcPts val="1000"/>
-              </a:spcBef>
-              <a:buFont typeface="Arial" panose="020B0604020202020204" pitchFamily="34" charset="0"/>
-              <a:buNone/>
-              <a:defRPr sz="15500" b="1" kern="1200">
-                <a:solidFill>
-                  <a:schemeClr val="tx1"/>
-                </a:solidFill>
-                <a:latin typeface="+mn-lt"/>
-                <a:ea typeface="+mn-ea"/>
-                <a:cs typeface="+mn-cs"/>
-              </a:defRPr>
-            </a:lvl1pPr>
-            <a:lvl2pPr marL="685800" indent="-228600" algn="l" defTabSz="914400" rtl="0" eaLnBrk="1" latinLnBrk="0" hangingPunct="1">
-              <a:lnSpc>
-                <a:spcPct val="90000"/>
-              </a:lnSpc>
-              <a:spcBef>
-                <a:spcPts val="500"/>
-              </a:spcBef>
-              <a:buFont typeface="Arial" panose="020B0604020202020204" pitchFamily="34" charset="0"/>
-              <a:buChar char="•"/>
-              <a:defRPr sz="2400" kern="1200">
-                <a:solidFill>
-                  <a:schemeClr val="tx1"/>
-                </a:solidFill>
-                <a:latin typeface="+mn-lt"/>
-                <a:ea typeface="+mn-ea"/>
-                <a:cs typeface="+mn-cs"/>
-              </a:defRPr>
-            </a:lvl2pPr>
-            <a:lvl3pPr marL="1143000" indent="-228600" algn="l" defTabSz="914400" rtl="0" eaLnBrk="1" latinLnBrk="0" hangingPunct="1">
-              <a:lnSpc>
-                <a:spcPct val="90000"/>
-              </a:lnSpc>
-              <a:spcBef>
-                <a:spcPts val="500"/>
-              </a:spcBef>
-              <a:buFont typeface="Arial" panose="020B0604020202020204" pitchFamily="34" charset="0"/>
-              <a:buChar char="•"/>
-              <a:defRPr sz="2000" kern="1200">
-                <a:solidFill>
-                  <a:schemeClr val="tx1"/>
-                </a:solidFill>
-                <a:latin typeface="+mn-lt"/>
-                <a:ea typeface="+mn-ea"/>
-                <a:cs typeface="+mn-cs"/>
-              </a:defRPr>
-            </a:lvl3pPr>
-            <a:lvl4pPr marL="1600200" indent="-228600" algn="l" defTabSz="914400" rtl="0" eaLnBrk="1" latinLnBrk="0" hangingPunct="1">
-              <a:lnSpc>
-                <a:spcPct val="90000"/>
-              </a:lnSpc>
-              <a:spcBef>
-                <a:spcPts val="500"/>
-              </a:spcBef>
-              <a:buFont typeface="Arial" panose="020B0604020202020204" pitchFamily="34" charset="0"/>
-              <a:buChar char="•"/>
-              <a:defRPr sz="1800" kern="1200">
-                <a:solidFill>
-                  <a:schemeClr val="tx1"/>
-                </a:solidFill>
-                <a:latin typeface="+mn-lt"/>
-                <a:ea typeface="+mn-ea"/>
-                <a:cs typeface="+mn-cs"/>
-              </a:defRPr>
-            </a:lvl4pPr>
-            <a:lvl5pPr marL="2057400" indent="-228600" algn="l" defTabSz="914400" rtl="0" eaLnBrk="1" latinLnBrk="0" hangingPunct="1">
-              <a:lnSpc>
-                <a:spcPct val="90000"/>
-              </a:lnSpc>
-              <a:spcBef>
-                <a:spcPts val="500"/>
-              </a:spcBef>
-              <a:buFont typeface="Arial" panose="020B0604020202020204" pitchFamily="34" charset="0"/>
-              <a:buChar char="•"/>
-              <a:defRPr sz="1800" kern="1200">
-                <a:solidFill>
-                  <a:schemeClr val="tx1"/>
-                </a:solidFill>
-                <a:latin typeface="+mn-lt"/>
-                <a:ea typeface="+mn-ea"/>
-                <a:cs typeface="+mn-cs"/>
-              </a:defRPr>
-            </a:lvl5pPr>
-            <a:lvl6pPr marL="2514600" indent="-228600" algn="l" defTabSz="914400" rtl="0" eaLnBrk="1" latinLnBrk="0" hangingPunct="1">
-              <a:lnSpc>
-                <a:spcPct val="90000"/>
-              </a:lnSpc>
-              <a:spcBef>
-                <a:spcPts val="500"/>
-              </a:spcBef>
-              <a:buFont typeface="Arial" panose="020B0604020202020204" pitchFamily="34" charset="0"/>
-              <a:buChar char="•"/>
-              <a:defRPr sz="1800" kern="1200">
-                <a:solidFill>
-                  <a:schemeClr val="tx1"/>
-                </a:solidFill>
-                <a:latin typeface="+mn-lt"/>
-                <a:ea typeface="+mn-ea"/>
-                <a:cs typeface="+mn-cs"/>
-              </a:defRPr>
-            </a:lvl6pPr>
-            <a:lvl7pPr marL="2971800" indent="-228600" algn="l" defTabSz="914400" rtl="0" eaLnBrk="1" latinLnBrk="0" hangingPunct="1">
-              <a:lnSpc>
-                <a:spcPct val="90000"/>
-              </a:lnSpc>
-              <a:spcBef>
-                <a:spcPts val="500"/>
-              </a:spcBef>
-              <a:buFont typeface="Arial" panose="020B0604020202020204" pitchFamily="34" charset="0"/>
-              <a:buChar char="•"/>
-              <a:defRPr sz="1800" kern="1200">
-                <a:solidFill>
-                  <a:schemeClr val="tx1"/>
-                </a:solidFill>
-                <a:latin typeface="+mn-lt"/>
-                <a:ea typeface="+mn-ea"/>
-                <a:cs typeface="+mn-cs"/>
-              </a:defRPr>
-            </a:lvl7pPr>
-            <a:lvl8pPr marL="3429000" indent="-228600" algn="l" defTabSz="914400" rtl="0" eaLnBrk="1" latinLnBrk="0" hangingPunct="1">
-              <a:lnSpc>
-                <a:spcPct val="90000"/>
-              </a:lnSpc>
-              <a:spcBef>
-                <a:spcPts val="500"/>
-              </a:spcBef>
-              <a:buFont typeface="Arial" panose="020B0604020202020204" pitchFamily="34" charset="0"/>
-              <a:buChar char="•"/>
-              <a:defRPr sz="1800" kern="1200">
-                <a:solidFill>
-                  <a:schemeClr val="tx1"/>
-                </a:solidFill>
-                <a:latin typeface="+mn-lt"/>
-                <a:ea typeface="+mn-ea"/>
-                <a:cs typeface="+mn-cs"/>
-              </a:defRPr>
-            </a:lvl8pPr>
-            <a:lvl9pPr marL="3886200" indent="-228600" algn="l" defTabSz="914400" rtl="0" eaLnBrk="1" latinLnBrk="0" hangingPunct="1">
-              <a:lnSpc>
-                <a:spcPct val="90000"/>
-              </a:lnSpc>
-              <a:spcBef>
-                <a:spcPts val="500"/>
-              </a:spcBef>
-              <a:buFont typeface="Arial" panose="020B0604020202020204" pitchFamily="34" charset="0"/>
-              <a:buChar char="•"/>
-              <a:defRPr sz="1800" kern="1200">
-                <a:solidFill>
-                  <a:schemeClr val="tx1"/>
-                </a:solidFill>
-                <a:latin typeface="+mn-lt"/>
-                <a:ea typeface="+mn-ea"/>
-                <a:cs typeface="+mn-cs"/>
-              </a:defRPr>
-            </a:lvl9pPr>
-          </a:lstStyle>
-          <a:p>
-            <a:r>
-              <a:rPr lang="en-US" dirty="0">
-                <a:ea typeface="Source Sans Pro"/>
-              </a:rPr>
-              <a:t>F</a:t>
-            </a:r>
-            <a:endParaRPr lang="de-DE" dirty="0"/>
-          </a:p>
-        </p:txBody>
-      </p:sp>
-      <p:sp>
-        <p:nvSpPr>
-          <p:cNvPr id="5" name="Text Placeholder 16">
-            <a:extLst>
-              <a:ext uri="{FF2B5EF4-FFF2-40B4-BE49-F238E27FC236}">
-                <a16:creationId xmlns:a16="http://schemas.microsoft.com/office/drawing/2014/main" id="{0E3B10EE-0405-F2E5-1D42-4CC53EE36DD4}"/>
-              </a:ext>
-            </a:extLst>
-          </p:cNvPr>
-          <p:cNvSpPr txBox="1">
-            <a:spLocks/>
-          </p:cNvSpPr>
-          <p:nvPr/>
-        </p:nvSpPr>
-        <p:spPr>
-          <a:xfrm>
-            <a:off x="2740900" y="2409417"/>
-            <a:ext cx="1253665" cy="1681163"/>
-          </a:xfrm>
-          <a:prstGeom prst="rect">
-            <a:avLst/>
-          </a:prstGeom>
-        </p:spPr>
-        <p:txBody>
-          <a:bodyPr vert="horz" lIns="91440" tIns="45720" rIns="91440" bIns="45720" rtlCol="0" anchor="t">
-            <a:noAutofit/>
-          </a:bodyPr>
-          <a:lstStyle>
-            <a:lvl1pPr marL="0" indent="0" algn="l" defTabSz="914400" rtl="0" eaLnBrk="1" latinLnBrk="0" hangingPunct="1">
-              <a:lnSpc>
-                <a:spcPct val="90000"/>
-              </a:lnSpc>
-              <a:spcBef>
-                <a:spcPts val="1000"/>
-              </a:spcBef>
-              <a:buFont typeface="Arial" panose="020B0604020202020204" pitchFamily="34" charset="0"/>
-              <a:buNone/>
-              <a:defRPr sz="15500" b="1" kern="1200">
-                <a:solidFill>
-                  <a:schemeClr val="tx1"/>
-                </a:solidFill>
-                <a:latin typeface="+mn-lt"/>
-                <a:ea typeface="+mn-ea"/>
-                <a:cs typeface="+mn-cs"/>
-              </a:defRPr>
-            </a:lvl1pPr>
-            <a:lvl2pPr marL="685800" indent="-228600" algn="l" defTabSz="914400" rtl="0" eaLnBrk="1" latinLnBrk="0" hangingPunct="1">
-              <a:lnSpc>
-                <a:spcPct val="90000"/>
-              </a:lnSpc>
-              <a:spcBef>
-                <a:spcPts val="500"/>
-              </a:spcBef>
-              <a:buFont typeface="Arial" panose="020B0604020202020204" pitchFamily="34" charset="0"/>
-              <a:buChar char="•"/>
-              <a:defRPr sz="2400" kern="1200">
-                <a:solidFill>
-                  <a:schemeClr val="tx1"/>
-                </a:solidFill>
-                <a:latin typeface="+mn-lt"/>
-                <a:ea typeface="+mn-ea"/>
-                <a:cs typeface="+mn-cs"/>
-              </a:defRPr>
-            </a:lvl2pPr>
-            <a:lvl3pPr marL="1143000" indent="-228600" algn="l" defTabSz="914400" rtl="0" eaLnBrk="1" latinLnBrk="0" hangingPunct="1">
-              <a:lnSpc>
-                <a:spcPct val="90000"/>
-              </a:lnSpc>
-              <a:spcBef>
-                <a:spcPts val="500"/>
-              </a:spcBef>
-              <a:buFont typeface="Arial" panose="020B0604020202020204" pitchFamily="34" charset="0"/>
-              <a:buChar char="•"/>
-              <a:defRPr sz="2000" kern="1200">
-                <a:solidFill>
-                  <a:schemeClr val="tx1"/>
-                </a:solidFill>
-                <a:latin typeface="+mn-lt"/>
-                <a:ea typeface="+mn-ea"/>
-                <a:cs typeface="+mn-cs"/>
-              </a:defRPr>
-            </a:lvl3pPr>
-            <a:lvl4pPr marL="1600200" indent="-228600" algn="l" defTabSz="914400" rtl="0" eaLnBrk="1" latinLnBrk="0" hangingPunct="1">
-              <a:lnSpc>
-                <a:spcPct val="90000"/>
-              </a:lnSpc>
-              <a:spcBef>
-                <a:spcPts val="500"/>
-              </a:spcBef>
-              <a:buFont typeface="Arial" panose="020B0604020202020204" pitchFamily="34" charset="0"/>
-              <a:buChar char="•"/>
-              <a:defRPr sz="1800" kern="1200">
-                <a:solidFill>
-                  <a:schemeClr val="tx1"/>
-                </a:solidFill>
-                <a:latin typeface="+mn-lt"/>
-                <a:ea typeface="+mn-ea"/>
-                <a:cs typeface="+mn-cs"/>
-              </a:defRPr>
-            </a:lvl4pPr>
-            <a:lvl5pPr marL="2057400" indent="-228600" algn="l" defTabSz="914400" rtl="0" eaLnBrk="1" latinLnBrk="0" hangingPunct="1">
-              <a:lnSpc>
-                <a:spcPct val="90000"/>
-              </a:lnSpc>
-              <a:spcBef>
-                <a:spcPts val="500"/>
-              </a:spcBef>
-              <a:buFont typeface="Arial" panose="020B0604020202020204" pitchFamily="34" charset="0"/>
-              <a:buChar char="•"/>
-              <a:defRPr sz="1800" kern="1200">
-                <a:solidFill>
-                  <a:schemeClr val="tx1"/>
-                </a:solidFill>
-                <a:latin typeface="+mn-lt"/>
-                <a:ea typeface="+mn-ea"/>
-                <a:cs typeface="+mn-cs"/>
-              </a:defRPr>
-            </a:lvl5pPr>
-            <a:lvl6pPr marL="2514600" indent="-228600" algn="l" defTabSz="914400" rtl="0" eaLnBrk="1" latinLnBrk="0" hangingPunct="1">
-              <a:lnSpc>
-                <a:spcPct val="90000"/>
-              </a:lnSpc>
-              <a:spcBef>
-                <a:spcPts val="500"/>
-              </a:spcBef>
-              <a:buFont typeface="Arial" panose="020B0604020202020204" pitchFamily="34" charset="0"/>
-              <a:buChar char="•"/>
-              <a:defRPr sz="1800" kern="1200">
-                <a:solidFill>
-                  <a:schemeClr val="tx1"/>
-                </a:solidFill>
-                <a:latin typeface="+mn-lt"/>
-                <a:ea typeface="+mn-ea"/>
-                <a:cs typeface="+mn-cs"/>
-              </a:defRPr>
-            </a:lvl6pPr>
-            <a:lvl7pPr marL="2971800" indent="-228600" algn="l" defTabSz="914400" rtl="0" eaLnBrk="1" latinLnBrk="0" hangingPunct="1">
-              <a:lnSpc>
-                <a:spcPct val="90000"/>
-              </a:lnSpc>
-              <a:spcBef>
-                <a:spcPts val="500"/>
-              </a:spcBef>
-              <a:buFont typeface="Arial" panose="020B0604020202020204" pitchFamily="34" charset="0"/>
-              <a:buChar char="•"/>
-              <a:defRPr sz="1800" kern="1200">
-                <a:solidFill>
-                  <a:schemeClr val="tx1"/>
-                </a:solidFill>
-                <a:latin typeface="+mn-lt"/>
-                <a:ea typeface="+mn-ea"/>
-                <a:cs typeface="+mn-cs"/>
-              </a:defRPr>
-            </a:lvl7pPr>
-            <a:lvl8pPr marL="3429000" indent="-228600" algn="l" defTabSz="914400" rtl="0" eaLnBrk="1" latinLnBrk="0" hangingPunct="1">
-              <a:lnSpc>
-                <a:spcPct val="90000"/>
-              </a:lnSpc>
-              <a:spcBef>
-                <a:spcPts val="500"/>
-              </a:spcBef>
-              <a:buFont typeface="Arial" panose="020B0604020202020204" pitchFamily="34" charset="0"/>
-              <a:buChar char="•"/>
-              <a:defRPr sz="1800" kern="1200">
-                <a:solidFill>
-                  <a:schemeClr val="tx1"/>
-                </a:solidFill>
-                <a:latin typeface="+mn-lt"/>
-                <a:ea typeface="+mn-ea"/>
-                <a:cs typeface="+mn-cs"/>
-              </a:defRPr>
-            </a:lvl8pPr>
-            <a:lvl9pPr marL="3886200" indent="-228600" algn="l" defTabSz="914400" rtl="0" eaLnBrk="1" latinLnBrk="0" hangingPunct="1">
-              <a:lnSpc>
-                <a:spcPct val="90000"/>
-              </a:lnSpc>
-              <a:spcBef>
-                <a:spcPts val="500"/>
-              </a:spcBef>
-              <a:buFont typeface="Arial" panose="020B0604020202020204" pitchFamily="34" charset="0"/>
-              <a:buChar char="•"/>
-              <a:defRPr sz="1800" kern="1200">
-                <a:solidFill>
-                  <a:schemeClr val="tx1"/>
-                </a:solidFill>
-                <a:latin typeface="+mn-lt"/>
-                <a:ea typeface="+mn-ea"/>
-                <a:cs typeface="+mn-cs"/>
-              </a:defRPr>
-            </a:lvl9pPr>
-          </a:lstStyle>
-          <a:p>
-            <a:r>
-              <a:rPr lang="en-US" dirty="0">
-                <a:ea typeface="Source Sans Pro"/>
-              </a:rPr>
-              <a:t>N</a:t>
-            </a:r>
-            <a:endParaRPr lang="de-DE" dirty="0"/>
-          </a:p>
-        </p:txBody>
-      </p:sp>
-      <p:sp>
-        <p:nvSpPr>
-          <p:cNvPr id="6" name="Text Placeholder 16">
-            <a:extLst>
-              <a:ext uri="{FF2B5EF4-FFF2-40B4-BE49-F238E27FC236}">
-                <a16:creationId xmlns:a16="http://schemas.microsoft.com/office/drawing/2014/main" id="{6B34FBBE-1B91-1617-D6C7-C1CE34249915}"/>
-              </a:ext>
-            </a:extLst>
-          </p:cNvPr>
-          <p:cNvSpPr txBox="1">
-            <a:spLocks/>
-          </p:cNvSpPr>
-          <p:nvPr/>
-        </p:nvSpPr>
-        <p:spPr>
-          <a:xfrm>
-            <a:off x="1895803" y="2779349"/>
-            <a:ext cx="1253665" cy="1681163"/>
-          </a:xfrm>
-          <a:prstGeom prst="rect">
-            <a:avLst/>
-          </a:prstGeom>
-        </p:spPr>
-        <p:txBody>
-          <a:bodyPr vert="horz" lIns="91440" tIns="45720" rIns="91440" bIns="45720" rtlCol="0" anchor="t">
-            <a:noAutofit/>
-          </a:bodyPr>
-          <a:lstStyle>
-            <a:lvl1pPr marL="0" indent="0" algn="l" defTabSz="914400" rtl="0" eaLnBrk="1" latinLnBrk="0" hangingPunct="1">
-              <a:lnSpc>
-                <a:spcPct val="90000"/>
-              </a:lnSpc>
-              <a:spcBef>
-                <a:spcPts val="1000"/>
-              </a:spcBef>
-              <a:buFont typeface="Arial" panose="020B0604020202020204" pitchFamily="34" charset="0"/>
-              <a:buNone/>
-              <a:defRPr sz="15500" b="1" kern="1200">
-                <a:solidFill>
-                  <a:schemeClr val="tx1"/>
-                </a:solidFill>
-                <a:latin typeface="+mn-lt"/>
-                <a:ea typeface="+mn-ea"/>
-                <a:cs typeface="+mn-cs"/>
-              </a:defRPr>
-            </a:lvl1pPr>
-            <a:lvl2pPr marL="685800" indent="-228600" algn="l" defTabSz="914400" rtl="0" eaLnBrk="1" latinLnBrk="0" hangingPunct="1">
-              <a:lnSpc>
-                <a:spcPct val="90000"/>
-              </a:lnSpc>
-              <a:spcBef>
-                <a:spcPts val="500"/>
-              </a:spcBef>
-              <a:buFont typeface="Arial" panose="020B0604020202020204" pitchFamily="34" charset="0"/>
-              <a:buChar char="•"/>
-              <a:defRPr sz="2400" kern="1200">
-                <a:solidFill>
-                  <a:schemeClr val="tx1"/>
-                </a:solidFill>
-                <a:latin typeface="+mn-lt"/>
-                <a:ea typeface="+mn-ea"/>
-                <a:cs typeface="+mn-cs"/>
-              </a:defRPr>
-            </a:lvl2pPr>
-            <a:lvl3pPr marL="1143000" indent="-228600" algn="l" defTabSz="914400" rtl="0" eaLnBrk="1" latinLnBrk="0" hangingPunct="1">
-              <a:lnSpc>
-                <a:spcPct val="90000"/>
-              </a:lnSpc>
-              <a:spcBef>
-                <a:spcPts val="500"/>
-              </a:spcBef>
-              <a:buFont typeface="Arial" panose="020B0604020202020204" pitchFamily="34" charset="0"/>
-              <a:buChar char="•"/>
-              <a:defRPr sz="2000" kern="1200">
-                <a:solidFill>
-                  <a:schemeClr val="tx1"/>
-                </a:solidFill>
-                <a:latin typeface="+mn-lt"/>
-                <a:ea typeface="+mn-ea"/>
-                <a:cs typeface="+mn-cs"/>
-              </a:defRPr>
-            </a:lvl3pPr>
-            <a:lvl4pPr marL="1600200" indent="-228600" algn="l" defTabSz="914400" rtl="0" eaLnBrk="1" latinLnBrk="0" hangingPunct="1">
-              <a:lnSpc>
-                <a:spcPct val="90000"/>
-              </a:lnSpc>
-              <a:spcBef>
-                <a:spcPts val="500"/>
-              </a:spcBef>
-              <a:buFont typeface="Arial" panose="020B0604020202020204" pitchFamily="34" charset="0"/>
-              <a:buChar char="•"/>
-              <a:defRPr sz="1800" kern="1200">
-                <a:solidFill>
-                  <a:schemeClr val="tx1"/>
-                </a:solidFill>
-                <a:latin typeface="+mn-lt"/>
-                <a:ea typeface="+mn-ea"/>
-                <a:cs typeface="+mn-cs"/>
-              </a:defRPr>
-            </a:lvl4pPr>
-            <a:lvl5pPr marL="2057400" indent="-228600" algn="l" defTabSz="914400" rtl="0" eaLnBrk="1" latinLnBrk="0" hangingPunct="1">
-              <a:lnSpc>
-                <a:spcPct val="90000"/>
-              </a:lnSpc>
-              <a:spcBef>
-                <a:spcPts val="500"/>
-              </a:spcBef>
-              <a:buFont typeface="Arial" panose="020B0604020202020204" pitchFamily="34" charset="0"/>
-              <a:buChar char="•"/>
-              <a:defRPr sz="1800" kern="1200">
-                <a:solidFill>
-                  <a:schemeClr val="tx1"/>
-                </a:solidFill>
-                <a:latin typeface="+mn-lt"/>
-                <a:ea typeface="+mn-ea"/>
-                <a:cs typeface="+mn-cs"/>
-              </a:defRPr>
-            </a:lvl5pPr>
-            <a:lvl6pPr marL="2514600" indent="-228600" algn="l" defTabSz="914400" rtl="0" eaLnBrk="1" latinLnBrk="0" hangingPunct="1">
-              <a:lnSpc>
-                <a:spcPct val="90000"/>
-              </a:lnSpc>
-              <a:spcBef>
-                <a:spcPts val="500"/>
-              </a:spcBef>
-              <a:buFont typeface="Arial" panose="020B0604020202020204" pitchFamily="34" charset="0"/>
-              <a:buChar char="•"/>
-              <a:defRPr sz="1800" kern="1200">
-                <a:solidFill>
-                  <a:schemeClr val="tx1"/>
-                </a:solidFill>
-                <a:latin typeface="+mn-lt"/>
-                <a:ea typeface="+mn-ea"/>
-                <a:cs typeface="+mn-cs"/>
-              </a:defRPr>
-            </a:lvl6pPr>
-            <a:lvl7pPr marL="2971800" indent="-228600" algn="l" defTabSz="914400" rtl="0" eaLnBrk="1" latinLnBrk="0" hangingPunct="1">
-              <a:lnSpc>
-                <a:spcPct val="90000"/>
-              </a:lnSpc>
-              <a:spcBef>
-                <a:spcPts val="500"/>
-              </a:spcBef>
-              <a:buFont typeface="Arial" panose="020B0604020202020204" pitchFamily="34" charset="0"/>
-              <a:buChar char="•"/>
-              <a:defRPr sz="1800" kern="1200">
-                <a:solidFill>
-                  <a:schemeClr val="tx1"/>
-                </a:solidFill>
-                <a:latin typeface="+mn-lt"/>
-                <a:ea typeface="+mn-ea"/>
-                <a:cs typeface="+mn-cs"/>
-              </a:defRPr>
-            </a:lvl7pPr>
-            <a:lvl8pPr marL="3429000" indent="-228600" algn="l" defTabSz="914400" rtl="0" eaLnBrk="1" latinLnBrk="0" hangingPunct="1">
-              <a:lnSpc>
-                <a:spcPct val="90000"/>
-              </a:lnSpc>
-              <a:spcBef>
-                <a:spcPts val="500"/>
-              </a:spcBef>
-              <a:buFont typeface="Arial" panose="020B0604020202020204" pitchFamily="34" charset="0"/>
-              <a:buChar char="•"/>
-              <a:defRPr sz="1800" kern="1200">
-                <a:solidFill>
-                  <a:schemeClr val="tx1"/>
-                </a:solidFill>
-                <a:latin typeface="+mn-lt"/>
-                <a:ea typeface="+mn-ea"/>
-                <a:cs typeface="+mn-cs"/>
-              </a:defRPr>
-            </a:lvl8pPr>
-            <a:lvl9pPr marL="3886200" indent="-228600" algn="l" defTabSz="914400" rtl="0" eaLnBrk="1" latinLnBrk="0" hangingPunct="1">
-              <a:lnSpc>
-                <a:spcPct val="90000"/>
-              </a:lnSpc>
-              <a:spcBef>
-                <a:spcPts val="500"/>
-              </a:spcBef>
-              <a:buFont typeface="Arial" panose="020B0604020202020204" pitchFamily="34" charset="0"/>
-              <a:buChar char="•"/>
-              <a:defRPr sz="1800" kern="1200">
-                <a:solidFill>
-                  <a:schemeClr val="tx1"/>
-                </a:solidFill>
-                <a:latin typeface="+mn-lt"/>
-                <a:ea typeface="+mn-ea"/>
-                <a:cs typeface="+mn-cs"/>
-              </a:defRPr>
-            </a:lvl9pPr>
-          </a:lstStyle>
-          <a:p>
-            <a:r>
-              <a:rPr lang="en-US" dirty="0">
-                <a:ea typeface="Source Sans Pro"/>
-              </a:rPr>
-              <a:t>E</a:t>
-            </a:r>
-            <a:endParaRPr lang="de-DE" dirty="0"/>
-          </a:p>
-        </p:txBody>
-      </p:sp>
-      <p:cxnSp>
-        <p:nvCxnSpPr>
-          <p:cNvPr id="10" name="Straight Connector 9">
-            <a:extLst>
-              <a:ext uri="{FF2B5EF4-FFF2-40B4-BE49-F238E27FC236}">
-                <a16:creationId xmlns:a16="http://schemas.microsoft.com/office/drawing/2014/main" id="{4F9AEA6C-6EA7-B98F-0E88-18F6CF7FB3B2}"/>
-              </a:ext>
-              <a:ext uri="{C183D7F6-B498-43B3-948B-1728B52AA6E4}">
-                <adec:decorative xmlns:adec="http://schemas.microsoft.com/office/drawing/2017/decorative" val="1"/>
-              </a:ext>
-            </a:extLst>
-          </p:cNvPr>
-          <p:cNvCxnSpPr>
-            <a:cxnSpLocks/>
-          </p:cNvCxnSpPr>
-          <p:nvPr/>
-        </p:nvCxnSpPr>
-        <p:spPr>
-          <a:xfrm flipV="1">
-            <a:off x="677714" y="824568"/>
-            <a:ext cx="0" cy="5339213"/>
-          </a:xfrm>
-          <a:prstGeom prst="line">
-            <a:avLst/>
-          </a:prstGeom>
-          <a:ln w="19050">
-            <a:solidFill>
-              <a:schemeClr val="accent1"/>
-            </a:solidFill>
-          </a:ln>
-        </p:spPr>
-        <p:style>
-          <a:lnRef idx="1">
-            <a:schemeClr val="accent1"/>
-          </a:lnRef>
-          <a:fillRef idx="0">
-            <a:schemeClr val="accent1"/>
-          </a:fillRef>
-          <a:effectRef idx="0">
-            <a:schemeClr val="accent1"/>
-          </a:effectRef>
-          <a:fontRef idx="minor">
-            <a:schemeClr val="tx1"/>
-          </a:fontRef>
-        </p:style>
-      </p:cxnSp>
-      <p:sp>
-        <p:nvSpPr>
-          <p:cNvPr id="2" name="Rectangle 1">
-            <a:extLst>
-              <a:ext uri="{FF2B5EF4-FFF2-40B4-BE49-F238E27FC236}">
-                <a16:creationId xmlns:a16="http://schemas.microsoft.com/office/drawing/2014/main" id="{A28973DF-D2CC-402A-A6B9-1D41C05E122C}"/>
-              </a:ext>
-            </a:extLst>
-          </p:cNvPr>
-          <p:cNvSpPr/>
-          <p:nvPr/>
-        </p:nvSpPr>
-        <p:spPr>
-          <a:xfrm>
-            <a:off x="-1783080" y="-1851660"/>
-            <a:ext cx="16756380" cy="11132820"/>
-          </a:xfrm>
-          <a:prstGeom prst="rect">
-            <a:avLst/>
-          </a:prstGeom>
-          <a:gradFill>
-            <a:gsLst>
-              <a:gs pos="0">
-                <a:schemeClr val="accent1">
-                  <a:shade val="67500"/>
-                  <a:satMod val="115000"/>
-                </a:schemeClr>
-              </a:gs>
-              <a:gs pos="0">
-                <a:srgbClr val="48C0A7"/>
-              </a:gs>
-              <a:gs pos="100000">
-                <a:schemeClr val="accent1">
-                  <a:shade val="67500"/>
-                  <a:satMod val="115000"/>
-                </a:schemeClr>
-              </a:gs>
-              <a:gs pos="100000">
-                <a:schemeClr val="accent1">
-                  <a:shade val="100000"/>
-                  <a:satMod val="115000"/>
-                </a:schemeClr>
-              </a:gs>
-            </a:gsLst>
-            <a:lin ang="10800000" scaled="1"/>
-          </a:gradFill>
-        </p:spPr>
-        <p:style>
-          <a:lnRef idx="2">
-            <a:schemeClr val="accent1">
-              <a:shade val="15000"/>
-            </a:schemeClr>
-          </a:lnRef>
-          <a:fillRef idx="1">
-            <a:schemeClr val="accent1"/>
-          </a:fillRef>
-          <a:effectRef idx="0">
-            <a:schemeClr val="accent1"/>
-          </a:effectRef>
-          <a:fontRef idx="minor">
-            <a:schemeClr val="lt1"/>
-          </a:fontRef>
-        </p:style>
-        <p:txBody>
-          <a:bodyPr rtlCol="0" anchor="ctr"/>
-          <a:lstStyle/>
-          <a:p>
-            <a:pPr algn="ctr"/>
-            <a:endParaRPr lang="en-DE"/>
-          </a:p>
-        </p:txBody>
-      </p:sp>
-    </p:spTree>
-    <p:extLst>
-      <p:ext uri="{BB962C8B-B14F-4D97-AF65-F5344CB8AC3E}">
-        <p14:creationId xmlns:p14="http://schemas.microsoft.com/office/powerpoint/2010/main" val="1229580817"/>
-      </p:ext>
-    </p:extLst>
-  </p:cSld>
-  <p:clrMapOvr>
-    <a:masterClrMapping/>
-  </p:clrMapOvr>
-</p:sld>
-</file>
-
 <file path=ppt/slides/slide2.xml><?xml version="1.0" encoding="utf-8"?>
 <p:sld xmlns:a="http://schemas.openxmlformats.org/drawingml/2006/main" xmlns:r="http://schemas.openxmlformats.org/officeDocument/2006/relationships" xmlns:p="http://schemas.openxmlformats.org/presentationml/2006/main">
   <p:cSld>
@@ -17207,7 +15920,7 @@
         <p:spPr>
           <a:xfrm>
             <a:off x="1099456" y="3849511"/>
-            <a:ext cx="5789843" cy="2185214"/>
+            <a:ext cx="5789843" cy="1938992"/>
           </a:xfrm>
           <a:prstGeom prst="rect">
             <a:avLst/>
@@ -17220,91 +15933,73 @@
           </a:bodyPr>
           <a:lstStyle/>
           <a:p>
-            <a:pPr marL="342900" indent="-342900">
-              <a:buFont typeface="+mj-lt"/>
-              <a:buAutoNum type="arabicPeriod"/>
-            </a:pPr>
-            <a:r>
-              <a:rPr lang="en-DE" sz="2400" b="1" dirty="0"/>
-              <a:t>Unsere Idee im Detail</a:t>
-            </a:r>
-          </a:p>
-          <a:p>
-            <a:pPr marL="342900" indent="-342900">
-              <a:buFont typeface="+mj-lt"/>
-              <a:buAutoNum type="arabicPeriod"/>
-            </a:pPr>
-            <a:r>
-              <a:rPr lang="en-DE" sz="2400" b="1" dirty="0"/>
-              <a:t>Business</a:t>
-            </a:r>
-            <a:r>
-              <a:rPr lang="en-US" sz="2400" b="1" dirty="0"/>
-              <a:t> Model Canvas</a:t>
-            </a:r>
-            <a:endParaRPr lang="en-DE" sz="2400" b="1" dirty="0"/>
-          </a:p>
-          <a:p>
-            <a:pPr marL="342900" indent="-342900">
-              <a:buFont typeface="+mj-lt"/>
-              <a:buAutoNum type="arabicPeriod"/>
-            </a:pPr>
-            <a:r>
-              <a:rPr lang="en-DE" sz="2400" b="1" dirty="0"/>
-              <a:t>Umsetzungsstrategie und aktueller Stand</a:t>
-            </a:r>
-          </a:p>
-          <a:p>
-            <a:pPr marL="971550" lvl="1" indent="-514350">
-              <a:buFont typeface="+mj-lt"/>
-              <a:buAutoNum type="romanUcPeriod"/>
-            </a:pPr>
-            <a:r>
-              <a:rPr lang="en-DE" sz="2000" dirty="0">
-                <a:solidFill>
-                  <a:schemeClr val="tx1">
-                    <a:lumMod val="85000"/>
-                  </a:schemeClr>
-                </a:solidFill>
-              </a:rPr>
-              <a:t>Via Fine-tuned LLM</a:t>
-            </a:r>
-          </a:p>
-          <a:p>
-            <a:pPr marL="971550" lvl="1" indent="-514350">
-              <a:buFont typeface="+mj-lt"/>
-              <a:buAutoNum type="romanUcPeriod"/>
-            </a:pPr>
-            <a:r>
-              <a:rPr lang="en-DE" sz="2000" dirty="0">
-                <a:solidFill>
-                  <a:schemeClr val="tx1">
-                    <a:lumMod val="85000"/>
-                  </a:schemeClr>
-                </a:solidFill>
-              </a:rPr>
-              <a:t>Via Chess Engine </a:t>
-            </a:r>
-            <a:r>
-              <a:rPr lang="en-US" sz="2000" dirty="0">
-                <a:solidFill>
-                  <a:schemeClr val="tx1">
-                    <a:lumMod val="85000"/>
-                  </a:schemeClr>
-                </a:solidFill>
-              </a:rPr>
-              <a:t>und </a:t>
-            </a:r>
-            <a:r>
-              <a:rPr lang="en-DE" sz="2000" dirty="0">
-                <a:solidFill>
-                  <a:schemeClr val="tx1">
-                    <a:lumMod val="85000"/>
-                  </a:schemeClr>
-                </a:solidFill>
-              </a:rPr>
-              <a:t>LLM</a:t>
-            </a:r>
+            <a:r>
+              <a:rPr lang="en-GB" sz="2000" b="1" dirty="0"/>
+              <a:t>1. </a:t>
+            </a:r>
+            <a:r>
+              <a:rPr lang="en-GB" sz="2000" b="1" dirty="0" err="1"/>
+              <a:t>Vorstellung</a:t>
+            </a:r>
+            <a:r>
+              <a:rPr lang="en-GB" sz="2000" b="1" dirty="0"/>
+              <a:t> </a:t>
+            </a:r>
+            <a:r>
+              <a:rPr lang="en-GB" sz="2000" b="1" dirty="0" err="1"/>
+              <a:t>Projektidee</a:t>
+            </a:r>
+            <a:endParaRPr lang="en-GB" sz="2000" b="1" dirty="0"/>
+          </a:p>
+          <a:p>
+            <a:r>
+              <a:rPr lang="en-GB" sz="2000" b="1" dirty="0"/>
+              <a:t>2. </a:t>
+            </a:r>
+            <a:r>
+              <a:rPr lang="en-GB" sz="2000" b="1" dirty="0" err="1"/>
+              <a:t>Umsetzungsstrategie</a:t>
+            </a:r>
+            <a:r>
+              <a:rPr lang="en-GB" sz="2000" b="1" dirty="0"/>
+              <a:t> + </a:t>
+            </a:r>
+            <a:r>
+              <a:rPr lang="en-GB" sz="2000" b="1" dirty="0" err="1"/>
+              <a:t>Lösung</a:t>
+            </a:r>
+            <a:endParaRPr lang="en-GB" sz="2000" b="1" dirty="0"/>
+          </a:p>
+          <a:p>
+            <a:r>
+              <a:rPr lang="en-GB" sz="2000" b="1" dirty="0"/>
+              <a:t>	a) Via Chess Engine</a:t>
+            </a:r>
+          </a:p>
+          <a:p>
+            <a:r>
+              <a:rPr lang="en-GB" sz="2000" b="1" dirty="0"/>
+              <a:t>	b) Via Finetuned LLM</a:t>
+            </a:r>
+          </a:p>
+          <a:p>
+            <a:r>
+              <a:rPr lang="en-GB" sz="2000" b="1" dirty="0"/>
+              <a:t>3. Future Work</a:t>
+            </a:r>
+          </a:p>
+          <a:p>
+            <a:r>
+              <a:rPr lang="en-GB" sz="2000" b="1" dirty="0"/>
+              <a:t>4. Learnings</a:t>
+            </a:r>
+            <a:endParaRPr lang="en-DE" sz="2000" dirty="0">
+              <a:solidFill>
+                <a:schemeClr val="tx1">
+                  <a:lumMod val="85000"/>
+                </a:schemeClr>
+              </a:solidFill>
+            </a:endParaRPr>
           </a:p>
         </p:txBody>
       </p:sp>
@@ -18009,1520 +16704,6 @@
   <p:cSld>
     <p:spTree>
       <p:nvGrpSpPr>
-        <p:cNvPr id="1" name=""/>
-        <p:cNvGrpSpPr/>
-        <p:nvPr/>
-      </p:nvGrpSpPr>
-      <p:grpSpPr>
-        <a:xfrm>
-          <a:off x="0" y="0"/>
-          <a:ext cx="0" cy="0"/>
-          <a:chOff x="0" y="0"/>
-          <a:chExt cx="0" cy="0"/>
-        </a:xfrm>
-      </p:grpSpPr>
-      <p:sp>
-        <p:nvSpPr>
-          <p:cNvPr id="2" name="Title 1">
-            <a:extLst>
-              <a:ext uri="{FF2B5EF4-FFF2-40B4-BE49-F238E27FC236}">
-                <a16:creationId xmlns:a16="http://schemas.microsoft.com/office/drawing/2014/main" id="{75031FE9-9059-4FE8-B4AC-9771F23A1B89}"/>
-              </a:ext>
-            </a:extLst>
-          </p:cNvPr>
-          <p:cNvSpPr>
-            <a:spLocks noGrp="1"/>
-          </p:cNvSpPr>
-          <p:nvPr>
-            <p:ph type="title"/>
-          </p:nvPr>
-        </p:nvSpPr>
-        <p:spPr>
-          <a:xfrm>
-            <a:off x="1034141" y="419184"/>
-            <a:ext cx="2681331" cy="1110286"/>
-          </a:xfrm>
-        </p:spPr>
-        <p:txBody>
-          <a:bodyPr/>
-          <a:lstStyle/>
-          <a:p>
-            <a:r>
-              <a:rPr lang="en-DE" sz="2800" b="1" dirty="0"/>
-              <a:t>Business</a:t>
-            </a:r>
-            <a:r>
-              <a:rPr lang="en-US" sz="2800" b="1" dirty="0"/>
-              <a:t> Model Canvas</a:t>
-            </a:r>
-            <a:endParaRPr lang="en-US" dirty="0"/>
-          </a:p>
-        </p:txBody>
-      </p:sp>
-      <p:sp>
-        <p:nvSpPr>
-          <p:cNvPr id="13" name="Slide Number Placeholder 12">
-            <a:extLst>
-              <a:ext uri="{FF2B5EF4-FFF2-40B4-BE49-F238E27FC236}">
-                <a16:creationId xmlns:a16="http://schemas.microsoft.com/office/drawing/2014/main" id="{8EB4FD15-5553-45C2-B403-92726A0897AE}"/>
-              </a:ext>
-            </a:extLst>
-          </p:cNvPr>
-          <p:cNvSpPr>
-            <a:spLocks noGrp="1"/>
-          </p:cNvSpPr>
-          <p:nvPr>
-            <p:ph type="sldNum" sz="quarter" idx="22"/>
-          </p:nvPr>
-        </p:nvSpPr>
-        <p:spPr>
-          <a:xfrm>
-            <a:off x="8610600" y="6356350"/>
-            <a:ext cx="2743200" cy="365125"/>
-          </a:xfrm>
-        </p:spPr>
-        <p:txBody>
-          <a:bodyPr/>
-          <a:lstStyle/>
-          <a:p>
-            <a:fld id="{B5CEABB6-07DC-46E8-9B57-56EC44A396E5}" type="slidenum">
-              <a:rPr lang="en-US" smtClean="0"/>
-              <a:pPr/>
-              <a:t>4</a:t>
-            </a:fld>
-            <a:endParaRPr lang="en-US" dirty="0"/>
-          </a:p>
-        </p:txBody>
-      </p:sp>
-      <p:pic>
-        <p:nvPicPr>
-          <p:cNvPr id="6" name="Grafik 5">
-            <a:extLst>
-              <a:ext uri="{FF2B5EF4-FFF2-40B4-BE49-F238E27FC236}">
-                <a16:creationId xmlns:a16="http://schemas.microsoft.com/office/drawing/2014/main" id="{51EBB7FA-7282-111D-51D8-EA74E17E9016}"/>
-              </a:ext>
-            </a:extLst>
-          </p:cNvPr>
-          <p:cNvPicPr>
-            <a:picLocks noChangeAspect="1"/>
-          </p:cNvPicPr>
-          <p:nvPr/>
-        </p:nvPicPr>
-        <p:blipFill>
-          <a:blip r:embed="rId2"/>
-          <a:stretch>
-            <a:fillRect/>
-          </a:stretch>
-        </p:blipFill>
-        <p:spPr>
-          <a:xfrm>
-            <a:off x="1732941" y="1693333"/>
-            <a:ext cx="8632910" cy="5164667"/>
-          </a:xfrm>
-          <a:prstGeom prst="rect">
-            <a:avLst/>
-          </a:prstGeom>
-        </p:spPr>
-      </p:pic>
-      <p:sp>
-        <p:nvSpPr>
-          <p:cNvPr id="9" name="Textfeld 8">
-            <a:extLst>
-              <a:ext uri="{FF2B5EF4-FFF2-40B4-BE49-F238E27FC236}">
-                <a16:creationId xmlns:a16="http://schemas.microsoft.com/office/drawing/2014/main" id="{1EDD020E-D33D-F07E-7688-D3C25E471E47}"/>
-              </a:ext>
-            </a:extLst>
-          </p:cNvPr>
-          <p:cNvSpPr txBox="1"/>
-          <p:nvPr/>
-        </p:nvSpPr>
-        <p:spPr>
-          <a:xfrm>
-            <a:off x="2157116" y="2098292"/>
-            <a:ext cx="821266" cy="430887"/>
-          </a:xfrm>
-          <a:prstGeom prst="rect">
-            <a:avLst/>
-          </a:prstGeom>
-          <a:solidFill>
-            <a:schemeClr val="tx1"/>
-          </a:solidFill>
-          <a:ln>
-            <a:solidFill>
-              <a:schemeClr val="accent6"/>
-            </a:solidFill>
-          </a:ln>
-        </p:spPr>
-        <p:txBody>
-          <a:bodyPr wrap="square" rtlCol="0">
-            <a:spAutoFit/>
-          </a:bodyPr>
-          <a:lstStyle/>
-          <a:p>
-            <a:pPr algn="ctr"/>
-            <a:r>
-              <a:rPr lang="en-US" sz="1100" dirty="0">
-                <a:solidFill>
-                  <a:schemeClr val="bg1"/>
-                </a:solidFill>
-              </a:rPr>
-              <a:t>Schach-</a:t>
-            </a:r>
-          </a:p>
-          <a:p>
-            <a:pPr algn="ctr"/>
-            <a:r>
-              <a:rPr lang="en-US" sz="1100" dirty="0">
-                <a:solidFill>
-                  <a:schemeClr val="bg1"/>
-                </a:solidFill>
-              </a:rPr>
-              <a:t>websites</a:t>
-            </a:r>
-            <a:endParaRPr lang="en-US" dirty="0">
-              <a:solidFill>
-                <a:schemeClr val="bg1"/>
-              </a:solidFill>
-            </a:endParaRPr>
-          </a:p>
-        </p:txBody>
-      </p:sp>
-      <p:sp>
-        <p:nvSpPr>
-          <p:cNvPr id="10" name="Textfeld 9">
-            <a:extLst>
-              <a:ext uri="{FF2B5EF4-FFF2-40B4-BE49-F238E27FC236}">
-                <a16:creationId xmlns:a16="http://schemas.microsoft.com/office/drawing/2014/main" id="{2CA6B967-484F-8CCA-355F-B0213F7A2488}"/>
-              </a:ext>
-            </a:extLst>
-          </p:cNvPr>
-          <p:cNvSpPr txBox="1"/>
-          <p:nvPr/>
-        </p:nvSpPr>
-        <p:spPr>
-          <a:xfrm>
-            <a:off x="1957702" y="2649072"/>
-            <a:ext cx="1220094" cy="430887"/>
-          </a:xfrm>
-          <a:prstGeom prst="rect">
-            <a:avLst/>
-          </a:prstGeom>
-          <a:solidFill>
-            <a:schemeClr val="tx1"/>
-          </a:solidFill>
-          <a:ln>
-            <a:solidFill>
-              <a:schemeClr val="accent6"/>
-            </a:solidFill>
-          </a:ln>
-        </p:spPr>
-        <p:txBody>
-          <a:bodyPr wrap="square" rtlCol="0">
-            <a:spAutoFit/>
-          </a:bodyPr>
-          <a:lstStyle/>
-          <a:p>
-            <a:pPr algn="ctr"/>
-            <a:r>
-              <a:rPr lang="en-US" sz="1100" dirty="0">
-                <a:solidFill>
-                  <a:schemeClr val="bg1"/>
-                </a:solidFill>
-              </a:rPr>
-              <a:t>Schach-</a:t>
-            </a:r>
-          </a:p>
-          <a:p>
-            <a:pPr algn="ctr"/>
-            <a:r>
-              <a:rPr lang="en-US" sz="1100" dirty="0" err="1">
-                <a:solidFill>
-                  <a:schemeClr val="bg1"/>
-                </a:solidFill>
-              </a:rPr>
-              <a:t>Contentcreators</a:t>
-            </a:r>
-            <a:endParaRPr lang="en-US" sz="1100" dirty="0">
-              <a:solidFill>
-                <a:schemeClr val="bg1"/>
-              </a:solidFill>
-            </a:endParaRPr>
-          </a:p>
-        </p:txBody>
-      </p:sp>
-      <p:sp>
-        <p:nvSpPr>
-          <p:cNvPr id="11" name="Textfeld 10">
-            <a:extLst>
-              <a:ext uri="{FF2B5EF4-FFF2-40B4-BE49-F238E27FC236}">
-                <a16:creationId xmlns:a16="http://schemas.microsoft.com/office/drawing/2014/main" id="{5537A6C6-A167-6E3B-7EC2-96F42D5AE5DC}"/>
-              </a:ext>
-            </a:extLst>
-          </p:cNvPr>
-          <p:cNvSpPr txBox="1"/>
-          <p:nvPr/>
-        </p:nvSpPr>
-        <p:spPr>
-          <a:xfrm>
-            <a:off x="7467331" y="3956413"/>
-            <a:ext cx="821266" cy="430887"/>
-          </a:xfrm>
-          <a:prstGeom prst="rect">
-            <a:avLst/>
-          </a:prstGeom>
-          <a:solidFill>
-            <a:schemeClr val="tx1"/>
-          </a:solidFill>
-          <a:ln>
-            <a:solidFill>
-              <a:schemeClr val="accent6"/>
-            </a:solidFill>
-          </a:ln>
-        </p:spPr>
-        <p:txBody>
-          <a:bodyPr wrap="square" rtlCol="0">
-            <a:spAutoFit/>
-          </a:bodyPr>
-          <a:lstStyle/>
-          <a:p>
-            <a:pPr algn="ctr"/>
-            <a:r>
-              <a:rPr lang="en-US" sz="1100" dirty="0">
-                <a:solidFill>
-                  <a:schemeClr val="bg1"/>
-                </a:solidFill>
-              </a:rPr>
-              <a:t>Schach-</a:t>
-            </a:r>
-          </a:p>
-          <a:p>
-            <a:pPr algn="ctr"/>
-            <a:r>
-              <a:rPr lang="en-US" sz="1100" dirty="0">
-                <a:solidFill>
-                  <a:schemeClr val="bg1"/>
-                </a:solidFill>
-              </a:rPr>
-              <a:t>websites</a:t>
-            </a:r>
-            <a:endParaRPr lang="en-US" dirty="0">
-              <a:solidFill>
-                <a:schemeClr val="bg1"/>
-              </a:solidFill>
-            </a:endParaRPr>
-          </a:p>
-        </p:txBody>
-      </p:sp>
-      <p:sp>
-        <p:nvSpPr>
-          <p:cNvPr id="12" name="Textfeld 11">
-            <a:extLst>
-              <a:ext uri="{FF2B5EF4-FFF2-40B4-BE49-F238E27FC236}">
-                <a16:creationId xmlns:a16="http://schemas.microsoft.com/office/drawing/2014/main" id="{CAE1B32E-843C-1E15-48C6-6E46A53B9DD4}"/>
-              </a:ext>
-            </a:extLst>
-          </p:cNvPr>
-          <p:cNvSpPr txBox="1"/>
-          <p:nvPr/>
-        </p:nvSpPr>
-        <p:spPr>
-          <a:xfrm>
-            <a:off x="7467331" y="5035014"/>
-            <a:ext cx="821266" cy="261610"/>
-          </a:xfrm>
-          <a:prstGeom prst="rect">
-            <a:avLst/>
-          </a:prstGeom>
-          <a:solidFill>
-            <a:schemeClr val="tx1"/>
-          </a:solidFill>
-          <a:ln>
-            <a:solidFill>
-              <a:schemeClr val="accent6"/>
-            </a:solidFill>
-          </a:ln>
-        </p:spPr>
-        <p:txBody>
-          <a:bodyPr wrap="square" rtlCol="0">
-            <a:spAutoFit/>
-          </a:bodyPr>
-          <a:lstStyle/>
-          <a:p>
-            <a:pPr algn="ctr"/>
-            <a:r>
-              <a:rPr lang="en-US" sz="1100" dirty="0">
-                <a:solidFill>
-                  <a:schemeClr val="bg1"/>
-                </a:solidFill>
-              </a:rPr>
-              <a:t>Addon</a:t>
-            </a:r>
-          </a:p>
-        </p:txBody>
-      </p:sp>
-      <p:sp>
-        <p:nvSpPr>
-          <p:cNvPr id="14" name="Textfeld 13">
-            <a:extLst>
-              <a:ext uri="{FF2B5EF4-FFF2-40B4-BE49-F238E27FC236}">
-                <a16:creationId xmlns:a16="http://schemas.microsoft.com/office/drawing/2014/main" id="{8FA903E7-6361-1FA5-224E-D91FA6392DF7}"/>
-              </a:ext>
-            </a:extLst>
-          </p:cNvPr>
-          <p:cNvSpPr txBox="1"/>
-          <p:nvPr/>
-        </p:nvSpPr>
-        <p:spPr>
-          <a:xfrm>
-            <a:off x="7253372" y="4497041"/>
-            <a:ext cx="1249183" cy="430887"/>
-          </a:xfrm>
-          <a:prstGeom prst="rect">
-            <a:avLst/>
-          </a:prstGeom>
-          <a:solidFill>
-            <a:schemeClr val="tx1"/>
-          </a:solidFill>
-          <a:ln>
-            <a:solidFill>
-              <a:schemeClr val="accent6"/>
-            </a:solidFill>
-          </a:ln>
-        </p:spPr>
-        <p:txBody>
-          <a:bodyPr wrap="square" rtlCol="0">
-            <a:spAutoFit/>
-          </a:bodyPr>
-          <a:lstStyle/>
-          <a:p>
-            <a:pPr algn="ctr"/>
-            <a:r>
-              <a:rPr lang="en-US" sz="1100" dirty="0" err="1">
-                <a:solidFill>
-                  <a:schemeClr val="bg1"/>
-                </a:solidFill>
-              </a:rPr>
-              <a:t>Eigene</a:t>
-            </a:r>
-            <a:r>
-              <a:rPr lang="en-US" sz="1100" dirty="0">
-                <a:solidFill>
-                  <a:schemeClr val="bg1"/>
-                </a:solidFill>
-              </a:rPr>
-              <a:t> App / Website</a:t>
-            </a:r>
-          </a:p>
-        </p:txBody>
-      </p:sp>
-      <p:sp>
-        <p:nvSpPr>
-          <p:cNvPr id="15" name="Textfeld 14">
-            <a:extLst>
-              <a:ext uri="{FF2B5EF4-FFF2-40B4-BE49-F238E27FC236}">
-                <a16:creationId xmlns:a16="http://schemas.microsoft.com/office/drawing/2014/main" id="{6DDB6232-07E0-3B68-EA8F-CDB18C4D4C67}"/>
-              </a:ext>
-            </a:extLst>
-          </p:cNvPr>
-          <p:cNvSpPr txBox="1"/>
-          <p:nvPr/>
-        </p:nvSpPr>
-        <p:spPr>
-          <a:xfrm>
-            <a:off x="5467083" y="2126614"/>
-            <a:ext cx="1251787" cy="769441"/>
-          </a:xfrm>
-          <a:prstGeom prst="rect">
-            <a:avLst/>
-          </a:prstGeom>
-          <a:solidFill>
-            <a:schemeClr val="tx1"/>
-          </a:solidFill>
-          <a:ln>
-            <a:solidFill>
-              <a:schemeClr val="accent6"/>
-            </a:solidFill>
-          </a:ln>
-        </p:spPr>
-        <p:txBody>
-          <a:bodyPr wrap="square" rtlCol="0">
-            <a:spAutoFit/>
-          </a:bodyPr>
-          <a:lstStyle/>
-          <a:p>
-            <a:pPr algn="ctr"/>
-            <a:r>
-              <a:rPr lang="en-US" sz="1100" dirty="0">
-                <a:solidFill>
-                  <a:schemeClr val="bg1"/>
-                </a:solidFill>
-              </a:rPr>
-              <a:t>Verst</a:t>
-            </a:r>
-            <a:r>
-              <a:rPr lang="de-DE" sz="1100" dirty="0" err="1">
-                <a:solidFill>
-                  <a:schemeClr val="bg1"/>
-                </a:solidFill>
-              </a:rPr>
-              <a:t>ändlich</a:t>
-            </a:r>
-            <a:r>
-              <a:rPr lang="de-DE" sz="1100" dirty="0">
-                <a:solidFill>
-                  <a:schemeClr val="bg1"/>
-                </a:solidFill>
-              </a:rPr>
-              <a:t> </a:t>
-            </a:r>
-            <a:r>
-              <a:rPr lang="en-US" sz="1100" dirty="0">
-                <a:solidFill>
-                  <a:schemeClr val="bg1"/>
-                </a:solidFill>
-              </a:rPr>
-              <a:t>und </a:t>
-            </a:r>
-            <a:r>
-              <a:rPr lang="en-US" sz="1100" dirty="0" err="1">
-                <a:solidFill>
-                  <a:schemeClr val="bg1"/>
-                </a:solidFill>
-              </a:rPr>
-              <a:t>korrekt</a:t>
-            </a:r>
-            <a:r>
-              <a:rPr lang="en-US" sz="1100" dirty="0">
-                <a:solidFill>
-                  <a:schemeClr val="bg1"/>
-                </a:solidFill>
-              </a:rPr>
-              <a:t> </a:t>
-            </a:r>
-            <a:r>
-              <a:rPr lang="en-US" sz="1100" dirty="0" err="1">
-                <a:solidFill>
-                  <a:schemeClr val="bg1"/>
-                </a:solidFill>
-              </a:rPr>
-              <a:t>Schachpositionen</a:t>
-            </a:r>
-            <a:r>
-              <a:rPr lang="en-US" sz="1100" dirty="0">
-                <a:solidFill>
-                  <a:schemeClr val="bg1"/>
-                </a:solidFill>
-              </a:rPr>
-              <a:t> </a:t>
-            </a:r>
-            <a:r>
-              <a:rPr lang="en-US" sz="1100" dirty="0" err="1">
-                <a:solidFill>
-                  <a:schemeClr val="bg1"/>
-                </a:solidFill>
-              </a:rPr>
-              <a:t>erkl</a:t>
-            </a:r>
-            <a:r>
-              <a:rPr lang="de-DE" sz="1100" dirty="0">
-                <a:solidFill>
-                  <a:schemeClr val="bg1"/>
-                </a:solidFill>
-              </a:rPr>
-              <a:t>ä</a:t>
-            </a:r>
-            <a:r>
-              <a:rPr lang="en-US" sz="1100" dirty="0">
-                <a:solidFill>
-                  <a:schemeClr val="bg1"/>
-                </a:solidFill>
-              </a:rPr>
-              <a:t>ren</a:t>
-            </a:r>
-          </a:p>
-        </p:txBody>
-      </p:sp>
-      <p:sp>
-        <p:nvSpPr>
-          <p:cNvPr id="17" name="Textfeld 16">
-            <a:extLst>
-              <a:ext uri="{FF2B5EF4-FFF2-40B4-BE49-F238E27FC236}">
-                <a16:creationId xmlns:a16="http://schemas.microsoft.com/office/drawing/2014/main" id="{0D057D22-DC98-D811-2FB3-747AA830E204}"/>
-              </a:ext>
-            </a:extLst>
-          </p:cNvPr>
-          <p:cNvSpPr txBox="1"/>
-          <p:nvPr/>
-        </p:nvSpPr>
-        <p:spPr>
-          <a:xfrm>
-            <a:off x="3805547" y="4362152"/>
-            <a:ext cx="1013862" cy="261610"/>
-          </a:xfrm>
-          <a:prstGeom prst="rect">
-            <a:avLst/>
-          </a:prstGeom>
-          <a:solidFill>
-            <a:schemeClr val="tx1"/>
-          </a:solidFill>
-          <a:ln>
-            <a:solidFill>
-              <a:schemeClr val="accent6"/>
-            </a:solidFill>
-          </a:ln>
-        </p:spPr>
-        <p:txBody>
-          <a:bodyPr wrap="square" rtlCol="0">
-            <a:spAutoFit/>
-          </a:bodyPr>
-          <a:lstStyle/>
-          <a:p>
-            <a:pPr algn="ctr"/>
-            <a:r>
-              <a:rPr lang="en-US" sz="1100" dirty="0" err="1">
-                <a:solidFill>
-                  <a:schemeClr val="bg1"/>
-                </a:solidFill>
-              </a:rPr>
-              <a:t>Schachengine</a:t>
-            </a:r>
-            <a:endParaRPr lang="en-US" sz="1100" dirty="0">
-              <a:solidFill>
-                <a:schemeClr val="bg1"/>
-              </a:solidFill>
-            </a:endParaRPr>
-          </a:p>
-        </p:txBody>
-      </p:sp>
-      <p:sp>
-        <p:nvSpPr>
-          <p:cNvPr id="18" name="Textfeld 17">
-            <a:extLst>
-              <a:ext uri="{FF2B5EF4-FFF2-40B4-BE49-F238E27FC236}">
-                <a16:creationId xmlns:a16="http://schemas.microsoft.com/office/drawing/2014/main" id="{24F3E84B-445A-9FF3-0DC0-52F7E6FEE687}"/>
-              </a:ext>
-            </a:extLst>
-          </p:cNvPr>
-          <p:cNvSpPr txBox="1"/>
-          <p:nvPr/>
-        </p:nvSpPr>
-        <p:spPr>
-          <a:xfrm>
-            <a:off x="4060233" y="3979342"/>
-            <a:ext cx="504489" cy="261610"/>
-          </a:xfrm>
-          <a:prstGeom prst="rect">
-            <a:avLst/>
-          </a:prstGeom>
-          <a:solidFill>
-            <a:schemeClr val="tx1"/>
-          </a:solidFill>
-          <a:ln>
-            <a:solidFill>
-              <a:schemeClr val="accent6"/>
-            </a:solidFill>
-          </a:ln>
-        </p:spPr>
-        <p:txBody>
-          <a:bodyPr wrap="square" rtlCol="0">
-            <a:spAutoFit/>
-          </a:bodyPr>
-          <a:lstStyle/>
-          <a:p>
-            <a:pPr algn="ctr"/>
-            <a:r>
-              <a:rPr lang="en-US" sz="1100" dirty="0">
-                <a:solidFill>
-                  <a:schemeClr val="bg1"/>
-                </a:solidFill>
-              </a:rPr>
-              <a:t>LLM</a:t>
-            </a:r>
-          </a:p>
-        </p:txBody>
-      </p:sp>
-      <p:sp>
-        <p:nvSpPr>
-          <p:cNvPr id="20" name="Textfeld 19">
-            <a:extLst>
-              <a:ext uri="{FF2B5EF4-FFF2-40B4-BE49-F238E27FC236}">
-                <a16:creationId xmlns:a16="http://schemas.microsoft.com/office/drawing/2014/main" id="{64A4A2B0-702D-782A-A389-F6582379CAF8}"/>
-              </a:ext>
-            </a:extLst>
-          </p:cNvPr>
-          <p:cNvSpPr txBox="1"/>
-          <p:nvPr/>
-        </p:nvSpPr>
-        <p:spPr>
-          <a:xfrm>
-            <a:off x="1865145" y="5908403"/>
-            <a:ext cx="728950" cy="261610"/>
-          </a:xfrm>
-          <a:prstGeom prst="rect">
-            <a:avLst/>
-          </a:prstGeom>
-          <a:solidFill>
-            <a:schemeClr val="tx1"/>
-          </a:solidFill>
-          <a:ln>
-            <a:solidFill>
-              <a:schemeClr val="accent6"/>
-            </a:solidFill>
-          </a:ln>
-        </p:spPr>
-        <p:txBody>
-          <a:bodyPr wrap="square" rtlCol="0">
-            <a:spAutoFit/>
-          </a:bodyPr>
-          <a:lstStyle/>
-          <a:p>
-            <a:pPr algn="ctr"/>
-            <a:r>
-              <a:rPr lang="en-US" sz="1100" dirty="0" err="1">
-                <a:solidFill>
-                  <a:schemeClr val="bg1"/>
-                </a:solidFill>
-              </a:rPr>
-              <a:t>Wartung</a:t>
-            </a:r>
-            <a:endParaRPr lang="en-US" sz="1100" dirty="0">
-              <a:solidFill>
-                <a:schemeClr val="bg1"/>
-              </a:solidFill>
-            </a:endParaRPr>
-          </a:p>
-        </p:txBody>
-      </p:sp>
-      <p:sp>
-        <p:nvSpPr>
-          <p:cNvPr id="21" name="Textfeld 20">
-            <a:extLst>
-              <a:ext uri="{FF2B5EF4-FFF2-40B4-BE49-F238E27FC236}">
-                <a16:creationId xmlns:a16="http://schemas.microsoft.com/office/drawing/2014/main" id="{4270AAF2-3430-B412-F516-FB46F9363C70}"/>
-              </a:ext>
-            </a:extLst>
-          </p:cNvPr>
-          <p:cNvSpPr txBox="1"/>
-          <p:nvPr/>
-        </p:nvSpPr>
-        <p:spPr>
-          <a:xfrm>
-            <a:off x="6217029" y="5908403"/>
-            <a:ext cx="728950" cy="261610"/>
-          </a:xfrm>
-          <a:prstGeom prst="rect">
-            <a:avLst/>
-          </a:prstGeom>
-          <a:solidFill>
-            <a:schemeClr val="tx1"/>
-          </a:solidFill>
-          <a:ln>
-            <a:solidFill>
-              <a:schemeClr val="accent6"/>
-            </a:solidFill>
-          </a:ln>
-        </p:spPr>
-        <p:txBody>
-          <a:bodyPr wrap="square" rtlCol="0">
-            <a:spAutoFit/>
-          </a:bodyPr>
-          <a:lstStyle/>
-          <a:p>
-            <a:pPr algn="ctr"/>
-            <a:r>
-              <a:rPr lang="en-US" sz="1100" dirty="0" err="1">
-                <a:solidFill>
-                  <a:schemeClr val="bg1"/>
-                </a:solidFill>
-              </a:rPr>
-              <a:t>Werbung</a:t>
-            </a:r>
-            <a:endParaRPr lang="en-US" sz="1100" dirty="0">
-              <a:solidFill>
-                <a:schemeClr val="bg1"/>
-              </a:solidFill>
-            </a:endParaRPr>
-          </a:p>
-        </p:txBody>
-      </p:sp>
-      <p:sp>
-        <p:nvSpPr>
-          <p:cNvPr id="22" name="Textfeld 21">
-            <a:extLst>
-              <a:ext uri="{FF2B5EF4-FFF2-40B4-BE49-F238E27FC236}">
-                <a16:creationId xmlns:a16="http://schemas.microsoft.com/office/drawing/2014/main" id="{CE0D0C1C-1CE1-9CB4-447F-FD649EDDC57F}"/>
-              </a:ext>
-            </a:extLst>
-          </p:cNvPr>
-          <p:cNvSpPr txBox="1"/>
-          <p:nvPr/>
-        </p:nvSpPr>
-        <p:spPr>
-          <a:xfrm>
-            <a:off x="7074687" y="5908403"/>
-            <a:ext cx="1151561" cy="261610"/>
-          </a:xfrm>
-          <a:prstGeom prst="rect">
-            <a:avLst/>
-          </a:prstGeom>
-          <a:solidFill>
-            <a:schemeClr val="tx1"/>
-          </a:solidFill>
-          <a:ln>
-            <a:solidFill>
-              <a:schemeClr val="accent6"/>
-            </a:solidFill>
-          </a:ln>
-        </p:spPr>
-        <p:txBody>
-          <a:bodyPr wrap="square" rtlCol="0">
-            <a:spAutoFit/>
-          </a:bodyPr>
-          <a:lstStyle/>
-          <a:p>
-            <a:pPr algn="ctr"/>
-            <a:r>
-              <a:rPr lang="en-US" sz="1100" dirty="0" err="1">
-                <a:solidFill>
-                  <a:schemeClr val="bg1"/>
-                </a:solidFill>
-              </a:rPr>
-              <a:t>Partnerschaften</a:t>
-            </a:r>
-            <a:endParaRPr lang="en-US" sz="1100" dirty="0">
-              <a:solidFill>
-                <a:schemeClr val="bg1"/>
-              </a:solidFill>
-            </a:endParaRPr>
-          </a:p>
-        </p:txBody>
-      </p:sp>
-      <p:sp>
-        <p:nvSpPr>
-          <p:cNvPr id="23" name="Textfeld 22">
-            <a:extLst>
-              <a:ext uri="{FF2B5EF4-FFF2-40B4-BE49-F238E27FC236}">
-                <a16:creationId xmlns:a16="http://schemas.microsoft.com/office/drawing/2014/main" id="{1D5A37EB-BC30-ED28-9F1F-5DD389791919}"/>
-              </a:ext>
-            </a:extLst>
-          </p:cNvPr>
-          <p:cNvSpPr txBox="1"/>
-          <p:nvPr/>
-        </p:nvSpPr>
-        <p:spPr>
-          <a:xfrm>
-            <a:off x="5663640" y="3023603"/>
-            <a:ext cx="858671" cy="430887"/>
-          </a:xfrm>
-          <a:prstGeom prst="rect">
-            <a:avLst/>
-          </a:prstGeom>
-          <a:solidFill>
-            <a:schemeClr val="tx1"/>
-          </a:solidFill>
-          <a:ln>
-            <a:solidFill>
-              <a:schemeClr val="accent6"/>
-            </a:solidFill>
-          </a:ln>
-        </p:spPr>
-        <p:txBody>
-          <a:bodyPr wrap="square" rtlCol="0">
-            <a:spAutoFit/>
-          </a:bodyPr>
-          <a:lstStyle/>
-          <a:p>
-            <a:pPr algn="ctr"/>
-            <a:r>
-              <a:rPr lang="en-US" sz="1100" dirty="0" err="1">
-                <a:solidFill>
-                  <a:schemeClr val="bg1"/>
-                </a:solidFill>
-              </a:rPr>
-              <a:t>Einfache</a:t>
-            </a:r>
-            <a:r>
-              <a:rPr lang="en-US" sz="1100" dirty="0">
-                <a:solidFill>
-                  <a:schemeClr val="bg1"/>
-                </a:solidFill>
-              </a:rPr>
-              <a:t> </a:t>
-            </a:r>
-            <a:r>
-              <a:rPr lang="en-US" sz="1100" dirty="0" err="1">
-                <a:solidFill>
-                  <a:schemeClr val="bg1"/>
-                </a:solidFill>
-              </a:rPr>
-              <a:t>Nutzung</a:t>
-            </a:r>
-            <a:endParaRPr lang="en-US" sz="1100" dirty="0">
-              <a:solidFill>
-                <a:schemeClr val="bg1"/>
-              </a:solidFill>
-            </a:endParaRPr>
-          </a:p>
-        </p:txBody>
-      </p:sp>
-      <p:sp>
-        <p:nvSpPr>
-          <p:cNvPr id="24" name="Textfeld 23">
-            <a:extLst>
-              <a:ext uri="{FF2B5EF4-FFF2-40B4-BE49-F238E27FC236}">
-                <a16:creationId xmlns:a16="http://schemas.microsoft.com/office/drawing/2014/main" id="{FE1F4CC9-3666-E3C8-8ECA-0B9C7723BF25}"/>
-              </a:ext>
-            </a:extLst>
-          </p:cNvPr>
-          <p:cNvSpPr txBox="1"/>
-          <p:nvPr/>
-        </p:nvSpPr>
-        <p:spPr>
-          <a:xfrm>
-            <a:off x="3805547" y="2116751"/>
-            <a:ext cx="1013862" cy="430887"/>
-          </a:xfrm>
-          <a:prstGeom prst="rect">
-            <a:avLst/>
-          </a:prstGeom>
-          <a:solidFill>
-            <a:schemeClr val="tx1"/>
-          </a:solidFill>
-          <a:ln>
-            <a:solidFill>
-              <a:schemeClr val="accent6"/>
-            </a:solidFill>
-          </a:ln>
-        </p:spPr>
-        <p:txBody>
-          <a:bodyPr wrap="square" rtlCol="0">
-            <a:spAutoFit/>
-          </a:bodyPr>
-          <a:lstStyle/>
-          <a:p>
-            <a:pPr algn="ctr"/>
-            <a:r>
-              <a:rPr lang="en-US" sz="1100" dirty="0" err="1">
-                <a:solidFill>
-                  <a:schemeClr val="bg1"/>
-                </a:solidFill>
-              </a:rPr>
-              <a:t>Wartung</a:t>
-            </a:r>
-            <a:r>
-              <a:rPr lang="en-US" sz="1100" dirty="0">
-                <a:solidFill>
-                  <a:schemeClr val="bg1"/>
-                </a:solidFill>
-              </a:rPr>
-              <a:t> und </a:t>
-            </a:r>
-            <a:r>
-              <a:rPr lang="en-US" sz="1100" dirty="0" err="1">
-                <a:solidFill>
-                  <a:schemeClr val="bg1"/>
-                </a:solidFill>
-              </a:rPr>
-              <a:t>Entwicklung</a:t>
-            </a:r>
-            <a:endParaRPr lang="en-US" sz="1100" dirty="0">
-              <a:solidFill>
-                <a:schemeClr val="bg1"/>
-              </a:solidFill>
-            </a:endParaRPr>
-          </a:p>
-        </p:txBody>
-      </p:sp>
-      <p:sp>
-        <p:nvSpPr>
-          <p:cNvPr id="25" name="Textfeld 24">
-            <a:extLst>
-              <a:ext uri="{FF2B5EF4-FFF2-40B4-BE49-F238E27FC236}">
-                <a16:creationId xmlns:a16="http://schemas.microsoft.com/office/drawing/2014/main" id="{F4B40710-699F-15D9-FC08-86331A49451D}"/>
-              </a:ext>
-            </a:extLst>
-          </p:cNvPr>
-          <p:cNvSpPr txBox="1"/>
-          <p:nvPr/>
-        </p:nvSpPr>
-        <p:spPr>
-          <a:xfrm>
-            <a:off x="3920343" y="2649072"/>
-            <a:ext cx="784271" cy="261610"/>
-          </a:xfrm>
-          <a:prstGeom prst="rect">
-            <a:avLst/>
-          </a:prstGeom>
-          <a:solidFill>
-            <a:schemeClr val="tx1"/>
-          </a:solidFill>
-          <a:ln>
-            <a:solidFill>
-              <a:schemeClr val="accent6"/>
-            </a:solidFill>
-          </a:ln>
-        </p:spPr>
-        <p:txBody>
-          <a:bodyPr wrap="square" rtlCol="0">
-            <a:spAutoFit/>
-          </a:bodyPr>
-          <a:lstStyle/>
-          <a:p>
-            <a:pPr algn="ctr"/>
-            <a:r>
-              <a:rPr lang="en-US" sz="1100" dirty="0">
-                <a:solidFill>
-                  <a:schemeClr val="bg1"/>
-                </a:solidFill>
-              </a:rPr>
-              <a:t>Marketing</a:t>
-            </a:r>
-          </a:p>
-        </p:txBody>
-      </p:sp>
-      <p:sp>
-        <p:nvSpPr>
-          <p:cNvPr id="26" name="Textfeld 25">
-            <a:extLst>
-              <a:ext uri="{FF2B5EF4-FFF2-40B4-BE49-F238E27FC236}">
-                <a16:creationId xmlns:a16="http://schemas.microsoft.com/office/drawing/2014/main" id="{3D070629-3FBF-554B-7598-939B762F0923}"/>
-              </a:ext>
-            </a:extLst>
-          </p:cNvPr>
-          <p:cNvSpPr txBox="1"/>
-          <p:nvPr/>
-        </p:nvSpPr>
-        <p:spPr>
-          <a:xfrm>
-            <a:off x="2726299" y="5905954"/>
-            <a:ext cx="1329234" cy="430887"/>
-          </a:xfrm>
-          <a:prstGeom prst="rect">
-            <a:avLst/>
-          </a:prstGeom>
-          <a:solidFill>
-            <a:schemeClr val="tx1"/>
-          </a:solidFill>
-          <a:ln>
-            <a:solidFill>
-              <a:schemeClr val="accent6"/>
-            </a:solidFill>
-          </a:ln>
-        </p:spPr>
-        <p:txBody>
-          <a:bodyPr wrap="square" rtlCol="0">
-            <a:spAutoFit/>
-          </a:bodyPr>
-          <a:lstStyle/>
-          <a:p>
-            <a:pPr algn="ctr"/>
-            <a:r>
-              <a:rPr lang="en-US" sz="1100" dirty="0" err="1">
-                <a:solidFill>
-                  <a:schemeClr val="bg1"/>
-                </a:solidFill>
-              </a:rPr>
-              <a:t>Werbung</a:t>
-            </a:r>
-            <a:r>
-              <a:rPr lang="en-US" sz="1100" dirty="0">
-                <a:solidFill>
-                  <a:schemeClr val="bg1"/>
-                </a:solidFill>
-              </a:rPr>
-              <a:t> &amp; Marketing</a:t>
-            </a:r>
-          </a:p>
-        </p:txBody>
-      </p:sp>
-      <p:sp>
-        <p:nvSpPr>
-          <p:cNvPr id="28" name="Textfeld 27">
-            <a:extLst>
-              <a:ext uri="{FF2B5EF4-FFF2-40B4-BE49-F238E27FC236}">
-                <a16:creationId xmlns:a16="http://schemas.microsoft.com/office/drawing/2014/main" id="{227C1B62-A67E-5BE2-0EC7-A6627EAA47A7}"/>
-              </a:ext>
-            </a:extLst>
-          </p:cNvPr>
-          <p:cNvSpPr txBox="1"/>
-          <p:nvPr/>
-        </p:nvSpPr>
-        <p:spPr>
-          <a:xfrm>
-            <a:off x="8830717" y="2116751"/>
-            <a:ext cx="1397110" cy="261610"/>
-          </a:xfrm>
-          <a:prstGeom prst="rect">
-            <a:avLst/>
-          </a:prstGeom>
-          <a:solidFill>
-            <a:schemeClr val="tx1"/>
-          </a:solidFill>
-          <a:ln>
-            <a:solidFill>
-              <a:schemeClr val="accent6"/>
-            </a:solidFill>
-          </a:ln>
-        </p:spPr>
-        <p:txBody>
-          <a:bodyPr wrap="square" rtlCol="0">
-            <a:spAutoFit/>
-          </a:bodyPr>
-          <a:lstStyle/>
-          <a:p>
-            <a:r>
-              <a:rPr lang="en-US" sz="1100" dirty="0" err="1">
-                <a:solidFill>
-                  <a:schemeClr val="bg1"/>
-                </a:solidFill>
-              </a:rPr>
-              <a:t>Schachinteressierte</a:t>
-            </a:r>
-            <a:endParaRPr lang="en-US" sz="1100" dirty="0">
-              <a:solidFill>
-                <a:schemeClr val="bg1"/>
-              </a:solidFill>
-            </a:endParaRPr>
-          </a:p>
-        </p:txBody>
-      </p:sp>
-      <p:sp>
-        <p:nvSpPr>
-          <p:cNvPr id="29" name="Textfeld 28">
-            <a:extLst>
-              <a:ext uri="{FF2B5EF4-FFF2-40B4-BE49-F238E27FC236}">
-                <a16:creationId xmlns:a16="http://schemas.microsoft.com/office/drawing/2014/main" id="{50C07C3F-44C6-61FC-4FA3-7F523DCD8923}"/>
-              </a:ext>
-            </a:extLst>
-          </p:cNvPr>
-          <p:cNvSpPr txBox="1"/>
-          <p:nvPr/>
-        </p:nvSpPr>
-        <p:spPr>
-          <a:xfrm>
-            <a:off x="8830717" y="2508942"/>
-            <a:ext cx="1397110" cy="261610"/>
-          </a:xfrm>
-          <a:prstGeom prst="rect">
-            <a:avLst/>
-          </a:prstGeom>
-          <a:solidFill>
-            <a:schemeClr val="tx1"/>
-          </a:solidFill>
-          <a:ln>
-            <a:solidFill>
-              <a:schemeClr val="accent6"/>
-            </a:solidFill>
-          </a:ln>
-        </p:spPr>
-        <p:txBody>
-          <a:bodyPr wrap="square" rtlCol="0">
-            <a:spAutoFit/>
-          </a:bodyPr>
-          <a:lstStyle/>
-          <a:p>
-            <a:pPr algn="ctr"/>
-            <a:r>
-              <a:rPr lang="en-US" sz="1100" dirty="0" err="1">
-                <a:solidFill>
-                  <a:schemeClr val="bg1"/>
-                </a:solidFill>
-              </a:rPr>
-              <a:t>Schachamateure</a:t>
-            </a:r>
-            <a:endParaRPr lang="en-US" sz="1100" dirty="0">
-              <a:solidFill>
-                <a:schemeClr val="bg1"/>
-              </a:solidFill>
-            </a:endParaRPr>
-          </a:p>
-        </p:txBody>
-      </p:sp>
-      <p:sp>
-        <p:nvSpPr>
-          <p:cNvPr id="30" name="Textfeld 29">
-            <a:extLst>
-              <a:ext uri="{FF2B5EF4-FFF2-40B4-BE49-F238E27FC236}">
-                <a16:creationId xmlns:a16="http://schemas.microsoft.com/office/drawing/2014/main" id="{7CC88BD5-9FE8-D563-D88C-49E501679C68}"/>
-              </a:ext>
-            </a:extLst>
-          </p:cNvPr>
-          <p:cNvSpPr txBox="1"/>
-          <p:nvPr/>
-        </p:nvSpPr>
-        <p:spPr>
-          <a:xfrm>
-            <a:off x="3647861" y="3023603"/>
-            <a:ext cx="1329234" cy="430887"/>
-          </a:xfrm>
-          <a:prstGeom prst="rect">
-            <a:avLst/>
-          </a:prstGeom>
-          <a:solidFill>
-            <a:schemeClr val="tx1"/>
-          </a:solidFill>
-          <a:ln>
-            <a:solidFill>
-              <a:schemeClr val="accent6"/>
-            </a:solidFill>
-          </a:ln>
-        </p:spPr>
-        <p:txBody>
-          <a:bodyPr wrap="square" rtlCol="0">
-            <a:spAutoFit/>
-          </a:bodyPr>
-          <a:lstStyle/>
-          <a:p>
-            <a:pPr algn="ctr"/>
-            <a:r>
-              <a:rPr lang="en-US" sz="1100" dirty="0" err="1">
-                <a:solidFill>
-                  <a:schemeClr val="bg1"/>
-                </a:solidFill>
-              </a:rPr>
-              <a:t>Schachvers</a:t>
-            </a:r>
-            <a:r>
-              <a:rPr lang="de-DE" sz="1100" dirty="0" err="1">
-                <a:solidFill>
-                  <a:schemeClr val="bg1"/>
-                </a:solidFill>
-              </a:rPr>
-              <a:t>tändnis</a:t>
-            </a:r>
-            <a:r>
-              <a:rPr lang="de-DE" sz="1100" dirty="0">
-                <a:solidFill>
-                  <a:schemeClr val="bg1"/>
-                </a:solidFill>
-              </a:rPr>
-              <a:t> aller erweitern</a:t>
-            </a:r>
-            <a:endParaRPr lang="en-US" sz="1100" dirty="0">
-              <a:solidFill>
-                <a:schemeClr val="bg1"/>
-              </a:solidFill>
-            </a:endParaRPr>
-          </a:p>
-        </p:txBody>
-      </p:sp>
-      <p:sp>
-        <p:nvSpPr>
-          <p:cNvPr id="44" name="Textfeld 43">
-            <a:extLst>
-              <a:ext uri="{FF2B5EF4-FFF2-40B4-BE49-F238E27FC236}">
-                <a16:creationId xmlns:a16="http://schemas.microsoft.com/office/drawing/2014/main" id="{1C647BC8-6D7B-E351-7C03-077BC11BF48D}"/>
-              </a:ext>
-            </a:extLst>
-          </p:cNvPr>
-          <p:cNvSpPr txBox="1"/>
-          <p:nvPr/>
-        </p:nvSpPr>
-        <p:spPr>
-          <a:xfrm>
-            <a:off x="5535725" y="3582038"/>
-            <a:ext cx="1114499" cy="600164"/>
-          </a:xfrm>
-          <a:prstGeom prst="rect">
-            <a:avLst/>
-          </a:prstGeom>
-          <a:solidFill>
-            <a:schemeClr val="tx1"/>
-          </a:solidFill>
-          <a:ln>
-            <a:solidFill>
-              <a:schemeClr val="accent6"/>
-            </a:solidFill>
-          </a:ln>
-        </p:spPr>
-        <p:txBody>
-          <a:bodyPr wrap="square" rtlCol="0">
-            <a:spAutoFit/>
-          </a:bodyPr>
-          <a:lstStyle/>
-          <a:p>
-            <a:pPr algn="ctr"/>
-            <a:r>
-              <a:rPr lang="en-US" sz="1100" dirty="0" err="1">
-                <a:solidFill>
-                  <a:schemeClr val="bg1"/>
-                </a:solidFill>
-              </a:rPr>
-              <a:t>Einfache</a:t>
-            </a:r>
-            <a:endParaRPr lang="en-US" sz="1100" dirty="0">
-              <a:solidFill>
-                <a:schemeClr val="bg1"/>
-              </a:solidFill>
-            </a:endParaRPr>
-          </a:p>
-          <a:p>
-            <a:pPr algn="ctr"/>
-            <a:r>
-              <a:rPr lang="en-US" sz="1100" dirty="0">
-                <a:solidFill>
-                  <a:schemeClr val="bg1"/>
-                </a:solidFill>
-              </a:rPr>
-              <a:t>Integration ins </a:t>
-            </a:r>
-            <a:r>
-              <a:rPr lang="en-US" sz="1100" dirty="0" err="1">
-                <a:solidFill>
-                  <a:schemeClr val="bg1"/>
-                </a:solidFill>
-              </a:rPr>
-              <a:t>Schacherlebnis</a:t>
-            </a:r>
-            <a:endParaRPr lang="en-US" sz="1100" dirty="0">
-              <a:solidFill>
-                <a:schemeClr val="bg1"/>
-              </a:solidFill>
-            </a:endParaRPr>
-          </a:p>
-        </p:txBody>
-      </p:sp>
-      <p:sp>
-        <p:nvSpPr>
-          <p:cNvPr id="45" name="Textfeld 44">
-            <a:extLst>
-              <a:ext uri="{FF2B5EF4-FFF2-40B4-BE49-F238E27FC236}">
-                <a16:creationId xmlns:a16="http://schemas.microsoft.com/office/drawing/2014/main" id="{1DEFB01A-CB1B-0769-CFC3-073FF6822876}"/>
-              </a:ext>
-            </a:extLst>
-          </p:cNvPr>
-          <p:cNvSpPr txBox="1"/>
-          <p:nvPr/>
-        </p:nvSpPr>
-        <p:spPr>
-          <a:xfrm>
-            <a:off x="7212583" y="2103811"/>
-            <a:ext cx="1329777" cy="600164"/>
-          </a:xfrm>
-          <a:prstGeom prst="rect">
-            <a:avLst/>
-          </a:prstGeom>
-          <a:solidFill>
-            <a:schemeClr val="tx1"/>
-          </a:solidFill>
-          <a:ln>
-            <a:solidFill>
-              <a:schemeClr val="accent6"/>
-            </a:solidFill>
-          </a:ln>
-        </p:spPr>
-        <p:txBody>
-          <a:bodyPr wrap="square" rtlCol="0">
-            <a:spAutoFit/>
-          </a:bodyPr>
-          <a:lstStyle/>
-          <a:p>
-            <a:pPr algn="ctr"/>
-            <a:r>
-              <a:rPr lang="de-DE" sz="1100" dirty="0">
-                <a:solidFill>
-                  <a:schemeClr val="bg1"/>
-                </a:solidFill>
-              </a:rPr>
-              <a:t>P</a:t>
-            </a:r>
-            <a:r>
-              <a:rPr lang="en-US" sz="1100" dirty="0" err="1">
-                <a:solidFill>
-                  <a:schemeClr val="bg1"/>
-                </a:solidFill>
-              </a:rPr>
-              <a:t>roduktplatzierung</a:t>
-            </a:r>
-            <a:r>
-              <a:rPr lang="en-US" sz="1100" dirty="0">
-                <a:solidFill>
-                  <a:schemeClr val="bg1"/>
-                </a:solidFill>
-              </a:rPr>
-              <a:t> </a:t>
-            </a:r>
-            <a:r>
-              <a:rPr lang="en-US" sz="1100" dirty="0" err="1">
-                <a:solidFill>
-                  <a:schemeClr val="bg1"/>
-                </a:solidFill>
-              </a:rPr>
-              <a:t>bei</a:t>
-            </a:r>
-            <a:r>
-              <a:rPr lang="en-US" sz="1100" dirty="0">
-                <a:solidFill>
-                  <a:schemeClr val="bg1"/>
-                </a:solidFill>
-              </a:rPr>
-              <a:t> </a:t>
-            </a:r>
-            <a:r>
-              <a:rPr lang="en-US" sz="1100" dirty="0" err="1">
-                <a:solidFill>
-                  <a:schemeClr val="bg1"/>
-                </a:solidFill>
-              </a:rPr>
-              <a:t>Contentcreators</a:t>
-            </a:r>
-            <a:endParaRPr lang="en-US" sz="1100" dirty="0">
-              <a:solidFill>
-                <a:schemeClr val="bg1"/>
-              </a:solidFill>
-            </a:endParaRPr>
-          </a:p>
-        </p:txBody>
-      </p:sp>
-      <p:sp>
-        <p:nvSpPr>
-          <p:cNvPr id="46" name="Textfeld 45">
-            <a:extLst>
-              <a:ext uri="{FF2B5EF4-FFF2-40B4-BE49-F238E27FC236}">
-                <a16:creationId xmlns:a16="http://schemas.microsoft.com/office/drawing/2014/main" id="{7D9AE186-664B-7E7E-0153-6919A938A39E}"/>
-              </a:ext>
-            </a:extLst>
-          </p:cNvPr>
-          <p:cNvSpPr txBox="1"/>
-          <p:nvPr/>
-        </p:nvSpPr>
-        <p:spPr>
-          <a:xfrm>
-            <a:off x="7144836" y="2811061"/>
-            <a:ext cx="1465270" cy="430887"/>
-          </a:xfrm>
-          <a:prstGeom prst="rect">
-            <a:avLst/>
-          </a:prstGeom>
-          <a:solidFill>
-            <a:schemeClr val="tx1"/>
-          </a:solidFill>
-          <a:ln>
-            <a:solidFill>
-              <a:schemeClr val="accent6"/>
-            </a:solidFill>
-          </a:ln>
-        </p:spPr>
-        <p:txBody>
-          <a:bodyPr wrap="square" rtlCol="0">
-            <a:spAutoFit/>
-          </a:bodyPr>
-          <a:lstStyle/>
-          <a:p>
-            <a:pPr algn="ctr"/>
-            <a:r>
-              <a:rPr lang="en-US" sz="1100" dirty="0" err="1">
-                <a:solidFill>
-                  <a:schemeClr val="bg1"/>
-                </a:solidFill>
-              </a:rPr>
-              <a:t>Kooperation</a:t>
-            </a:r>
-            <a:r>
-              <a:rPr lang="en-US" sz="1100" dirty="0">
-                <a:solidFill>
-                  <a:schemeClr val="bg1"/>
-                </a:solidFill>
-              </a:rPr>
-              <a:t> </a:t>
-            </a:r>
-            <a:r>
-              <a:rPr lang="en-US" sz="1100" dirty="0" err="1">
-                <a:solidFill>
-                  <a:schemeClr val="bg1"/>
-                </a:solidFill>
-              </a:rPr>
-              <a:t>mit</a:t>
-            </a:r>
-            <a:r>
-              <a:rPr lang="en-US" sz="1100" dirty="0">
-                <a:solidFill>
-                  <a:schemeClr val="bg1"/>
-                </a:solidFill>
-              </a:rPr>
-              <a:t> </a:t>
-            </a:r>
-            <a:r>
-              <a:rPr lang="en-US" sz="1100" dirty="0" err="1">
-                <a:solidFill>
-                  <a:schemeClr val="bg1"/>
-                </a:solidFill>
-              </a:rPr>
-              <a:t>Schachdienstleistern</a:t>
-            </a:r>
-            <a:endParaRPr lang="en-US" sz="1100" dirty="0">
-              <a:solidFill>
-                <a:schemeClr val="bg1"/>
-              </a:solidFill>
-            </a:endParaRPr>
-          </a:p>
-        </p:txBody>
-      </p:sp>
-      <p:sp>
-        <p:nvSpPr>
-          <p:cNvPr id="47" name="Textfeld 46">
-            <a:extLst>
-              <a:ext uri="{FF2B5EF4-FFF2-40B4-BE49-F238E27FC236}">
-                <a16:creationId xmlns:a16="http://schemas.microsoft.com/office/drawing/2014/main" id="{963006EB-4DA1-7DC3-AE3A-E1AA91159859}"/>
-              </a:ext>
-            </a:extLst>
-          </p:cNvPr>
-          <p:cNvSpPr txBox="1"/>
-          <p:nvPr/>
-        </p:nvSpPr>
-        <p:spPr>
-          <a:xfrm>
-            <a:off x="8342581" y="5908403"/>
-            <a:ext cx="1151561" cy="261610"/>
-          </a:xfrm>
-          <a:prstGeom prst="rect">
-            <a:avLst/>
-          </a:prstGeom>
-          <a:solidFill>
-            <a:schemeClr val="tx1"/>
-          </a:solidFill>
-          <a:ln>
-            <a:solidFill>
-              <a:schemeClr val="accent6"/>
-            </a:solidFill>
-          </a:ln>
-        </p:spPr>
-        <p:txBody>
-          <a:bodyPr wrap="square" rtlCol="0">
-            <a:spAutoFit/>
-          </a:bodyPr>
-          <a:lstStyle/>
-          <a:p>
-            <a:pPr algn="ctr"/>
-            <a:r>
-              <a:rPr lang="en-US" sz="1100" dirty="0">
-                <a:solidFill>
-                  <a:schemeClr val="bg1"/>
-                </a:solidFill>
-              </a:rPr>
-              <a:t>Subscriptions</a:t>
-            </a:r>
-          </a:p>
-        </p:txBody>
-      </p:sp>
-    </p:spTree>
-    <p:extLst>
-      <p:ext uri="{BB962C8B-B14F-4D97-AF65-F5344CB8AC3E}">
-        <p14:creationId xmlns:p14="http://schemas.microsoft.com/office/powerpoint/2010/main" val="1593920805"/>
-      </p:ext>
-    </p:extLst>
-  </p:cSld>
-  <p:clrMapOvr>
-    <a:masterClrMapping/>
-  </p:clrMapOvr>
-</p:sld>
-</file>
-
-<file path=ppt/slides/slide5.xml><?xml version="1.0" encoding="utf-8"?>
-<p:sld xmlns:a="http://schemas.openxmlformats.org/drawingml/2006/main" xmlns:r="http://schemas.openxmlformats.org/officeDocument/2006/relationships" xmlns:p="http://schemas.openxmlformats.org/presentationml/2006/main">
-  <p:cSld>
-    <p:spTree>
-      <p:nvGrpSpPr>
         <p:cNvPr id="1" name="">
           <a:extLst>
             <a:ext uri="{FF2B5EF4-FFF2-40B4-BE49-F238E27FC236}">
@@ -19593,20 +16774,26 @@
         <p:spPr>
           <a:xfrm>
             <a:off x="1034142" y="1110286"/>
-            <a:ext cx="10515600" cy="924808"/>
-          </a:xfrm>
-        </p:spPr>
-        <p:txBody>
-          <a:bodyPr/>
+            <a:ext cx="10515600" cy="429743"/>
+          </a:xfrm>
+        </p:spPr>
+        <p:txBody>
+          <a:bodyPr>
+            <a:normAutofit fontScale="90000"/>
+          </a:bodyPr>
           <a:lstStyle/>
           <a:p>
             <a:r>
-              <a:rPr lang="en-DE" sz="2800" b="1" dirty="0"/>
-              <a:t>Umsetzungsstrategie und aktueller Stand</a:t>
-            </a:r>
-            <a:r>
-              <a:rPr lang="en-DE" b="1" dirty="0"/>
-              <a:t> -  Via fine-tuned llm</a:t>
+              <a:rPr lang="en-GB" sz="2800" b="1" dirty="0" err="1"/>
+              <a:t>Umsetzungsstrategie</a:t>
+            </a:r>
+            <a:r>
+              <a:rPr lang="en-GB" sz="2800" b="1" dirty="0"/>
+              <a:t> + </a:t>
+            </a:r>
+            <a:r>
+              <a:rPr lang="en-GB" sz="2800" b="1" dirty="0" err="1"/>
+              <a:t>Lösung</a:t>
             </a:r>
             <a:endParaRPr lang="en-ZA" dirty="0"/>
           </a:p>
@@ -19720,7 +16907,7 @@
             <a:fld id="{19B51A1E-902D-48AF-9020-955120F399B6}" type="slidenum">
               <a:rPr lang="en-ZA" smtClean="0"/>
               <a:pPr/>
-              <a:t>5</a:t>
+              <a:t>4</a:t>
             </a:fld>
             <a:endParaRPr lang="en-ZA" dirty="0"/>
           </a:p>
@@ -19926,6 +17113,451 @@
               <a:rPr lang="en-DE" sz="1400" dirty="0"/>
               <a:t>Erstelle Datenbank</a:t>
             </a:r>
+          </a:p>
+        </p:txBody>
+      </p:sp>
+      <p:sp>
+        <p:nvSpPr>
+          <p:cNvPr id="3" name="Text Placeholder 8">
+            <a:extLst>
+              <a:ext uri="{FF2B5EF4-FFF2-40B4-BE49-F238E27FC236}">
+                <a16:creationId xmlns:a16="http://schemas.microsoft.com/office/drawing/2014/main" id="{6189B164-20D4-B395-C41C-A22C29B6E33A}"/>
+              </a:ext>
+            </a:extLst>
+          </p:cNvPr>
+          <p:cNvSpPr txBox="1">
+            <a:spLocks/>
+          </p:cNvSpPr>
+          <p:nvPr/>
+        </p:nvSpPr>
+        <p:spPr>
+          <a:xfrm>
+            <a:off x="8983367" y="3918129"/>
+            <a:ext cx="2941600" cy="360000"/>
+          </a:xfrm>
+          <a:prstGeom prst="rect">
+            <a:avLst/>
+          </a:prstGeom>
+        </p:spPr>
+        <p:txBody>
+          <a:bodyPr vert="horz" lIns="91440" tIns="45720" rIns="91440" bIns="45720" rtlCol="0">
+            <a:normAutofit/>
+          </a:bodyPr>
+          <a:lstStyle>
+            <a:lvl1pPr marL="0" indent="0" algn="l" defTabSz="914400" rtl="0" eaLnBrk="1" latinLnBrk="0" hangingPunct="1">
+              <a:lnSpc>
+                <a:spcPct val="90000"/>
+              </a:lnSpc>
+              <a:spcBef>
+                <a:spcPts val="1000"/>
+              </a:spcBef>
+              <a:buFont typeface="Arial" panose="020B0604020202020204" pitchFamily="34" charset="0"/>
+              <a:buNone/>
+              <a:defRPr lang="en-US" sz="1800" kern="1200" cap="all" baseline="0" dirty="0">
+                <a:solidFill>
+                  <a:schemeClr val="accent1"/>
+                </a:solidFill>
+                <a:latin typeface="+mj-lt"/>
+                <a:ea typeface="+mj-ea"/>
+                <a:cs typeface="+mj-cs"/>
+              </a:defRPr>
+            </a:lvl1pPr>
+            <a:lvl2pPr marL="685800" indent="-228600" algn="l" defTabSz="914400" rtl="0" eaLnBrk="1" latinLnBrk="0" hangingPunct="1">
+              <a:lnSpc>
+                <a:spcPct val="90000"/>
+              </a:lnSpc>
+              <a:spcBef>
+                <a:spcPts val="500"/>
+              </a:spcBef>
+              <a:buFont typeface="Arial" panose="020B0604020202020204" pitchFamily="34" charset="0"/>
+              <a:buChar char="•"/>
+              <a:defRPr sz="2400" kern="1200">
+                <a:solidFill>
+                  <a:schemeClr val="tx1"/>
+                </a:solidFill>
+                <a:latin typeface="+mn-lt"/>
+                <a:ea typeface="+mn-ea"/>
+                <a:cs typeface="+mn-cs"/>
+              </a:defRPr>
+            </a:lvl2pPr>
+            <a:lvl3pPr marL="1143000" indent="-228600" algn="l" defTabSz="914400" rtl="0" eaLnBrk="1" latinLnBrk="0" hangingPunct="1">
+              <a:lnSpc>
+                <a:spcPct val="90000"/>
+              </a:lnSpc>
+              <a:spcBef>
+                <a:spcPts val="500"/>
+              </a:spcBef>
+              <a:buFont typeface="Arial" panose="020B0604020202020204" pitchFamily="34" charset="0"/>
+              <a:buChar char="•"/>
+              <a:defRPr sz="2000" kern="1200">
+                <a:solidFill>
+                  <a:schemeClr val="tx1"/>
+                </a:solidFill>
+                <a:latin typeface="+mn-lt"/>
+                <a:ea typeface="+mn-ea"/>
+                <a:cs typeface="+mn-cs"/>
+              </a:defRPr>
+            </a:lvl3pPr>
+            <a:lvl4pPr marL="1600200" indent="-228600" algn="l" defTabSz="914400" rtl="0" eaLnBrk="1" latinLnBrk="0" hangingPunct="1">
+              <a:lnSpc>
+                <a:spcPct val="90000"/>
+              </a:lnSpc>
+              <a:spcBef>
+                <a:spcPts val="500"/>
+              </a:spcBef>
+              <a:buFont typeface="Arial" panose="020B0604020202020204" pitchFamily="34" charset="0"/>
+              <a:buChar char="•"/>
+              <a:defRPr sz="1800" kern="1200">
+                <a:solidFill>
+                  <a:schemeClr val="tx1"/>
+                </a:solidFill>
+                <a:latin typeface="+mn-lt"/>
+                <a:ea typeface="+mn-ea"/>
+                <a:cs typeface="+mn-cs"/>
+              </a:defRPr>
+            </a:lvl4pPr>
+            <a:lvl5pPr marL="2057400" indent="-228600" algn="l" defTabSz="914400" rtl="0" eaLnBrk="1" latinLnBrk="0" hangingPunct="1">
+              <a:lnSpc>
+                <a:spcPct val="90000"/>
+              </a:lnSpc>
+              <a:spcBef>
+                <a:spcPts val="500"/>
+              </a:spcBef>
+              <a:buFont typeface="Arial" panose="020B0604020202020204" pitchFamily="34" charset="0"/>
+              <a:buChar char="•"/>
+              <a:defRPr sz="1800" kern="1200">
+                <a:solidFill>
+                  <a:schemeClr val="tx1"/>
+                </a:solidFill>
+                <a:latin typeface="+mn-lt"/>
+                <a:ea typeface="+mn-ea"/>
+                <a:cs typeface="+mn-cs"/>
+              </a:defRPr>
+            </a:lvl5pPr>
+            <a:lvl6pPr marL="2514600" indent="-228600" algn="l" defTabSz="914400" rtl="0" eaLnBrk="1" latinLnBrk="0" hangingPunct="1">
+              <a:lnSpc>
+                <a:spcPct val="90000"/>
+              </a:lnSpc>
+              <a:spcBef>
+                <a:spcPts val="500"/>
+              </a:spcBef>
+              <a:buFont typeface="Arial" panose="020B0604020202020204" pitchFamily="34" charset="0"/>
+              <a:buChar char="•"/>
+              <a:defRPr sz="1800" kern="1200">
+                <a:solidFill>
+                  <a:schemeClr val="tx1"/>
+                </a:solidFill>
+                <a:latin typeface="+mn-lt"/>
+                <a:ea typeface="+mn-ea"/>
+                <a:cs typeface="+mn-cs"/>
+              </a:defRPr>
+            </a:lvl6pPr>
+            <a:lvl7pPr marL="2971800" indent="-228600" algn="l" defTabSz="914400" rtl="0" eaLnBrk="1" latinLnBrk="0" hangingPunct="1">
+              <a:lnSpc>
+                <a:spcPct val="90000"/>
+              </a:lnSpc>
+              <a:spcBef>
+                <a:spcPts val="500"/>
+              </a:spcBef>
+              <a:buFont typeface="Arial" panose="020B0604020202020204" pitchFamily="34" charset="0"/>
+              <a:buChar char="•"/>
+              <a:defRPr sz="1800" kern="1200">
+                <a:solidFill>
+                  <a:schemeClr val="tx1"/>
+                </a:solidFill>
+                <a:latin typeface="+mn-lt"/>
+                <a:ea typeface="+mn-ea"/>
+                <a:cs typeface="+mn-cs"/>
+              </a:defRPr>
+            </a:lvl7pPr>
+            <a:lvl8pPr marL="3429000" indent="-228600" algn="l" defTabSz="914400" rtl="0" eaLnBrk="1" latinLnBrk="0" hangingPunct="1">
+              <a:lnSpc>
+                <a:spcPct val="90000"/>
+              </a:lnSpc>
+              <a:spcBef>
+                <a:spcPts val="500"/>
+              </a:spcBef>
+              <a:buFont typeface="Arial" panose="020B0604020202020204" pitchFamily="34" charset="0"/>
+              <a:buChar char="•"/>
+              <a:defRPr sz="1800" kern="1200">
+                <a:solidFill>
+                  <a:schemeClr val="tx1"/>
+                </a:solidFill>
+                <a:latin typeface="+mn-lt"/>
+                <a:ea typeface="+mn-ea"/>
+                <a:cs typeface="+mn-cs"/>
+              </a:defRPr>
+            </a:lvl8pPr>
+            <a:lvl9pPr marL="3886200" indent="-228600" algn="l" defTabSz="914400" rtl="0" eaLnBrk="1" latinLnBrk="0" hangingPunct="1">
+              <a:lnSpc>
+                <a:spcPct val="90000"/>
+              </a:lnSpc>
+              <a:spcBef>
+                <a:spcPts val="500"/>
+              </a:spcBef>
+              <a:buFont typeface="Arial" panose="020B0604020202020204" pitchFamily="34" charset="0"/>
+              <a:buChar char="•"/>
+              <a:defRPr sz="1800" kern="1200">
+                <a:solidFill>
+                  <a:schemeClr val="tx1"/>
+                </a:solidFill>
+                <a:latin typeface="+mn-lt"/>
+                <a:ea typeface="+mn-ea"/>
+                <a:cs typeface="+mn-cs"/>
+              </a:defRPr>
+            </a:lvl9pPr>
+          </a:lstStyle>
+          <a:p>
+            <a:r>
+              <a:rPr lang="en-ZA"/>
+              <a:t>Use Case Specific LLM</a:t>
+            </a:r>
+          </a:p>
+        </p:txBody>
+      </p:sp>
+      <p:pic>
+        <p:nvPicPr>
+          <p:cNvPr id="6" name="Picture Placeholder 17" descr="Illustrator outline">
+            <a:extLst>
+              <a:ext uri="{FF2B5EF4-FFF2-40B4-BE49-F238E27FC236}">
+                <a16:creationId xmlns:a16="http://schemas.microsoft.com/office/drawing/2014/main" id="{D4DA9F86-C48B-EB39-E954-4B2DBDFF3FCD}"/>
+              </a:ext>
+            </a:extLst>
+          </p:cNvPr>
+          <p:cNvPicPr>
+            <a:picLocks noChangeAspect="1"/>
+          </p:cNvPicPr>
+          <p:nvPr/>
+        </p:nvPicPr>
+        <p:blipFill rotWithShape="1">
+          <a:blip r:embed="rId5">
+            <a:extLst>
+              <a:ext uri="{28A0092B-C50C-407E-A947-70E740481C1C}">
+                <a14:useLocalDpi xmlns:a14="http://schemas.microsoft.com/office/drawing/2010/main"/>
+              </a:ext>
+              <a:ext uri="{96DAC541-7B7A-43D3-8B79-37D633B846F1}">
+                <asvg:svgBlip xmlns:asvg="http://schemas.microsoft.com/office/drawing/2016/SVG/main" r:embed="rId6"/>
+              </a:ext>
+            </a:extLst>
+          </a:blip>
+          <a:srcRect/>
+          <a:stretch/>
+        </p:blipFill>
+        <p:spPr>
+          <a:xfrm>
+            <a:off x="9459686" y="3041493"/>
+            <a:ext cx="769486" cy="769486"/>
+          </a:xfrm>
+          <a:prstGeom prst="rect">
+            <a:avLst/>
+          </a:prstGeom>
+          <a:noFill/>
+          <a:ln w="95250" cap="sq" cmpd="sng" algn="ctr">
+            <a:noFill/>
+            <a:prstDash val="solid"/>
+            <a:miter lim="800000"/>
+          </a:ln>
+          <a:effectLst/>
+        </p:spPr>
+      </p:pic>
+      <p:sp>
+        <p:nvSpPr>
+          <p:cNvPr id="8" name="Notched Right Arrow 7">
+            <a:extLst>
+              <a:ext uri="{FF2B5EF4-FFF2-40B4-BE49-F238E27FC236}">
+                <a16:creationId xmlns:a16="http://schemas.microsoft.com/office/drawing/2014/main" id="{9D715061-C3B8-F4BE-2A80-4D0DE231D634}"/>
+              </a:ext>
+            </a:extLst>
+          </p:cNvPr>
+          <p:cNvSpPr/>
+          <p:nvPr/>
+        </p:nvSpPr>
+        <p:spPr>
+          <a:xfrm>
+            <a:off x="7333154" y="3817642"/>
+            <a:ext cx="939803" cy="560975"/>
+          </a:xfrm>
+          <a:prstGeom prst="notchedRightArrow">
+            <a:avLst/>
+          </a:prstGeom>
+          <a:gradFill>
+            <a:gsLst>
+              <a:gs pos="0">
+                <a:schemeClr val="accent1">
+                  <a:shade val="67500"/>
+                  <a:satMod val="115000"/>
+                </a:schemeClr>
+              </a:gs>
+              <a:gs pos="0">
+                <a:srgbClr val="48C0A7"/>
+              </a:gs>
+              <a:gs pos="100000">
+                <a:schemeClr val="accent1">
+                  <a:shade val="67500"/>
+                  <a:satMod val="115000"/>
+                </a:schemeClr>
+              </a:gs>
+              <a:gs pos="100000">
+                <a:schemeClr val="accent1">
+                  <a:shade val="100000"/>
+                  <a:satMod val="115000"/>
+                </a:schemeClr>
+              </a:gs>
+            </a:gsLst>
+            <a:lin ang="10800000" scaled="1"/>
+          </a:gradFill>
+          <a:ln>
+            <a:noFill/>
+          </a:ln>
+        </p:spPr>
+        <p:style>
+          <a:lnRef idx="2">
+            <a:schemeClr val="accent1">
+              <a:shade val="15000"/>
+            </a:schemeClr>
+          </a:lnRef>
+          <a:fillRef idx="1">
+            <a:schemeClr val="accent1"/>
+          </a:fillRef>
+          <a:effectRef idx="0">
+            <a:schemeClr val="accent1"/>
+          </a:effectRef>
+          <a:fontRef idx="minor">
+            <a:schemeClr val="lt1"/>
+          </a:fontRef>
+        </p:style>
+        <p:txBody>
+          <a:bodyPr rtlCol="0" anchor="ctr"/>
+          <a:lstStyle/>
+          <a:p>
+            <a:pPr algn="ctr"/>
+            <a:endParaRPr lang="en-DE"/>
+          </a:p>
+        </p:txBody>
+      </p:sp>
+      <p:sp>
+        <p:nvSpPr>
+          <p:cNvPr id="9" name="TextBox 8">
+            <a:extLst>
+              <a:ext uri="{FF2B5EF4-FFF2-40B4-BE49-F238E27FC236}">
+                <a16:creationId xmlns:a16="http://schemas.microsoft.com/office/drawing/2014/main" id="{A6DF9F85-2015-CA2D-A39D-AEA3A12F13E1}"/>
+              </a:ext>
+            </a:extLst>
+          </p:cNvPr>
+          <p:cNvSpPr txBox="1"/>
+          <p:nvPr/>
+        </p:nvSpPr>
+        <p:spPr>
+          <a:xfrm>
+            <a:off x="9186366" y="4325159"/>
+            <a:ext cx="2368296" cy="523220"/>
+          </a:xfrm>
+          <a:prstGeom prst="rect">
+            <a:avLst/>
+          </a:prstGeom>
+          <a:noFill/>
+        </p:spPr>
+        <p:txBody>
+          <a:bodyPr wrap="square" rtlCol="0">
+            <a:spAutoFit/>
+          </a:bodyPr>
+          <a:lstStyle/>
+          <a:p>
+            <a:pPr marL="285750" indent="-285750">
+              <a:buFont typeface="Arial" panose="020B0604020202020204" pitchFamily="34" charset="0"/>
+              <a:buChar char="•"/>
+            </a:pPr>
+            <a:r>
+              <a:rPr lang="en-DE" sz="1400" dirty="0"/>
+              <a:t>Testen</a:t>
+            </a:r>
+          </a:p>
+          <a:p>
+            <a:pPr marL="285750" indent="-285750">
+              <a:buFont typeface="Arial" panose="020B0604020202020204" pitchFamily="34" charset="0"/>
+              <a:buChar char="•"/>
+            </a:pPr>
+            <a:r>
+              <a:rPr lang="en-DE" sz="1400" dirty="0"/>
+              <a:t>(In  UI einbetten)</a:t>
+            </a:r>
+          </a:p>
+        </p:txBody>
+      </p:sp>
+      <p:sp>
+        <p:nvSpPr>
+          <p:cNvPr id="10" name="Title 1">
+            <a:extLst>
+              <a:ext uri="{FF2B5EF4-FFF2-40B4-BE49-F238E27FC236}">
+                <a16:creationId xmlns:a16="http://schemas.microsoft.com/office/drawing/2014/main" id="{E6B46FAC-ACE2-0EA6-FAFC-2FD2E68028E7}"/>
+              </a:ext>
+            </a:extLst>
+          </p:cNvPr>
+          <p:cNvSpPr txBox="1">
+            <a:spLocks/>
+          </p:cNvSpPr>
+          <p:nvPr/>
+        </p:nvSpPr>
+        <p:spPr>
+          <a:xfrm>
+            <a:off x="1034142" y="1410165"/>
+            <a:ext cx="10515600" cy="429743"/>
+          </a:xfrm>
+          <a:prstGeom prst="rect">
+            <a:avLst/>
+          </a:prstGeom>
+        </p:spPr>
+        <p:txBody>
+          <a:bodyPr vert="horz" lIns="0" tIns="45720" rIns="91440" bIns="45720" rtlCol="0" anchor="ctr">
+            <a:normAutofit fontScale="97500"/>
+          </a:bodyPr>
+          <a:lstStyle>
+            <a:lvl1pPr algn="l" defTabSz="914400" rtl="0" eaLnBrk="1" latinLnBrk="0" hangingPunct="1">
+              <a:lnSpc>
+                <a:spcPct val="90000"/>
+              </a:lnSpc>
+              <a:spcBef>
+                <a:spcPct val="0"/>
+              </a:spcBef>
+              <a:buNone/>
+              <a:defRPr lang="en-US" sz="2800" kern="1200" cap="all" baseline="0" dirty="0">
+                <a:solidFill>
+                  <a:schemeClr val="accent1"/>
+                </a:solidFill>
+                <a:latin typeface="+mj-lt"/>
+                <a:ea typeface="+mj-ea"/>
+                <a:cs typeface="+mj-cs"/>
+              </a:defRPr>
+            </a:lvl1pPr>
+          </a:lstStyle>
+          <a:p>
+            <a:r>
+              <a:rPr lang="en-GB" sz="1600" b="1" dirty="0">
+                <a:solidFill>
+                  <a:schemeClr val="tx1">
+                    <a:lumMod val="85000"/>
+                  </a:schemeClr>
+                </a:solidFill>
+              </a:rPr>
+              <a:t>Via finetuned </a:t>
+            </a:r>
+            <a:r>
+              <a:rPr lang="en-GB" sz="1600" b="1" dirty="0" err="1">
+                <a:solidFill>
+                  <a:schemeClr val="tx1">
+                    <a:lumMod val="85000"/>
+                  </a:schemeClr>
+                </a:solidFill>
+              </a:rPr>
+              <a:t>LLm</a:t>
+            </a:r>
+            <a:endParaRPr lang="en-ZA" sz="1600" dirty="0">
+              <a:solidFill>
+                <a:schemeClr val="tx1">
+                  <a:lumMod val="85000"/>
+                </a:schemeClr>
+              </a:solidFill>
+            </a:endParaRPr>
           </a:p>
         </p:txBody>
       </p:sp>
@@ -20107,783 +17739,7 @@
 </p:sld>
 </file>
 
-<file path=ppt/slides/slide6.xml><?xml version="1.0" encoding="utf-8"?>
-<p:sld xmlns:a="http://schemas.openxmlformats.org/drawingml/2006/main" xmlns:r="http://schemas.openxmlformats.org/officeDocument/2006/relationships" xmlns:p="http://schemas.openxmlformats.org/presentationml/2006/main">
-  <p:cSld>
-    <p:spTree>
-      <p:nvGrpSpPr>
-        <p:cNvPr id="1" name="">
-          <a:extLst>
-            <a:ext uri="{FF2B5EF4-FFF2-40B4-BE49-F238E27FC236}">
-              <a16:creationId xmlns:a16="http://schemas.microsoft.com/office/drawing/2014/main" id="{E5AF8756-E201-DC1C-9F77-87DF96A44139}"/>
-            </a:ext>
-          </a:extLst>
-        </p:cNvPr>
-        <p:cNvGrpSpPr/>
-        <p:nvPr/>
-      </p:nvGrpSpPr>
-      <p:grpSpPr>
-        <a:xfrm>
-          <a:off x="0" y="0"/>
-          <a:ext cx="0" cy="0"/>
-          <a:chOff x="0" y="0"/>
-          <a:chExt cx="0" cy="0"/>
-        </a:xfrm>
-      </p:grpSpPr>
-      <p:sp>
-        <p:nvSpPr>
-          <p:cNvPr id="2" name="Title 1">
-            <a:extLst>
-              <a:ext uri="{FF2B5EF4-FFF2-40B4-BE49-F238E27FC236}">
-                <a16:creationId xmlns:a16="http://schemas.microsoft.com/office/drawing/2014/main" id="{E647A8F0-3F44-0721-1927-BEAE53AF0171}"/>
-              </a:ext>
-            </a:extLst>
-          </p:cNvPr>
-          <p:cNvSpPr>
-            <a:spLocks noGrp="1"/>
-          </p:cNvSpPr>
-          <p:nvPr>
-            <p:ph type="title"/>
-          </p:nvPr>
-        </p:nvSpPr>
-        <p:spPr>
-          <a:xfrm>
-            <a:off x="1034142" y="1110286"/>
-            <a:ext cx="10515600" cy="924808"/>
-          </a:xfrm>
-        </p:spPr>
-        <p:txBody>
-          <a:bodyPr/>
-          <a:lstStyle/>
-          <a:p>
-            <a:r>
-              <a:rPr lang="en-DE" sz="2800" b="1" dirty="0"/>
-              <a:t>Umsetzungsstrategie und aktueller Stand</a:t>
-            </a:r>
-            <a:r>
-              <a:rPr lang="en-DE" b="1" dirty="0"/>
-              <a:t> -  Via fine-tuned llm</a:t>
-            </a:r>
-            <a:endParaRPr lang="en-ZA" dirty="0"/>
-          </a:p>
-        </p:txBody>
-      </p:sp>
-      <p:sp>
-        <p:nvSpPr>
-          <p:cNvPr id="4" name="Slide Number Placeholder 3">
-            <a:extLst>
-              <a:ext uri="{FF2B5EF4-FFF2-40B4-BE49-F238E27FC236}">
-                <a16:creationId xmlns:a16="http://schemas.microsoft.com/office/drawing/2014/main" id="{9753D3D3-66CC-2931-3D7A-E065A2F38F6C}"/>
-              </a:ext>
-            </a:extLst>
-          </p:cNvPr>
-          <p:cNvSpPr>
-            <a:spLocks noGrp="1"/>
-          </p:cNvSpPr>
-          <p:nvPr>
-            <p:ph type="sldNum" sz="quarter" idx="22"/>
-          </p:nvPr>
-        </p:nvSpPr>
-        <p:spPr>
-          <a:xfrm>
-            <a:off x="8610600" y="6356350"/>
-            <a:ext cx="2743200" cy="365125"/>
-          </a:xfrm>
-        </p:spPr>
-        <p:txBody>
-          <a:bodyPr/>
-          <a:lstStyle/>
-          <a:p>
-            <a:fld id="{19B51A1E-902D-48AF-9020-955120F399B6}" type="slidenum">
-              <a:rPr lang="en-ZA" smtClean="0"/>
-              <a:pPr/>
-              <a:t>6</a:t>
-            </a:fld>
-            <a:endParaRPr lang="en-ZA" dirty="0"/>
-          </a:p>
-        </p:txBody>
-      </p:sp>
-      <p:pic>
-        <p:nvPicPr>
-          <p:cNvPr id="14" name="Picture 13" descr="A screenshot of a computer&#10;&#10;Description automatically generated">
-            <a:extLst>
-              <a:ext uri="{FF2B5EF4-FFF2-40B4-BE49-F238E27FC236}">
-                <a16:creationId xmlns:a16="http://schemas.microsoft.com/office/drawing/2014/main" id="{0C381336-599F-5ED8-923A-FD475FFF842C}"/>
-              </a:ext>
-            </a:extLst>
-          </p:cNvPr>
-          <p:cNvPicPr>
-            <a:picLocks noChangeAspect="1"/>
-          </p:cNvPicPr>
-          <p:nvPr/>
-        </p:nvPicPr>
-        <p:blipFill>
-          <a:blip r:embed="rId2"/>
-          <a:stretch>
-            <a:fillRect/>
-          </a:stretch>
-        </p:blipFill>
-        <p:spPr>
-          <a:xfrm>
-            <a:off x="2209800" y="2172183"/>
-            <a:ext cx="7772400" cy="4047077"/>
-          </a:xfrm>
-          <a:prstGeom prst="rect">
-            <a:avLst/>
-          </a:prstGeom>
-        </p:spPr>
-      </p:pic>
-    </p:spTree>
-    <p:extLst>
-      <p:ext uri="{BB962C8B-B14F-4D97-AF65-F5344CB8AC3E}">
-        <p14:creationId xmlns:p14="http://schemas.microsoft.com/office/powerpoint/2010/main" val="3334784099"/>
-      </p:ext>
-    </p:extLst>
-  </p:cSld>
-  <p:clrMapOvr>
-    <a:masterClrMapping/>
-  </p:clrMapOvr>
-</p:sld>
-</file>
-
-<file path=ppt/slides/slide7.xml><?xml version="1.0" encoding="utf-8"?>
-<p:sld xmlns:a="http://schemas.openxmlformats.org/drawingml/2006/main" xmlns:r="http://schemas.openxmlformats.org/officeDocument/2006/relationships" xmlns:p="http://schemas.openxmlformats.org/presentationml/2006/main">
-  <p:cSld>
-    <p:spTree>
-      <p:nvGrpSpPr>
-        <p:cNvPr id="1" name="">
-          <a:extLst>
-            <a:ext uri="{FF2B5EF4-FFF2-40B4-BE49-F238E27FC236}">
-              <a16:creationId xmlns:a16="http://schemas.microsoft.com/office/drawing/2014/main" id="{AF2FDEE5-228F-7978-2AF8-56952B036158}"/>
-            </a:ext>
-          </a:extLst>
-        </p:cNvPr>
-        <p:cNvGrpSpPr/>
-        <p:nvPr/>
-      </p:nvGrpSpPr>
-      <p:grpSpPr>
-        <a:xfrm>
-          <a:off x="0" y="0"/>
-          <a:ext cx="0" cy="0"/>
-          <a:chOff x="0" y="0"/>
-          <a:chExt cx="0" cy="0"/>
-        </a:xfrm>
-      </p:grpSpPr>
-      <p:sp>
-        <p:nvSpPr>
-          <p:cNvPr id="5" name="Text Placeholder 4">
-            <a:extLst>
-              <a:ext uri="{FF2B5EF4-FFF2-40B4-BE49-F238E27FC236}">
-                <a16:creationId xmlns:a16="http://schemas.microsoft.com/office/drawing/2014/main" id="{C28C091C-019A-DB28-F4B5-841F3F956F35}"/>
-              </a:ext>
-            </a:extLst>
-          </p:cNvPr>
-          <p:cNvSpPr>
-            <a:spLocks noGrp="1"/>
-          </p:cNvSpPr>
-          <p:nvPr>
-            <p:ph type="body" sz="quarter" idx="33"/>
-          </p:nvPr>
-        </p:nvSpPr>
-        <p:spPr>
-          <a:xfrm>
-            <a:off x="1034142" y="3971432"/>
-            <a:ext cx="2941600" cy="360000"/>
-          </a:xfrm>
-        </p:spPr>
-        <p:txBody>
-          <a:bodyPr/>
-          <a:lstStyle/>
-          <a:p>
-            <a:r>
-              <a:rPr lang="en-ZA" dirty="0"/>
-              <a:t>Base LLM</a:t>
-            </a:r>
-          </a:p>
-        </p:txBody>
-      </p:sp>
-      <p:sp>
-        <p:nvSpPr>
-          <p:cNvPr id="2" name="Title 1">
-            <a:extLst>
-              <a:ext uri="{FF2B5EF4-FFF2-40B4-BE49-F238E27FC236}">
-                <a16:creationId xmlns:a16="http://schemas.microsoft.com/office/drawing/2014/main" id="{967D8FF3-A2A4-7084-A51D-1F268E28B999}"/>
-              </a:ext>
-            </a:extLst>
-          </p:cNvPr>
-          <p:cNvSpPr>
-            <a:spLocks noGrp="1"/>
-          </p:cNvSpPr>
-          <p:nvPr>
-            <p:ph type="title"/>
-          </p:nvPr>
-        </p:nvSpPr>
-        <p:spPr>
-          <a:xfrm>
-            <a:off x="1034142" y="1110286"/>
-            <a:ext cx="10515600" cy="924808"/>
-          </a:xfrm>
-        </p:spPr>
-        <p:txBody>
-          <a:bodyPr/>
-          <a:lstStyle/>
-          <a:p>
-            <a:r>
-              <a:rPr lang="en-DE" sz="2800" b="1" dirty="0"/>
-              <a:t>Umsetzungsstrategie und aktueller Stand</a:t>
-            </a:r>
-            <a:r>
-              <a:rPr lang="en-DE" b="1" dirty="0"/>
-              <a:t> -  Via fine-tuned llm</a:t>
-            </a:r>
-            <a:endParaRPr lang="en-ZA" dirty="0"/>
-          </a:p>
-        </p:txBody>
-      </p:sp>
-      <p:sp>
-        <p:nvSpPr>
-          <p:cNvPr id="7" name="Text Placeholder 6">
-            <a:extLst>
-              <a:ext uri="{FF2B5EF4-FFF2-40B4-BE49-F238E27FC236}">
-                <a16:creationId xmlns:a16="http://schemas.microsoft.com/office/drawing/2014/main" id="{D2294ED5-D390-61AB-4812-BB6D8CEEADB5}"/>
-              </a:ext>
-            </a:extLst>
-          </p:cNvPr>
-          <p:cNvSpPr>
-            <a:spLocks noGrp="1"/>
-          </p:cNvSpPr>
-          <p:nvPr>
-            <p:ph type="body" sz="quarter" idx="43"/>
-          </p:nvPr>
-        </p:nvSpPr>
-        <p:spPr>
-          <a:xfrm>
-            <a:off x="4706975" y="3971432"/>
-            <a:ext cx="2941600" cy="360000"/>
-          </a:xfrm>
-        </p:spPr>
-        <p:txBody>
-          <a:bodyPr>
-            <a:normAutofit/>
-          </a:bodyPr>
-          <a:lstStyle/>
-          <a:p>
-            <a:r>
-              <a:rPr lang="en-ZA" dirty="0"/>
-              <a:t>Fine-tune</a:t>
-            </a:r>
-          </a:p>
-        </p:txBody>
-      </p:sp>
-      <p:pic>
-        <p:nvPicPr>
-          <p:cNvPr id="28" name="Picture Placeholder 15" descr="Document outline">
-            <a:extLst>
-              <a:ext uri="{FF2B5EF4-FFF2-40B4-BE49-F238E27FC236}">
-                <a16:creationId xmlns:a16="http://schemas.microsoft.com/office/drawing/2014/main" id="{E2E2B613-5801-3444-538A-0E5E19BFF99E}"/>
-              </a:ext>
-            </a:extLst>
-          </p:cNvPr>
-          <p:cNvPicPr>
-            <a:picLocks noGrp="1" noChangeAspect="1"/>
-          </p:cNvPicPr>
-          <p:nvPr>
-            <p:ph type="pic" sz="quarter" idx="45"/>
-          </p:nvPr>
-        </p:nvPicPr>
-        <p:blipFill rotWithShape="1">
-          <a:blip r:embed="rId2">
-            <a:extLst>
-              <a:ext uri="{28A0092B-C50C-407E-A947-70E740481C1C}">
-                <a14:useLocalDpi xmlns:a14="http://schemas.microsoft.com/office/drawing/2010/main"/>
-              </a:ext>
-              <a:ext uri="{96DAC541-7B7A-43D3-8B79-37D633B846F1}">
-                <asvg:svgBlip xmlns:asvg="http://schemas.microsoft.com/office/drawing/2016/SVG/main" r:embed="rId3"/>
-              </a:ext>
-            </a:extLst>
-          </a:blip>
-          <a:srcRect/>
-          <a:stretch/>
-        </p:blipFill>
-        <p:spPr>
-          <a:xfrm>
-            <a:off x="5378030" y="3095176"/>
-            <a:ext cx="769486" cy="769486"/>
-          </a:xfrm>
-          <a:noFill/>
-          <a:ln w="95250" cap="sq" cmpd="sng" algn="ctr">
-            <a:noFill/>
-            <a:prstDash val="solid"/>
-            <a:miter lim="800000"/>
-          </a:ln>
-          <a:effectLst/>
-        </p:spPr>
-      </p:pic>
-      <p:sp>
-        <p:nvSpPr>
-          <p:cNvPr id="9" name="Text Placeholder 8">
-            <a:extLst>
-              <a:ext uri="{FF2B5EF4-FFF2-40B4-BE49-F238E27FC236}">
-                <a16:creationId xmlns:a16="http://schemas.microsoft.com/office/drawing/2014/main" id="{C339168C-01F4-618B-DA2D-8907046AFC42}"/>
-              </a:ext>
-            </a:extLst>
-          </p:cNvPr>
-          <p:cNvSpPr>
-            <a:spLocks noGrp="1"/>
-          </p:cNvSpPr>
-          <p:nvPr>
-            <p:ph type="body" sz="quarter" idx="46"/>
-          </p:nvPr>
-        </p:nvSpPr>
-        <p:spPr>
-          <a:xfrm>
-            <a:off x="8983367" y="3918129"/>
-            <a:ext cx="2941600" cy="360000"/>
-          </a:xfrm>
-        </p:spPr>
-        <p:txBody>
-          <a:bodyPr>
-            <a:normAutofit/>
-          </a:bodyPr>
-          <a:lstStyle/>
-          <a:p>
-            <a:r>
-              <a:rPr lang="en-ZA" dirty="0"/>
-              <a:t>Use Case Specific LLM</a:t>
-            </a:r>
-          </a:p>
-        </p:txBody>
-      </p:sp>
-      <p:pic>
-        <p:nvPicPr>
-          <p:cNvPr id="29" name="Picture Placeholder 17" descr="Illustrator outline">
-            <a:extLst>
-              <a:ext uri="{FF2B5EF4-FFF2-40B4-BE49-F238E27FC236}">
-                <a16:creationId xmlns:a16="http://schemas.microsoft.com/office/drawing/2014/main" id="{B5F0EC32-76AC-BC32-E873-31DA2421A49D}"/>
-              </a:ext>
-            </a:extLst>
-          </p:cNvPr>
-          <p:cNvPicPr>
-            <a:picLocks noGrp="1" noChangeAspect="1"/>
-          </p:cNvPicPr>
-          <p:nvPr>
-            <p:ph type="pic" sz="quarter" idx="48"/>
-          </p:nvPr>
-        </p:nvPicPr>
-        <p:blipFill rotWithShape="1">
-          <a:blip r:embed="rId4">
-            <a:extLst>
-              <a:ext uri="{28A0092B-C50C-407E-A947-70E740481C1C}">
-                <a14:useLocalDpi xmlns:a14="http://schemas.microsoft.com/office/drawing/2010/main"/>
-              </a:ext>
-              <a:ext uri="{96DAC541-7B7A-43D3-8B79-37D633B846F1}">
-                <asvg:svgBlip xmlns:asvg="http://schemas.microsoft.com/office/drawing/2016/SVG/main" r:embed="rId5"/>
-              </a:ext>
-            </a:extLst>
-          </a:blip>
-          <a:srcRect/>
-          <a:stretch/>
-        </p:blipFill>
-        <p:spPr>
-          <a:xfrm>
-            <a:off x="9459686" y="3041493"/>
-            <a:ext cx="769486" cy="769486"/>
-          </a:xfrm>
-          <a:noFill/>
-          <a:ln w="95250" cap="sq" cmpd="sng" algn="ctr">
-            <a:noFill/>
-            <a:prstDash val="solid"/>
-            <a:miter lim="800000"/>
-          </a:ln>
-          <a:effectLst/>
-        </p:spPr>
-      </p:pic>
-      <p:sp>
-        <p:nvSpPr>
-          <p:cNvPr id="4" name="Slide Number Placeholder 3">
-            <a:extLst>
-              <a:ext uri="{FF2B5EF4-FFF2-40B4-BE49-F238E27FC236}">
-                <a16:creationId xmlns:a16="http://schemas.microsoft.com/office/drawing/2014/main" id="{966B3804-2502-B37F-9FBF-332C1F3EE772}"/>
-              </a:ext>
-            </a:extLst>
-          </p:cNvPr>
-          <p:cNvSpPr>
-            <a:spLocks noGrp="1"/>
-          </p:cNvSpPr>
-          <p:nvPr>
-            <p:ph type="sldNum" sz="quarter" idx="22"/>
-          </p:nvPr>
-        </p:nvSpPr>
-        <p:spPr>
-          <a:xfrm>
-            <a:off x="8610600" y="6356350"/>
-            <a:ext cx="2743200" cy="365125"/>
-          </a:xfrm>
-        </p:spPr>
-        <p:txBody>
-          <a:bodyPr/>
-          <a:lstStyle/>
-          <a:p>
-            <a:fld id="{19B51A1E-902D-48AF-9020-955120F399B6}" type="slidenum">
-              <a:rPr lang="en-ZA" smtClean="0"/>
-              <a:pPr/>
-              <a:t>7</a:t>
-            </a:fld>
-            <a:endParaRPr lang="en-ZA" dirty="0"/>
-          </a:p>
-        </p:txBody>
-      </p:sp>
-      <p:pic>
-        <p:nvPicPr>
-          <p:cNvPr id="13" name="Picture 12" descr="A yellow emoji with hands on it&#10;&#10;Description automatically generated">
-            <a:extLst>
-              <a:ext uri="{FF2B5EF4-FFF2-40B4-BE49-F238E27FC236}">
-                <a16:creationId xmlns:a16="http://schemas.microsoft.com/office/drawing/2014/main" id="{67770EDB-C56B-1C3B-A075-BD6863764EF6}"/>
-              </a:ext>
-            </a:extLst>
-          </p:cNvPr>
-          <p:cNvPicPr>
-            <a:picLocks noChangeAspect="1"/>
-          </p:cNvPicPr>
-          <p:nvPr/>
-        </p:nvPicPr>
-        <p:blipFill>
-          <a:blip r:embed="rId6"/>
-          <a:stretch>
-            <a:fillRect/>
-          </a:stretch>
-        </p:blipFill>
-        <p:spPr>
-          <a:xfrm>
-            <a:off x="1464298" y="2961228"/>
-            <a:ext cx="1037382" cy="1037382"/>
-          </a:xfrm>
-          <a:prstGeom prst="rect">
-            <a:avLst/>
-          </a:prstGeom>
-        </p:spPr>
-      </p:pic>
-      <p:sp>
-        <p:nvSpPr>
-          <p:cNvPr id="20" name="TextBox 19">
-            <a:extLst>
-              <a:ext uri="{FF2B5EF4-FFF2-40B4-BE49-F238E27FC236}">
-                <a16:creationId xmlns:a16="http://schemas.microsoft.com/office/drawing/2014/main" id="{E3D7AC1D-CAE4-D903-C697-34231086248F}"/>
-              </a:ext>
-            </a:extLst>
-          </p:cNvPr>
-          <p:cNvSpPr txBox="1"/>
-          <p:nvPr/>
-        </p:nvSpPr>
-        <p:spPr>
-          <a:xfrm>
-            <a:off x="1161288" y="4331432"/>
-            <a:ext cx="2368296" cy="738664"/>
-          </a:xfrm>
-          <a:prstGeom prst="rect">
-            <a:avLst/>
-          </a:prstGeom>
-          <a:noFill/>
-        </p:spPr>
-        <p:txBody>
-          <a:bodyPr wrap="square" rtlCol="0">
-            <a:spAutoFit/>
-          </a:bodyPr>
-          <a:lstStyle/>
-          <a:p>
-            <a:pPr marL="285750" indent="-285750">
-              <a:buFont typeface="Arial" panose="020B0604020202020204" pitchFamily="34" charset="0"/>
-              <a:buChar char="•"/>
-            </a:pPr>
-            <a:r>
-              <a:rPr lang="en-DE" sz="1400" dirty="0"/>
-              <a:t>Definiere exakte Task</a:t>
-            </a:r>
-          </a:p>
-          <a:p>
-            <a:pPr marL="285750" indent="-285750">
-              <a:buFont typeface="Arial" panose="020B0604020202020204" pitchFamily="34" charset="0"/>
-              <a:buChar char="•"/>
-            </a:pPr>
-            <a:r>
-              <a:rPr lang="en-DE" sz="1400" dirty="0"/>
-              <a:t>Auswahl Base LLM</a:t>
-            </a:r>
-          </a:p>
-          <a:p>
-            <a:pPr marL="285750" indent="-285750">
-              <a:buFont typeface="Arial" panose="020B0604020202020204" pitchFamily="34" charset="0"/>
-              <a:buChar char="•"/>
-            </a:pPr>
-            <a:r>
-              <a:rPr lang="en-DE" sz="1400" dirty="0"/>
-              <a:t>Verschiedene Tests</a:t>
-            </a:r>
-          </a:p>
-        </p:txBody>
-      </p:sp>
-      <p:sp>
-        <p:nvSpPr>
-          <p:cNvPr id="22" name="Notched Right Arrow 21">
-            <a:extLst>
-              <a:ext uri="{FF2B5EF4-FFF2-40B4-BE49-F238E27FC236}">
-                <a16:creationId xmlns:a16="http://schemas.microsoft.com/office/drawing/2014/main" id="{C2DAF0DF-97C4-A881-129A-652E9847E7AA}"/>
-              </a:ext>
-            </a:extLst>
-          </p:cNvPr>
-          <p:cNvSpPr/>
-          <p:nvPr/>
-        </p:nvSpPr>
-        <p:spPr>
-          <a:xfrm>
-            <a:off x="3296078" y="3823816"/>
-            <a:ext cx="896314" cy="560975"/>
-          </a:xfrm>
-          <a:prstGeom prst="notchedRightArrow">
-            <a:avLst/>
-          </a:prstGeom>
-          <a:gradFill>
-            <a:gsLst>
-              <a:gs pos="0">
-                <a:schemeClr val="accent1">
-                  <a:shade val="67500"/>
-                  <a:satMod val="115000"/>
-                </a:schemeClr>
-              </a:gs>
-              <a:gs pos="0">
-                <a:srgbClr val="48C0A7"/>
-              </a:gs>
-              <a:gs pos="100000">
-                <a:schemeClr val="accent1">
-                  <a:shade val="67500"/>
-                  <a:satMod val="115000"/>
-                </a:schemeClr>
-              </a:gs>
-              <a:gs pos="100000">
-                <a:schemeClr val="accent1">
-                  <a:shade val="100000"/>
-                  <a:satMod val="115000"/>
-                </a:schemeClr>
-              </a:gs>
-            </a:gsLst>
-            <a:lin ang="10800000" scaled="1"/>
-          </a:gradFill>
-          <a:ln>
-            <a:noFill/>
-          </a:ln>
-        </p:spPr>
-        <p:style>
-          <a:lnRef idx="2">
-            <a:schemeClr val="accent1">
-              <a:shade val="15000"/>
-            </a:schemeClr>
-          </a:lnRef>
-          <a:fillRef idx="1">
-            <a:schemeClr val="accent1"/>
-          </a:fillRef>
-          <a:effectRef idx="0">
-            <a:schemeClr val="accent1"/>
-          </a:effectRef>
-          <a:fontRef idx="minor">
-            <a:schemeClr val="lt1"/>
-          </a:fontRef>
-        </p:style>
-        <p:txBody>
-          <a:bodyPr rtlCol="0" anchor="ctr"/>
-          <a:lstStyle/>
-          <a:p>
-            <a:pPr algn="ctr"/>
-            <a:endParaRPr lang="en-DE"/>
-          </a:p>
-        </p:txBody>
-      </p:sp>
-      <p:sp>
-        <p:nvSpPr>
-          <p:cNvPr id="23" name="Notched Right Arrow 22">
-            <a:extLst>
-              <a:ext uri="{FF2B5EF4-FFF2-40B4-BE49-F238E27FC236}">
-                <a16:creationId xmlns:a16="http://schemas.microsoft.com/office/drawing/2014/main" id="{D67CE982-33BC-53D3-4279-9D428DF57908}"/>
-              </a:ext>
-            </a:extLst>
-          </p:cNvPr>
-          <p:cNvSpPr/>
-          <p:nvPr/>
-        </p:nvSpPr>
-        <p:spPr>
-          <a:xfrm>
-            <a:off x="7333154" y="3817642"/>
-            <a:ext cx="939803" cy="560975"/>
-          </a:xfrm>
-          <a:prstGeom prst="notchedRightArrow">
-            <a:avLst/>
-          </a:prstGeom>
-          <a:gradFill>
-            <a:gsLst>
-              <a:gs pos="0">
-                <a:schemeClr val="accent1">
-                  <a:shade val="67500"/>
-                  <a:satMod val="115000"/>
-                </a:schemeClr>
-              </a:gs>
-              <a:gs pos="0">
-                <a:srgbClr val="48C0A7"/>
-              </a:gs>
-              <a:gs pos="100000">
-                <a:schemeClr val="accent1">
-                  <a:shade val="67500"/>
-                  <a:satMod val="115000"/>
-                </a:schemeClr>
-              </a:gs>
-              <a:gs pos="100000">
-                <a:schemeClr val="accent1">
-                  <a:shade val="100000"/>
-                  <a:satMod val="115000"/>
-                </a:schemeClr>
-              </a:gs>
-            </a:gsLst>
-            <a:lin ang="10800000" scaled="1"/>
-          </a:gradFill>
-          <a:ln>
-            <a:noFill/>
-          </a:ln>
-        </p:spPr>
-        <p:style>
-          <a:lnRef idx="2">
-            <a:schemeClr val="accent1">
-              <a:shade val="15000"/>
-            </a:schemeClr>
-          </a:lnRef>
-          <a:fillRef idx="1">
-            <a:schemeClr val="accent1"/>
-          </a:fillRef>
-          <a:effectRef idx="0">
-            <a:schemeClr val="accent1"/>
-          </a:effectRef>
-          <a:fontRef idx="minor">
-            <a:schemeClr val="lt1"/>
-          </a:fontRef>
-        </p:style>
-        <p:txBody>
-          <a:bodyPr rtlCol="0" anchor="ctr"/>
-          <a:lstStyle/>
-          <a:p>
-            <a:pPr algn="ctr"/>
-            <a:endParaRPr lang="en-DE"/>
-          </a:p>
-        </p:txBody>
-      </p:sp>
-      <p:sp>
-        <p:nvSpPr>
-          <p:cNvPr id="24" name="TextBox 23">
-            <a:extLst>
-              <a:ext uri="{FF2B5EF4-FFF2-40B4-BE49-F238E27FC236}">
-                <a16:creationId xmlns:a16="http://schemas.microsoft.com/office/drawing/2014/main" id="{5E355958-A750-4B3E-A80E-5E13FAD034AB}"/>
-              </a:ext>
-            </a:extLst>
-          </p:cNvPr>
-          <p:cNvSpPr txBox="1"/>
-          <p:nvPr/>
-        </p:nvSpPr>
-        <p:spPr>
-          <a:xfrm>
-            <a:off x="4861456" y="4325159"/>
-            <a:ext cx="2368296" cy="738664"/>
-          </a:xfrm>
-          <a:prstGeom prst="rect">
-            <a:avLst/>
-          </a:prstGeom>
-          <a:noFill/>
-        </p:spPr>
-        <p:txBody>
-          <a:bodyPr wrap="square" rtlCol="0">
-            <a:spAutoFit/>
-          </a:bodyPr>
-          <a:lstStyle/>
-          <a:p>
-            <a:pPr marL="285750" indent="-285750">
-              <a:buFont typeface="Arial" panose="020B0604020202020204" pitchFamily="34" charset="0"/>
-              <a:buChar char="•"/>
-            </a:pPr>
-            <a:r>
-              <a:rPr lang="en-DE" sz="1400" dirty="0"/>
-              <a:t>Erstelle Datenbank</a:t>
-            </a:r>
-          </a:p>
-          <a:p>
-            <a:pPr marL="285750" indent="-285750">
-              <a:buFont typeface="Arial" panose="020B0604020202020204" pitchFamily="34" charset="0"/>
-              <a:buChar char="•"/>
-            </a:pPr>
-            <a:r>
-              <a:rPr lang="en-DE" sz="1400" dirty="0"/>
-              <a:t>Füttere Datenbank in Base Model</a:t>
-            </a:r>
-          </a:p>
-        </p:txBody>
-      </p:sp>
-      <p:sp>
-        <p:nvSpPr>
-          <p:cNvPr id="3" name="TextBox 2">
-            <a:extLst>
-              <a:ext uri="{FF2B5EF4-FFF2-40B4-BE49-F238E27FC236}">
-                <a16:creationId xmlns:a16="http://schemas.microsoft.com/office/drawing/2014/main" id="{3D38B2BA-E1BE-E1C9-A303-98039F8BDAFC}"/>
-              </a:ext>
-            </a:extLst>
-          </p:cNvPr>
-          <p:cNvSpPr txBox="1"/>
-          <p:nvPr/>
-        </p:nvSpPr>
-        <p:spPr>
-          <a:xfrm>
-            <a:off x="9186366" y="4325159"/>
-            <a:ext cx="2368296" cy="523220"/>
-          </a:xfrm>
-          <a:prstGeom prst="rect">
-            <a:avLst/>
-          </a:prstGeom>
-          <a:noFill/>
-        </p:spPr>
-        <p:txBody>
-          <a:bodyPr wrap="square" rtlCol="0">
-            <a:spAutoFit/>
-          </a:bodyPr>
-          <a:lstStyle/>
-          <a:p>
-            <a:pPr marL="285750" indent="-285750">
-              <a:buFont typeface="Arial" panose="020B0604020202020204" pitchFamily="34" charset="0"/>
-              <a:buChar char="•"/>
-            </a:pPr>
-            <a:r>
-              <a:rPr lang="en-DE" sz="1400" dirty="0"/>
-              <a:t>Testen</a:t>
-            </a:r>
-          </a:p>
-          <a:p>
-            <a:pPr marL="285750" indent="-285750">
-              <a:buFont typeface="Arial" panose="020B0604020202020204" pitchFamily="34" charset="0"/>
-              <a:buChar char="•"/>
-            </a:pPr>
-            <a:r>
-              <a:rPr lang="en-DE" sz="1400" dirty="0"/>
-              <a:t>(In  UI einbetten)</a:t>
-            </a:r>
-          </a:p>
-        </p:txBody>
-      </p:sp>
-    </p:spTree>
-    <p:extLst>
-      <p:ext uri="{BB962C8B-B14F-4D97-AF65-F5344CB8AC3E}">
-        <p14:creationId xmlns:p14="http://schemas.microsoft.com/office/powerpoint/2010/main" val="2185086556"/>
-      </p:ext>
-    </p:extLst>
-  </p:cSld>
-  <p:clrMapOvr>
-    <a:masterClrMapping/>
-  </p:clrMapOvr>
-</p:sld>
-</file>
-
-<file path=ppt/slides/slide8.xml><?xml version="1.0" encoding="utf-8"?>
+<file path=ppt/slides/slide5.xml><?xml version="1.0" encoding="utf-8"?>
 <p:sld xmlns:a="http://schemas.openxmlformats.org/drawingml/2006/main" xmlns:r="http://schemas.openxmlformats.org/officeDocument/2006/relationships" xmlns:p="http://schemas.openxmlformats.org/presentationml/2006/main">
   <p:cSld>
     <p:spTree>
@@ -21026,7 +17882,7 @@
                 <a:tabLst/>
                 <a:defRPr/>
               </a:pPr>
-              <a:t>8</a:t>
+              <a:t>5</a:t>
             </a:fld>
             <a:endParaRPr kumimoji="0" lang="en-ZA" sz="900" b="0" i="0" u="none" strike="noStrike" kern="1200" cap="none" spc="0" normalizeH="0" baseline="0" noProof="0" dirty="0">
               <a:ln>
@@ -21773,7 +18629,7 @@
 </p:sld>
 </file>
 
-<file path=ppt/slides/slide9.xml><?xml version="1.0" encoding="utf-8"?>
+<file path=ppt/slides/slide6.xml><?xml version="1.0" encoding="utf-8"?>
 <p:sld xmlns:a="http://schemas.openxmlformats.org/drawingml/2006/main" xmlns:r="http://schemas.openxmlformats.org/officeDocument/2006/relationships" xmlns:p="http://schemas.openxmlformats.org/presentationml/2006/main">
   <p:cSld>
     <p:spTree>
@@ -22976,6 +19832,1290 @@
     <p:extLst>
       <p:ext uri="{BB962C8B-B14F-4D97-AF65-F5344CB8AC3E}">
         <p14:creationId xmlns:p14="http://schemas.microsoft.com/office/powerpoint/2010/main" val="3747000269"/>
+      </p:ext>
+    </p:extLst>
+  </p:cSld>
+  <p:clrMapOvr>
+    <a:masterClrMapping/>
+  </p:clrMapOvr>
+</p:sld>
+</file>
+
+<file path=ppt/slides/slide7.xml><?xml version="1.0" encoding="utf-8"?>
+<p:sld xmlns:a="http://schemas.openxmlformats.org/drawingml/2006/main" xmlns:r="http://schemas.openxmlformats.org/officeDocument/2006/relationships" xmlns:p="http://schemas.openxmlformats.org/presentationml/2006/main">
+  <p:cSld>
+    <p:spTree>
+      <p:nvGrpSpPr>
+        <p:cNvPr id="1" name="">
+          <a:extLst>
+            <a:ext uri="{FF2B5EF4-FFF2-40B4-BE49-F238E27FC236}">
+              <a16:creationId xmlns:a16="http://schemas.microsoft.com/office/drawing/2014/main" id="{A0BABD68-9F23-198D-8F68-C77E6EB17EB0}"/>
+            </a:ext>
+          </a:extLst>
+        </p:cNvPr>
+        <p:cNvGrpSpPr/>
+        <p:nvPr/>
+      </p:nvGrpSpPr>
+      <p:grpSpPr>
+        <a:xfrm>
+          <a:off x="0" y="0"/>
+          <a:ext cx="0" cy="0"/>
+          <a:chOff x="0" y="0"/>
+          <a:chExt cx="0" cy="0"/>
+        </a:xfrm>
+      </p:grpSpPr>
+      <p:pic>
+        <p:nvPicPr>
+          <p:cNvPr id="13" name="Bildplatzhalter 12" descr="Ein Bild, das Schachfigur, Statue, Messing, Skulptur enthält.&#10;&#10;Beschreibung automatisch generiert.">
+            <a:extLst>
+              <a:ext uri="{FF2B5EF4-FFF2-40B4-BE49-F238E27FC236}">
+                <a16:creationId xmlns:a16="http://schemas.microsoft.com/office/drawing/2014/main" id="{42988585-72B3-CC6E-6C27-DA0B9EE54ED8}"/>
+              </a:ext>
+            </a:extLst>
+          </p:cNvPr>
+          <p:cNvPicPr>
+            <a:picLocks noGrp="1" noChangeAspect="1"/>
+          </p:cNvPicPr>
+          <p:nvPr>
+            <p:ph type="pic" sz="quarter" idx="13"/>
+          </p:nvPr>
+        </p:nvPicPr>
+        <p:blipFill>
+          <a:blip r:embed="rId2"/>
+          <a:srcRect t="21875" b="21875"/>
+          <a:stretch/>
+        </p:blipFill>
+        <p:spPr>
+          <a:xfrm>
+            <a:off x="0" y="0"/>
+            <a:ext cx="12192000" cy="6858000"/>
+          </a:xfrm>
+        </p:spPr>
+      </p:pic>
+      <p:sp>
+        <p:nvSpPr>
+          <p:cNvPr id="9" name="Rectangle 8">
+            <a:extLst>
+              <a:ext uri="{FF2B5EF4-FFF2-40B4-BE49-F238E27FC236}">
+                <a16:creationId xmlns:a16="http://schemas.microsoft.com/office/drawing/2014/main" id="{556C16CF-9779-BF39-2D02-C68CA9A9D63A}"/>
+              </a:ext>
+            </a:extLst>
+          </p:cNvPr>
+          <p:cNvSpPr/>
+          <p:nvPr/>
+        </p:nvSpPr>
+        <p:spPr>
+          <a:xfrm>
+            <a:off x="-379828" y="-436098"/>
+            <a:ext cx="13111090" cy="7779433"/>
+          </a:xfrm>
+          <a:prstGeom prst="rect">
+            <a:avLst/>
+          </a:prstGeom>
+          <a:solidFill>
+            <a:schemeClr val="bg1">
+              <a:alpha val="90000"/>
+            </a:schemeClr>
+          </a:solidFill>
+        </p:spPr>
+        <p:style>
+          <a:lnRef idx="2">
+            <a:schemeClr val="accent1">
+              <a:shade val="15000"/>
+            </a:schemeClr>
+          </a:lnRef>
+          <a:fillRef idx="1">
+            <a:schemeClr val="accent1"/>
+          </a:fillRef>
+          <a:effectRef idx="0">
+            <a:schemeClr val="accent1"/>
+          </a:effectRef>
+          <a:fontRef idx="minor">
+            <a:schemeClr val="lt1"/>
+          </a:fontRef>
+        </p:style>
+        <p:txBody>
+          <a:bodyPr rtlCol="0" anchor="ctr"/>
+          <a:lstStyle/>
+          <a:p>
+            <a:pPr algn="ctr"/>
+            <a:endParaRPr lang="en-DE"/>
+          </a:p>
+        </p:txBody>
+      </p:sp>
+      <p:sp>
+        <p:nvSpPr>
+          <p:cNvPr id="20" name="Text Placeholder 19">
+            <a:extLst>
+              <a:ext uri="{FF2B5EF4-FFF2-40B4-BE49-F238E27FC236}">
+                <a16:creationId xmlns:a16="http://schemas.microsoft.com/office/drawing/2014/main" id="{DD1D9720-3369-EA55-BEE8-79D9098DD435}"/>
+              </a:ext>
+            </a:extLst>
+          </p:cNvPr>
+          <p:cNvSpPr>
+            <a:spLocks noGrp="1"/>
+          </p:cNvSpPr>
+          <p:nvPr>
+            <p:ph type="body" sz="quarter" idx="17"/>
+          </p:nvPr>
+        </p:nvSpPr>
+        <p:spPr>
+          <a:xfrm>
+            <a:off x="4165451" y="1269416"/>
+            <a:ext cx="1598515" cy="1681163"/>
+          </a:xfrm>
+        </p:spPr>
+        <p:txBody>
+          <a:bodyPr vert="horz" lIns="91440" tIns="45720" rIns="91440" bIns="45720" rtlCol="0" anchor="t">
+            <a:noAutofit/>
+          </a:bodyPr>
+          <a:lstStyle/>
+          <a:p>
+            <a:r>
+              <a:rPr lang="en-US" dirty="0"/>
+              <a:t>S</a:t>
+            </a:r>
+          </a:p>
+        </p:txBody>
+      </p:sp>
+      <p:sp>
+        <p:nvSpPr>
+          <p:cNvPr id="18" name="Text Placeholder 17">
+            <a:extLst>
+              <a:ext uri="{FF2B5EF4-FFF2-40B4-BE49-F238E27FC236}">
+                <a16:creationId xmlns:a16="http://schemas.microsoft.com/office/drawing/2014/main" id="{A0B9477A-A89E-E0B2-EE58-451C57E1EC98}"/>
+              </a:ext>
+            </a:extLst>
+          </p:cNvPr>
+          <p:cNvSpPr>
+            <a:spLocks noGrp="1"/>
+          </p:cNvSpPr>
+          <p:nvPr>
+            <p:ph type="body" sz="quarter" idx="15"/>
+          </p:nvPr>
+        </p:nvSpPr>
+        <p:spPr>
+          <a:xfrm>
+            <a:off x="2827449" y="1330267"/>
+            <a:ext cx="1253665" cy="1681163"/>
+          </a:xfrm>
+        </p:spPr>
+        <p:txBody>
+          <a:bodyPr vert="horz" lIns="91440" tIns="45720" rIns="91440" bIns="45720" rtlCol="0" anchor="t">
+            <a:noAutofit/>
+          </a:bodyPr>
+          <a:lstStyle/>
+          <a:p>
+            <a:r>
+              <a:rPr lang="en-US" dirty="0"/>
+              <a:t>E</a:t>
+            </a:r>
+            <a:endParaRPr lang="en-US" dirty="0">
+              <a:ea typeface="Source Sans Pro"/>
+            </a:endParaRPr>
+          </a:p>
+        </p:txBody>
+      </p:sp>
+      <p:sp>
+        <p:nvSpPr>
+          <p:cNvPr id="17" name="Text Placeholder 16">
+            <a:extLst>
+              <a:ext uri="{FF2B5EF4-FFF2-40B4-BE49-F238E27FC236}">
+                <a16:creationId xmlns:a16="http://schemas.microsoft.com/office/drawing/2014/main" id="{BAC0C93F-088F-B931-9C4D-A0E06E9DEF31}"/>
+              </a:ext>
+            </a:extLst>
+          </p:cNvPr>
+          <p:cNvSpPr>
+            <a:spLocks noGrp="1"/>
+          </p:cNvSpPr>
+          <p:nvPr>
+            <p:ph type="body" sz="quarter" idx="14"/>
+          </p:nvPr>
+        </p:nvSpPr>
+        <p:spPr>
+          <a:xfrm>
+            <a:off x="869501" y="490621"/>
+            <a:ext cx="1253665" cy="1681163"/>
+          </a:xfrm>
+        </p:spPr>
+        <p:txBody>
+          <a:bodyPr vert="horz" lIns="91440" tIns="45720" rIns="91440" bIns="45720" rtlCol="0" anchor="t">
+            <a:noAutofit/>
+          </a:bodyPr>
+          <a:lstStyle/>
+          <a:p>
+            <a:r>
+              <a:rPr lang="en-US" dirty="0">
+                <a:ea typeface="Source Sans Pro"/>
+              </a:rPr>
+              <a:t>C</a:t>
+            </a:r>
+          </a:p>
+        </p:txBody>
+      </p:sp>
+      <p:sp>
+        <p:nvSpPr>
+          <p:cNvPr id="19" name="Text Placeholder 18">
+            <a:extLst>
+              <a:ext uri="{FF2B5EF4-FFF2-40B4-BE49-F238E27FC236}">
+                <a16:creationId xmlns:a16="http://schemas.microsoft.com/office/drawing/2014/main" id="{AE4FB503-95E9-303D-AC9A-67472DFA9005}"/>
+              </a:ext>
+            </a:extLst>
+          </p:cNvPr>
+          <p:cNvSpPr>
+            <a:spLocks noGrp="1"/>
+          </p:cNvSpPr>
+          <p:nvPr>
+            <p:ph type="body" sz="quarter" idx="16"/>
+          </p:nvPr>
+        </p:nvSpPr>
+        <p:spPr>
+          <a:xfrm>
+            <a:off x="3619153" y="991513"/>
+            <a:ext cx="1253665" cy="1681163"/>
+          </a:xfrm>
+        </p:spPr>
+        <p:txBody>
+          <a:bodyPr vert="horz" lIns="91440" tIns="45720" rIns="91440" bIns="45720" rtlCol="0" anchor="t">
+            <a:noAutofit/>
+          </a:bodyPr>
+          <a:lstStyle/>
+          <a:p>
+            <a:r>
+              <a:rPr lang="en-US" dirty="0"/>
+              <a:t>S</a:t>
+            </a:r>
+            <a:endParaRPr lang="en-US" dirty="0">
+              <a:ea typeface="Source Sans Pro"/>
+            </a:endParaRPr>
+          </a:p>
+        </p:txBody>
+      </p:sp>
+      <p:sp>
+        <p:nvSpPr>
+          <p:cNvPr id="32" name="Subtitle 31">
+            <a:extLst>
+              <a:ext uri="{FF2B5EF4-FFF2-40B4-BE49-F238E27FC236}">
+                <a16:creationId xmlns:a16="http://schemas.microsoft.com/office/drawing/2014/main" id="{9D864564-2B69-77F5-115C-F74F1008418A}"/>
+              </a:ext>
+            </a:extLst>
+          </p:cNvPr>
+          <p:cNvSpPr>
+            <a:spLocks noGrp="1"/>
+          </p:cNvSpPr>
+          <p:nvPr>
+            <p:ph type="subTitle" idx="1"/>
+          </p:nvPr>
+        </p:nvSpPr>
+        <p:spPr>
+          <a:xfrm>
+            <a:off x="7970418" y="5325276"/>
+            <a:ext cx="3677297" cy="682094"/>
+          </a:xfrm>
+        </p:spPr>
+        <p:txBody>
+          <a:bodyPr>
+            <a:normAutofit fontScale="85000" lnSpcReduction="20000"/>
+          </a:bodyPr>
+          <a:lstStyle/>
+          <a:p>
+            <a:r>
+              <a:rPr lang="en-US" dirty="0"/>
+              <a:t>Aaron </a:t>
+            </a:r>
+            <a:r>
+              <a:rPr lang="en-US" err="1"/>
+              <a:t>debebe</a:t>
+            </a:r>
+            <a:endParaRPr lang="en-US" dirty="0" err="1">
+              <a:ea typeface="Source Sans Pro"/>
+            </a:endParaRPr>
+          </a:p>
+          <a:p>
+            <a:r>
+              <a:rPr lang="en-US" dirty="0">
+                <a:ea typeface="Source Sans Pro"/>
+              </a:rPr>
+              <a:t>Constantin Schreyer</a:t>
+            </a:r>
+          </a:p>
+        </p:txBody>
+      </p:sp>
+      <p:cxnSp>
+        <p:nvCxnSpPr>
+          <p:cNvPr id="12" name="Straight Connector 11">
+            <a:extLst>
+              <a:ext uri="{FF2B5EF4-FFF2-40B4-BE49-F238E27FC236}">
+                <a16:creationId xmlns:a16="http://schemas.microsoft.com/office/drawing/2014/main" id="{CF05FD25-7293-3B36-F62C-28FB09A9FB06}"/>
+              </a:ext>
+              <a:ext uri="{C183D7F6-B498-43B3-948B-1728B52AA6E4}">
+                <adec:decorative xmlns:adec="http://schemas.microsoft.com/office/drawing/2017/decorative" val="1"/>
+              </a:ext>
+            </a:extLst>
+          </p:cNvPr>
+          <p:cNvCxnSpPr>
+            <a:cxnSpLocks/>
+          </p:cNvCxnSpPr>
+          <p:nvPr/>
+        </p:nvCxnSpPr>
+        <p:spPr>
+          <a:xfrm flipH="1">
+            <a:off x="4245428" y="5655432"/>
+            <a:ext cx="3318888" cy="0"/>
+          </a:xfrm>
+          <a:prstGeom prst="line">
+            <a:avLst/>
+          </a:prstGeom>
+          <a:ln w="19050">
+            <a:solidFill>
+              <a:schemeClr val="accent1"/>
+            </a:solidFill>
+          </a:ln>
+        </p:spPr>
+        <p:style>
+          <a:lnRef idx="1">
+            <a:schemeClr val="accent1"/>
+          </a:lnRef>
+          <a:fillRef idx="0">
+            <a:schemeClr val="accent1"/>
+          </a:fillRef>
+          <a:effectRef idx="0">
+            <a:schemeClr val="accent1"/>
+          </a:effectRef>
+          <a:fontRef idx="minor">
+            <a:schemeClr val="tx1"/>
+          </a:fontRef>
+        </p:style>
+      </p:cxnSp>
+      <p:sp>
+        <p:nvSpPr>
+          <p:cNvPr id="3" name="Text Placeholder 16">
+            <a:extLst>
+              <a:ext uri="{FF2B5EF4-FFF2-40B4-BE49-F238E27FC236}">
+                <a16:creationId xmlns:a16="http://schemas.microsoft.com/office/drawing/2014/main" id="{9FE3BF0C-DA66-F25D-CFED-BD9040853463}"/>
+              </a:ext>
+            </a:extLst>
+          </p:cNvPr>
+          <p:cNvSpPr txBox="1">
+            <a:spLocks/>
+          </p:cNvSpPr>
+          <p:nvPr/>
+        </p:nvSpPr>
+        <p:spPr>
+          <a:xfrm>
+            <a:off x="1895803" y="850839"/>
+            <a:ext cx="1253665" cy="1681163"/>
+          </a:xfrm>
+          <a:prstGeom prst="rect">
+            <a:avLst/>
+          </a:prstGeom>
+        </p:spPr>
+        <p:txBody>
+          <a:bodyPr vert="horz" lIns="91440" tIns="45720" rIns="91440" bIns="45720" rtlCol="0" anchor="t">
+            <a:noAutofit/>
+          </a:bodyPr>
+          <a:lstStyle>
+            <a:lvl1pPr marL="0" indent="0" algn="l" defTabSz="914400" rtl="0" eaLnBrk="1" latinLnBrk="0" hangingPunct="1">
+              <a:lnSpc>
+                <a:spcPct val="90000"/>
+              </a:lnSpc>
+              <a:spcBef>
+                <a:spcPts val="1000"/>
+              </a:spcBef>
+              <a:buFont typeface="Arial" panose="020B0604020202020204" pitchFamily="34" charset="0"/>
+              <a:buNone/>
+              <a:defRPr sz="15500" b="1" kern="1200">
+                <a:solidFill>
+                  <a:schemeClr val="tx1"/>
+                </a:solidFill>
+                <a:latin typeface="+mn-lt"/>
+                <a:ea typeface="+mn-ea"/>
+                <a:cs typeface="+mn-cs"/>
+              </a:defRPr>
+            </a:lvl1pPr>
+            <a:lvl2pPr marL="685800" indent="-228600" algn="l" defTabSz="914400" rtl="0" eaLnBrk="1" latinLnBrk="0" hangingPunct="1">
+              <a:lnSpc>
+                <a:spcPct val="90000"/>
+              </a:lnSpc>
+              <a:spcBef>
+                <a:spcPts val="500"/>
+              </a:spcBef>
+              <a:buFont typeface="Arial" panose="020B0604020202020204" pitchFamily="34" charset="0"/>
+              <a:buChar char="•"/>
+              <a:defRPr sz="2400" kern="1200">
+                <a:solidFill>
+                  <a:schemeClr val="tx1"/>
+                </a:solidFill>
+                <a:latin typeface="+mn-lt"/>
+                <a:ea typeface="+mn-ea"/>
+                <a:cs typeface="+mn-cs"/>
+              </a:defRPr>
+            </a:lvl2pPr>
+            <a:lvl3pPr marL="1143000" indent="-228600" algn="l" defTabSz="914400" rtl="0" eaLnBrk="1" latinLnBrk="0" hangingPunct="1">
+              <a:lnSpc>
+                <a:spcPct val="90000"/>
+              </a:lnSpc>
+              <a:spcBef>
+                <a:spcPts val="500"/>
+              </a:spcBef>
+              <a:buFont typeface="Arial" panose="020B0604020202020204" pitchFamily="34" charset="0"/>
+              <a:buChar char="•"/>
+              <a:defRPr sz="2000" kern="1200">
+                <a:solidFill>
+                  <a:schemeClr val="tx1"/>
+                </a:solidFill>
+                <a:latin typeface="+mn-lt"/>
+                <a:ea typeface="+mn-ea"/>
+                <a:cs typeface="+mn-cs"/>
+              </a:defRPr>
+            </a:lvl3pPr>
+            <a:lvl4pPr marL="1600200" indent="-228600" algn="l" defTabSz="914400" rtl="0" eaLnBrk="1" latinLnBrk="0" hangingPunct="1">
+              <a:lnSpc>
+                <a:spcPct val="90000"/>
+              </a:lnSpc>
+              <a:spcBef>
+                <a:spcPts val="500"/>
+              </a:spcBef>
+              <a:buFont typeface="Arial" panose="020B0604020202020204" pitchFamily="34" charset="0"/>
+              <a:buChar char="•"/>
+              <a:defRPr sz="1800" kern="1200">
+                <a:solidFill>
+                  <a:schemeClr val="tx1"/>
+                </a:solidFill>
+                <a:latin typeface="+mn-lt"/>
+                <a:ea typeface="+mn-ea"/>
+                <a:cs typeface="+mn-cs"/>
+              </a:defRPr>
+            </a:lvl4pPr>
+            <a:lvl5pPr marL="2057400" indent="-228600" algn="l" defTabSz="914400" rtl="0" eaLnBrk="1" latinLnBrk="0" hangingPunct="1">
+              <a:lnSpc>
+                <a:spcPct val="90000"/>
+              </a:lnSpc>
+              <a:spcBef>
+                <a:spcPts val="500"/>
+              </a:spcBef>
+              <a:buFont typeface="Arial" panose="020B0604020202020204" pitchFamily="34" charset="0"/>
+              <a:buChar char="•"/>
+              <a:defRPr sz="1800" kern="1200">
+                <a:solidFill>
+                  <a:schemeClr val="tx1"/>
+                </a:solidFill>
+                <a:latin typeface="+mn-lt"/>
+                <a:ea typeface="+mn-ea"/>
+                <a:cs typeface="+mn-cs"/>
+              </a:defRPr>
+            </a:lvl5pPr>
+            <a:lvl6pPr marL="2514600" indent="-228600" algn="l" defTabSz="914400" rtl="0" eaLnBrk="1" latinLnBrk="0" hangingPunct="1">
+              <a:lnSpc>
+                <a:spcPct val="90000"/>
+              </a:lnSpc>
+              <a:spcBef>
+                <a:spcPts val="500"/>
+              </a:spcBef>
+              <a:buFont typeface="Arial" panose="020B0604020202020204" pitchFamily="34" charset="0"/>
+              <a:buChar char="•"/>
+              <a:defRPr sz="1800" kern="1200">
+                <a:solidFill>
+                  <a:schemeClr val="tx1"/>
+                </a:solidFill>
+                <a:latin typeface="+mn-lt"/>
+                <a:ea typeface="+mn-ea"/>
+                <a:cs typeface="+mn-cs"/>
+              </a:defRPr>
+            </a:lvl6pPr>
+            <a:lvl7pPr marL="2971800" indent="-228600" algn="l" defTabSz="914400" rtl="0" eaLnBrk="1" latinLnBrk="0" hangingPunct="1">
+              <a:lnSpc>
+                <a:spcPct val="90000"/>
+              </a:lnSpc>
+              <a:spcBef>
+                <a:spcPts val="500"/>
+              </a:spcBef>
+              <a:buFont typeface="Arial" panose="020B0604020202020204" pitchFamily="34" charset="0"/>
+              <a:buChar char="•"/>
+              <a:defRPr sz="1800" kern="1200">
+                <a:solidFill>
+                  <a:schemeClr val="tx1"/>
+                </a:solidFill>
+                <a:latin typeface="+mn-lt"/>
+                <a:ea typeface="+mn-ea"/>
+                <a:cs typeface="+mn-cs"/>
+              </a:defRPr>
+            </a:lvl7pPr>
+            <a:lvl8pPr marL="3429000" indent="-228600" algn="l" defTabSz="914400" rtl="0" eaLnBrk="1" latinLnBrk="0" hangingPunct="1">
+              <a:lnSpc>
+                <a:spcPct val="90000"/>
+              </a:lnSpc>
+              <a:spcBef>
+                <a:spcPts val="500"/>
+              </a:spcBef>
+              <a:buFont typeface="Arial" panose="020B0604020202020204" pitchFamily="34" charset="0"/>
+              <a:buChar char="•"/>
+              <a:defRPr sz="1800" kern="1200">
+                <a:solidFill>
+                  <a:schemeClr val="tx1"/>
+                </a:solidFill>
+                <a:latin typeface="+mn-lt"/>
+                <a:ea typeface="+mn-ea"/>
+                <a:cs typeface="+mn-cs"/>
+              </a:defRPr>
+            </a:lvl8pPr>
+            <a:lvl9pPr marL="3886200" indent="-228600" algn="l" defTabSz="914400" rtl="0" eaLnBrk="1" latinLnBrk="0" hangingPunct="1">
+              <a:lnSpc>
+                <a:spcPct val="90000"/>
+              </a:lnSpc>
+              <a:spcBef>
+                <a:spcPts val="500"/>
+              </a:spcBef>
+              <a:buFont typeface="Arial" panose="020B0604020202020204" pitchFamily="34" charset="0"/>
+              <a:buChar char="•"/>
+              <a:defRPr sz="1800" kern="1200">
+                <a:solidFill>
+                  <a:schemeClr val="tx1"/>
+                </a:solidFill>
+                <a:latin typeface="+mn-lt"/>
+                <a:ea typeface="+mn-ea"/>
+                <a:cs typeface="+mn-cs"/>
+              </a:defRPr>
+            </a:lvl9pPr>
+          </a:lstStyle>
+          <a:p>
+            <a:r>
+              <a:rPr lang="en-US" dirty="0">
+                <a:ea typeface="Source Sans Pro"/>
+              </a:rPr>
+              <a:t>H</a:t>
+            </a:r>
+          </a:p>
+        </p:txBody>
+      </p:sp>
+      <p:sp>
+        <p:nvSpPr>
+          <p:cNvPr id="4" name="Text Placeholder 16">
+            <a:extLst>
+              <a:ext uri="{FF2B5EF4-FFF2-40B4-BE49-F238E27FC236}">
+                <a16:creationId xmlns:a16="http://schemas.microsoft.com/office/drawing/2014/main" id="{9640A1AC-0147-4FBC-E0A3-B322468434E5}"/>
+              </a:ext>
+            </a:extLst>
+          </p:cNvPr>
+          <p:cNvSpPr txBox="1">
+            <a:spLocks/>
+          </p:cNvSpPr>
+          <p:nvPr/>
+        </p:nvSpPr>
+        <p:spPr>
+          <a:xfrm>
+            <a:off x="1322364" y="2084304"/>
+            <a:ext cx="1253665" cy="1681163"/>
+          </a:xfrm>
+          <a:prstGeom prst="rect">
+            <a:avLst/>
+          </a:prstGeom>
+        </p:spPr>
+        <p:txBody>
+          <a:bodyPr vert="horz" lIns="91440" tIns="45720" rIns="91440" bIns="45720" rtlCol="0" anchor="t">
+            <a:noAutofit/>
+          </a:bodyPr>
+          <a:lstStyle>
+            <a:lvl1pPr marL="0" indent="0" algn="l" defTabSz="914400" rtl="0" eaLnBrk="1" latinLnBrk="0" hangingPunct="1">
+              <a:lnSpc>
+                <a:spcPct val="90000"/>
+              </a:lnSpc>
+              <a:spcBef>
+                <a:spcPts val="1000"/>
+              </a:spcBef>
+              <a:buFont typeface="Arial" panose="020B0604020202020204" pitchFamily="34" charset="0"/>
+              <a:buNone/>
+              <a:defRPr sz="15500" b="1" kern="1200">
+                <a:solidFill>
+                  <a:schemeClr val="tx1"/>
+                </a:solidFill>
+                <a:latin typeface="+mn-lt"/>
+                <a:ea typeface="+mn-ea"/>
+                <a:cs typeface="+mn-cs"/>
+              </a:defRPr>
+            </a:lvl1pPr>
+            <a:lvl2pPr marL="685800" indent="-228600" algn="l" defTabSz="914400" rtl="0" eaLnBrk="1" latinLnBrk="0" hangingPunct="1">
+              <a:lnSpc>
+                <a:spcPct val="90000"/>
+              </a:lnSpc>
+              <a:spcBef>
+                <a:spcPts val="500"/>
+              </a:spcBef>
+              <a:buFont typeface="Arial" panose="020B0604020202020204" pitchFamily="34" charset="0"/>
+              <a:buChar char="•"/>
+              <a:defRPr sz="2400" kern="1200">
+                <a:solidFill>
+                  <a:schemeClr val="tx1"/>
+                </a:solidFill>
+                <a:latin typeface="+mn-lt"/>
+                <a:ea typeface="+mn-ea"/>
+                <a:cs typeface="+mn-cs"/>
+              </a:defRPr>
+            </a:lvl2pPr>
+            <a:lvl3pPr marL="1143000" indent="-228600" algn="l" defTabSz="914400" rtl="0" eaLnBrk="1" latinLnBrk="0" hangingPunct="1">
+              <a:lnSpc>
+                <a:spcPct val="90000"/>
+              </a:lnSpc>
+              <a:spcBef>
+                <a:spcPts val="500"/>
+              </a:spcBef>
+              <a:buFont typeface="Arial" panose="020B0604020202020204" pitchFamily="34" charset="0"/>
+              <a:buChar char="•"/>
+              <a:defRPr sz="2000" kern="1200">
+                <a:solidFill>
+                  <a:schemeClr val="tx1"/>
+                </a:solidFill>
+                <a:latin typeface="+mn-lt"/>
+                <a:ea typeface="+mn-ea"/>
+                <a:cs typeface="+mn-cs"/>
+              </a:defRPr>
+            </a:lvl3pPr>
+            <a:lvl4pPr marL="1600200" indent="-228600" algn="l" defTabSz="914400" rtl="0" eaLnBrk="1" latinLnBrk="0" hangingPunct="1">
+              <a:lnSpc>
+                <a:spcPct val="90000"/>
+              </a:lnSpc>
+              <a:spcBef>
+                <a:spcPts val="500"/>
+              </a:spcBef>
+              <a:buFont typeface="Arial" panose="020B0604020202020204" pitchFamily="34" charset="0"/>
+              <a:buChar char="•"/>
+              <a:defRPr sz="1800" kern="1200">
+                <a:solidFill>
+                  <a:schemeClr val="tx1"/>
+                </a:solidFill>
+                <a:latin typeface="+mn-lt"/>
+                <a:ea typeface="+mn-ea"/>
+                <a:cs typeface="+mn-cs"/>
+              </a:defRPr>
+            </a:lvl4pPr>
+            <a:lvl5pPr marL="2057400" indent="-228600" algn="l" defTabSz="914400" rtl="0" eaLnBrk="1" latinLnBrk="0" hangingPunct="1">
+              <a:lnSpc>
+                <a:spcPct val="90000"/>
+              </a:lnSpc>
+              <a:spcBef>
+                <a:spcPts val="500"/>
+              </a:spcBef>
+              <a:buFont typeface="Arial" panose="020B0604020202020204" pitchFamily="34" charset="0"/>
+              <a:buChar char="•"/>
+              <a:defRPr sz="1800" kern="1200">
+                <a:solidFill>
+                  <a:schemeClr val="tx1"/>
+                </a:solidFill>
+                <a:latin typeface="+mn-lt"/>
+                <a:ea typeface="+mn-ea"/>
+                <a:cs typeface="+mn-cs"/>
+              </a:defRPr>
+            </a:lvl5pPr>
+            <a:lvl6pPr marL="2514600" indent="-228600" algn="l" defTabSz="914400" rtl="0" eaLnBrk="1" latinLnBrk="0" hangingPunct="1">
+              <a:lnSpc>
+                <a:spcPct val="90000"/>
+              </a:lnSpc>
+              <a:spcBef>
+                <a:spcPts val="500"/>
+              </a:spcBef>
+              <a:buFont typeface="Arial" panose="020B0604020202020204" pitchFamily="34" charset="0"/>
+              <a:buChar char="•"/>
+              <a:defRPr sz="1800" kern="1200">
+                <a:solidFill>
+                  <a:schemeClr val="tx1"/>
+                </a:solidFill>
+                <a:latin typeface="+mn-lt"/>
+                <a:ea typeface="+mn-ea"/>
+                <a:cs typeface="+mn-cs"/>
+              </a:defRPr>
+            </a:lvl6pPr>
+            <a:lvl7pPr marL="2971800" indent="-228600" algn="l" defTabSz="914400" rtl="0" eaLnBrk="1" latinLnBrk="0" hangingPunct="1">
+              <a:lnSpc>
+                <a:spcPct val="90000"/>
+              </a:lnSpc>
+              <a:spcBef>
+                <a:spcPts val="500"/>
+              </a:spcBef>
+              <a:buFont typeface="Arial" panose="020B0604020202020204" pitchFamily="34" charset="0"/>
+              <a:buChar char="•"/>
+              <a:defRPr sz="1800" kern="1200">
+                <a:solidFill>
+                  <a:schemeClr val="tx1"/>
+                </a:solidFill>
+                <a:latin typeface="+mn-lt"/>
+                <a:ea typeface="+mn-ea"/>
+                <a:cs typeface="+mn-cs"/>
+              </a:defRPr>
+            </a:lvl7pPr>
+            <a:lvl8pPr marL="3429000" indent="-228600" algn="l" defTabSz="914400" rtl="0" eaLnBrk="1" latinLnBrk="0" hangingPunct="1">
+              <a:lnSpc>
+                <a:spcPct val="90000"/>
+              </a:lnSpc>
+              <a:spcBef>
+                <a:spcPts val="500"/>
+              </a:spcBef>
+              <a:buFont typeface="Arial" panose="020B0604020202020204" pitchFamily="34" charset="0"/>
+              <a:buChar char="•"/>
+              <a:defRPr sz="1800" kern="1200">
+                <a:solidFill>
+                  <a:schemeClr val="tx1"/>
+                </a:solidFill>
+                <a:latin typeface="+mn-lt"/>
+                <a:ea typeface="+mn-ea"/>
+                <a:cs typeface="+mn-cs"/>
+              </a:defRPr>
+            </a:lvl8pPr>
+            <a:lvl9pPr marL="3886200" indent="-228600" algn="l" defTabSz="914400" rtl="0" eaLnBrk="1" latinLnBrk="0" hangingPunct="1">
+              <a:lnSpc>
+                <a:spcPct val="90000"/>
+              </a:lnSpc>
+              <a:spcBef>
+                <a:spcPts val="500"/>
+              </a:spcBef>
+              <a:buFont typeface="Arial" panose="020B0604020202020204" pitchFamily="34" charset="0"/>
+              <a:buChar char="•"/>
+              <a:defRPr sz="1800" kern="1200">
+                <a:solidFill>
+                  <a:schemeClr val="tx1"/>
+                </a:solidFill>
+                <a:latin typeface="+mn-lt"/>
+                <a:ea typeface="+mn-ea"/>
+                <a:cs typeface="+mn-cs"/>
+              </a:defRPr>
+            </a:lvl9pPr>
+          </a:lstStyle>
+          <a:p>
+            <a:r>
+              <a:rPr lang="en-US" dirty="0">
+                <a:ea typeface="Source Sans Pro"/>
+              </a:rPr>
+              <a:t>F</a:t>
+            </a:r>
+            <a:endParaRPr lang="de-DE" dirty="0"/>
+          </a:p>
+        </p:txBody>
+      </p:sp>
+      <p:sp>
+        <p:nvSpPr>
+          <p:cNvPr id="5" name="Text Placeholder 16">
+            <a:extLst>
+              <a:ext uri="{FF2B5EF4-FFF2-40B4-BE49-F238E27FC236}">
+                <a16:creationId xmlns:a16="http://schemas.microsoft.com/office/drawing/2014/main" id="{0E3B10EE-0405-F2E5-1D42-4CC53EE36DD4}"/>
+              </a:ext>
+            </a:extLst>
+          </p:cNvPr>
+          <p:cNvSpPr txBox="1">
+            <a:spLocks/>
+          </p:cNvSpPr>
+          <p:nvPr/>
+        </p:nvSpPr>
+        <p:spPr>
+          <a:xfrm>
+            <a:off x="2740900" y="2409417"/>
+            <a:ext cx="1253665" cy="1681163"/>
+          </a:xfrm>
+          <a:prstGeom prst="rect">
+            <a:avLst/>
+          </a:prstGeom>
+        </p:spPr>
+        <p:txBody>
+          <a:bodyPr vert="horz" lIns="91440" tIns="45720" rIns="91440" bIns="45720" rtlCol="0" anchor="t">
+            <a:noAutofit/>
+          </a:bodyPr>
+          <a:lstStyle>
+            <a:lvl1pPr marL="0" indent="0" algn="l" defTabSz="914400" rtl="0" eaLnBrk="1" latinLnBrk="0" hangingPunct="1">
+              <a:lnSpc>
+                <a:spcPct val="90000"/>
+              </a:lnSpc>
+              <a:spcBef>
+                <a:spcPts val="1000"/>
+              </a:spcBef>
+              <a:buFont typeface="Arial" panose="020B0604020202020204" pitchFamily="34" charset="0"/>
+              <a:buNone/>
+              <a:defRPr sz="15500" b="1" kern="1200">
+                <a:solidFill>
+                  <a:schemeClr val="tx1"/>
+                </a:solidFill>
+                <a:latin typeface="+mn-lt"/>
+                <a:ea typeface="+mn-ea"/>
+                <a:cs typeface="+mn-cs"/>
+              </a:defRPr>
+            </a:lvl1pPr>
+            <a:lvl2pPr marL="685800" indent="-228600" algn="l" defTabSz="914400" rtl="0" eaLnBrk="1" latinLnBrk="0" hangingPunct="1">
+              <a:lnSpc>
+                <a:spcPct val="90000"/>
+              </a:lnSpc>
+              <a:spcBef>
+                <a:spcPts val="500"/>
+              </a:spcBef>
+              <a:buFont typeface="Arial" panose="020B0604020202020204" pitchFamily="34" charset="0"/>
+              <a:buChar char="•"/>
+              <a:defRPr sz="2400" kern="1200">
+                <a:solidFill>
+                  <a:schemeClr val="tx1"/>
+                </a:solidFill>
+                <a:latin typeface="+mn-lt"/>
+                <a:ea typeface="+mn-ea"/>
+                <a:cs typeface="+mn-cs"/>
+              </a:defRPr>
+            </a:lvl2pPr>
+            <a:lvl3pPr marL="1143000" indent="-228600" algn="l" defTabSz="914400" rtl="0" eaLnBrk="1" latinLnBrk="0" hangingPunct="1">
+              <a:lnSpc>
+                <a:spcPct val="90000"/>
+              </a:lnSpc>
+              <a:spcBef>
+                <a:spcPts val="500"/>
+              </a:spcBef>
+              <a:buFont typeface="Arial" panose="020B0604020202020204" pitchFamily="34" charset="0"/>
+              <a:buChar char="•"/>
+              <a:defRPr sz="2000" kern="1200">
+                <a:solidFill>
+                  <a:schemeClr val="tx1"/>
+                </a:solidFill>
+                <a:latin typeface="+mn-lt"/>
+                <a:ea typeface="+mn-ea"/>
+                <a:cs typeface="+mn-cs"/>
+              </a:defRPr>
+            </a:lvl3pPr>
+            <a:lvl4pPr marL="1600200" indent="-228600" algn="l" defTabSz="914400" rtl="0" eaLnBrk="1" latinLnBrk="0" hangingPunct="1">
+              <a:lnSpc>
+                <a:spcPct val="90000"/>
+              </a:lnSpc>
+              <a:spcBef>
+                <a:spcPts val="500"/>
+              </a:spcBef>
+              <a:buFont typeface="Arial" panose="020B0604020202020204" pitchFamily="34" charset="0"/>
+              <a:buChar char="•"/>
+              <a:defRPr sz="1800" kern="1200">
+                <a:solidFill>
+                  <a:schemeClr val="tx1"/>
+                </a:solidFill>
+                <a:latin typeface="+mn-lt"/>
+                <a:ea typeface="+mn-ea"/>
+                <a:cs typeface="+mn-cs"/>
+              </a:defRPr>
+            </a:lvl4pPr>
+            <a:lvl5pPr marL="2057400" indent="-228600" algn="l" defTabSz="914400" rtl="0" eaLnBrk="1" latinLnBrk="0" hangingPunct="1">
+              <a:lnSpc>
+                <a:spcPct val="90000"/>
+              </a:lnSpc>
+              <a:spcBef>
+                <a:spcPts val="500"/>
+              </a:spcBef>
+              <a:buFont typeface="Arial" panose="020B0604020202020204" pitchFamily="34" charset="0"/>
+              <a:buChar char="•"/>
+              <a:defRPr sz="1800" kern="1200">
+                <a:solidFill>
+                  <a:schemeClr val="tx1"/>
+                </a:solidFill>
+                <a:latin typeface="+mn-lt"/>
+                <a:ea typeface="+mn-ea"/>
+                <a:cs typeface="+mn-cs"/>
+              </a:defRPr>
+            </a:lvl5pPr>
+            <a:lvl6pPr marL="2514600" indent="-228600" algn="l" defTabSz="914400" rtl="0" eaLnBrk="1" latinLnBrk="0" hangingPunct="1">
+              <a:lnSpc>
+                <a:spcPct val="90000"/>
+              </a:lnSpc>
+              <a:spcBef>
+                <a:spcPts val="500"/>
+              </a:spcBef>
+              <a:buFont typeface="Arial" panose="020B0604020202020204" pitchFamily="34" charset="0"/>
+              <a:buChar char="•"/>
+              <a:defRPr sz="1800" kern="1200">
+                <a:solidFill>
+                  <a:schemeClr val="tx1"/>
+                </a:solidFill>
+                <a:latin typeface="+mn-lt"/>
+                <a:ea typeface="+mn-ea"/>
+                <a:cs typeface="+mn-cs"/>
+              </a:defRPr>
+            </a:lvl6pPr>
+            <a:lvl7pPr marL="2971800" indent="-228600" algn="l" defTabSz="914400" rtl="0" eaLnBrk="1" latinLnBrk="0" hangingPunct="1">
+              <a:lnSpc>
+                <a:spcPct val="90000"/>
+              </a:lnSpc>
+              <a:spcBef>
+                <a:spcPts val="500"/>
+              </a:spcBef>
+              <a:buFont typeface="Arial" panose="020B0604020202020204" pitchFamily="34" charset="0"/>
+              <a:buChar char="•"/>
+              <a:defRPr sz="1800" kern="1200">
+                <a:solidFill>
+                  <a:schemeClr val="tx1"/>
+                </a:solidFill>
+                <a:latin typeface="+mn-lt"/>
+                <a:ea typeface="+mn-ea"/>
+                <a:cs typeface="+mn-cs"/>
+              </a:defRPr>
+            </a:lvl7pPr>
+            <a:lvl8pPr marL="3429000" indent="-228600" algn="l" defTabSz="914400" rtl="0" eaLnBrk="1" latinLnBrk="0" hangingPunct="1">
+              <a:lnSpc>
+                <a:spcPct val="90000"/>
+              </a:lnSpc>
+              <a:spcBef>
+                <a:spcPts val="500"/>
+              </a:spcBef>
+              <a:buFont typeface="Arial" panose="020B0604020202020204" pitchFamily="34" charset="0"/>
+              <a:buChar char="•"/>
+              <a:defRPr sz="1800" kern="1200">
+                <a:solidFill>
+                  <a:schemeClr val="tx1"/>
+                </a:solidFill>
+                <a:latin typeface="+mn-lt"/>
+                <a:ea typeface="+mn-ea"/>
+                <a:cs typeface="+mn-cs"/>
+              </a:defRPr>
+            </a:lvl8pPr>
+            <a:lvl9pPr marL="3886200" indent="-228600" algn="l" defTabSz="914400" rtl="0" eaLnBrk="1" latinLnBrk="0" hangingPunct="1">
+              <a:lnSpc>
+                <a:spcPct val="90000"/>
+              </a:lnSpc>
+              <a:spcBef>
+                <a:spcPts val="500"/>
+              </a:spcBef>
+              <a:buFont typeface="Arial" panose="020B0604020202020204" pitchFamily="34" charset="0"/>
+              <a:buChar char="•"/>
+              <a:defRPr sz="1800" kern="1200">
+                <a:solidFill>
+                  <a:schemeClr val="tx1"/>
+                </a:solidFill>
+                <a:latin typeface="+mn-lt"/>
+                <a:ea typeface="+mn-ea"/>
+                <a:cs typeface="+mn-cs"/>
+              </a:defRPr>
+            </a:lvl9pPr>
+          </a:lstStyle>
+          <a:p>
+            <a:r>
+              <a:rPr lang="en-US" dirty="0">
+                <a:ea typeface="Source Sans Pro"/>
+              </a:rPr>
+              <a:t>N</a:t>
+            </a:r>
+            <a:endParaRPr lang="de-DE" dirty="0"/>
+          </a:p>
+        </p:txBody>
+      </p:sp>
+      <p:sp>
+        <p:nvSpPr>
+          <p:cNvPr id="6" name="Text Placeholder 16">
+            <a:extLst>
+              <a:ext uri="{FF2B5EF4-FFF2-40B4-BE49-F238E27FC236}">
+                <a16:creationId xmlns:a16="http://schemas.microsoft.com/office/drawing/2014/main" id="{6B34FBBE-1B91-1617-D6C7-C1CE34249915}"/>
+              </a:ext>
+            </a:extLst>
+          </p:cNvPr>
+          <p:cNvSpPr txBox="1">
+            <a:spLocks/>
+          </p:cNvSpPr>
+          <p:nvPr/>
+        </p:nvSpPr>
+        <p:spPr>
+          <a:xfrm>
+            <a:off x="1895803" y="2779349"/>
+            <a:ext cx="1253665" cy="1681163"/>
+          </a:xfrm>
+          <a:prstGeom prst="rect">
+            <a:avLst/>
+          </a:prstGeom>
+        </p:spPr>
+        <p:txBody>
+          <a:bodyPr vert="horz" lIns="91440" tIns="45720" rIns="91440" bIns="45720" rtlCol="0" anchor="t">
+            <a:noAutofit/>
+          </a:bodyPr>
+          <a:lstStyle>
+            <a:lvl1pPr marL="0" indent="0" algn="l" defTabSz="914400" rtl="0" eaLnBrk="1" latinLnBrk="0" hangingPunct="1">
+              <a:lnSpc>
+                <a:spcPct val="90000"/>
+              </a:lnSpc>
+              <a:spcBef>
+                <a:spcPts val="1000"/>
+              </a:spcBef>
+              <a:buFont typeface="Arial" panose="020B0604020202020204" pitchFamily="34" charset="0"/>
+              <a:buNone/>
+              <a:defRPr sz="15500" b="1" kern="1200">
+                <a:solidFill>
+                  <a:schemeClr val="tx1"/>
+                </a:solidFill>
+                <a:latin typeface="+mn-lt"/>
+                <a:ea typeface="+mn-ea"/>
+                <a:cs typeface="+mn-cs"/>
+              </a:defRPr>
+            </a:lvl1pPr>
+            <a:lvl2pPr marL="685800" indent="-228600" algn="l" defTabSz="914400" rtl="0" eaLnBrk="1" latinLnBrk="0" hangingPunct="1">
+              <a:lnSpc>
+                <a:spcPct val="90000"/>
+              </a:lnSpc>
+              <a:spcBef>
+                <a:spcPts val="500"/>
+              </a:spcBef>
+              <a:buFont typeface="Arial" panose="020B0604020202020204" pitchFamily="34" charset="0"/>
+              <a:buChar char="•"/>
+              <a:defRPr sz="2400" kern="1200">
+                <a:solidFill>
+                  <a:schemeClr val="tx1"/>
+                </a:solidFill>
+                <a:latin typeface="+mn-lt"/>
+                <a:ea typeface="+mn-ea"/>
+                <a:cs typeface="+mn-cs"/>
+              </a:defRPr>
+            </a:lvl2pPr>
+            <a:lvl3pPr marL="1143000" indent="-228600" algn="l" defTabSz="914400" rtl="0" eaLnBrk="1" latinLnBrk="0" hangingPunct="1">
+              <a:lnSpc>
+                <a:spcPct val="90000"/>
+              </a:lnSpc>
+              <a:spcBef>
+                <a:spcPts val="500"/>
+              </a:spcBef>
+              <a:buFont typeface="Arial" panose="020B0604020202020204" pitchFamily="34" charset="0"/>
+              <a:buChar char="•"/>
+              <a:defRPr sz="2000" kern="1200">
+                <a:solidFill>
+                  <a:schemeClr val="tx1"/>
+                </a:solidFill>
+                <a:latin typeface="+mn-lt"/>
+                <a:ea typeface="+mn-ea"/>
+                <a:cs typeface="+mn-cs"/>
+              </a:defRPr>
+            </a:lvl3pPr>
+            <a:lvl4pPr marL="1600200" indent="-228600" algn="l" defTabSz="914400" rtl="0" eaLnBrk="1" latinLnBrk="0" hangingPunct="1">
+              <a:lnSpc>
+                <a:spcPct val="90000"/>
+              </a:lnSpc>
+              <a:spcBef>
+                <a:spcPts val="500"/>
+              </a:spcBef>
+              <a:buFont typeface="Arial" panose="020B0604020202020204" pitchFamily="34" charset="0"/>
+              <a:buChar char="•"/>
+              <a:defRPr sz="1800" kern="1200">
+                <a:solidFill>
+                  <a:schemeClr val="tx1"/>
+                </a:solidFill>
+                <a:latin typeface="+mn-lt"/>
+                <a:ea typeface="+mn-ea"/>
+                <a:cs typeface="+mn-cs"/>
+              </a:defRPr>
+            </a:lvl4pPr>
+            <a:lvl5pPr marL="2057400" indent="-228600" algn="l" defTabSz="914400" rtl="0" eaLnBrk="1" latinLnBrk="0" hangingPunct="1">
+              <a:lnSpc>
+                <a:spcPct val="90000"/>
+              </a:lnSpc>
+              <a:spcBef>
+                <a:spcPts val="500"/>
+              </a:spcBef>
+              <a:buFont typeface="Arial" panose="020B0604020202020204" pitchFamily="34" charset="0"/>
+              <a:buChar char="•"/>
+              <a:defRPr sz="1800" kern="1200">
+                <a:solidFill>
+                  <a:schemeClr val="tx1"/>
+                </a:solidFill>
+                <a:latin typeface="+mn-lt"/>
+                <a:ea typeface="+mn-ea"/>
+                <a:cs typeface="+mn-cs"/>
+              </a:defRPr>
+            </a:lvl5pPr>
+            <a:lvl6pPr marL="2514600" indent="-228600" algn="l" defTabSz="914400" rtl="0" eaLnBrk="1" latinLnBrk="0" hangingPunct="1">
+              <a:lnSpc>
+                <a:spcPct val="90000"/>
+              </a:lnSpc>
+              <a:spcBef>
+                <a:spcPts val="500"/>
+              </a:spcBef>
+              <a:buFont typeface="Arial" panose="020B0604020202020204" pitchFamily="34" charset="0"/>
+              <a:buChar char="•"/>
+              <a:defRPr sz="1800" kern="1200">
+                <a:solidFill>
+                  <a:schemeClr val="tx1"/>
+                </a:solidFill>
+                <a:latin typeface="+mn-lt"/>
+                <a:ea typeface="+mn-ea"/>
+                <a:cs typeface="+mn-cs"/>
+              </a:defRPr>
+            </a:lvl6pPr>
+            <a:lvl7pPr marL="2971800" indent="-228600" algn="l" defTabSz="914400" rtl="0" eaLnBrk="1" latinLnBrk="0" hangingPunct="1">
+              <a:lnSpc>
+                <a:spcPct val="90000"/>
+              </a:lnSpc>
+              <a:spcBef>
+                <a:spcPts val="500"/>
+              </a:spcBef>
+              <a:buFont typeface="Arial" panose="020B0604020202020204" pitchFamily="34" charset="0"/>
+              <a:buChar char="•"/>
+              <a:defRPr sz="1800" kern="1200">
+                <a:solidFill>
+                  <a:schemeClr val="tx1"/>
+                </a:solidFill>
+                <a:latin typeface="+mn-lt"/>
+                <a:ea typeface="+mn-ea"/>
+                <a:cs typeface="+mn-cs"/>
+              </a:defRPr>
+            </a:lvl7pPr>
+            <a:lvl8pPr marL="3429000" indent="-228600" algn="l" defTabSz="914400" rtl="0" eaLnBrk="1" latinLnBrk="0" hangingPunct="1">
+              <a:lnSpc>
+                <a:spcPct val="90000"/>
+              </a:lnSpc>
+              <a:spcBef>
+                <a:spcPts val="500"/>
+              </a:spcBef>
+              <a:buFont typeface="Arial" panose="020B0604020202020204" pitchFamily="34" charset="0"/>
+              <a:buChar char="•"/>
+              <a:defRPr sz="1800" kern="1200">
+                <a:solidFill>
+                  <a:schemeClr val="tx1"/>
+                </a:solidFill>
+                <a:latin typeface="+mn-lt"/>
+                <a:ea typeface="+mn-ea"/>
+                <a:cs typeface="+mn-cs"/>
+              </a:defRPr>
+            </a:lvl8pPr>
+            <a:lvl9pPr marL="3886200" indent="-228600" algn="l" defTabSz="914400" rtl="0" eaLnBrk="1" latinLnBrk="0" hangingPunct="1">
+              <a:lnSpc>
+                <a:spcPct val="90000"/>
+              </a:lnSpc>
+              <a:spcBef>
+                <a:spcPts val="500"/>
+              </a:spcBef>
+              <a:buFont typeface="Arial" panose="020B0604020202020204" pitchFamily="34" charset="0"/>
+              <a:buChar char="•"/>
+              <a:defRPr sz="1800" kern="1200">
+                <a:solidFill>
+                  <a:schemeClr val="tx1"/>
+                </a:solidFill>
+                <a:latin typeface="+mn-lt"/>
+                <a:ea typeface="+mn-ea"/>
+                <a:cs typeface="+mn-cs"/>
+              </a:defRPr>
+            </a:lvl9pPr>
+          </a:lstStyle>
+          <a:p>
+            <a:r>
+              <a:rPr lang="en-US" dirty="0">
+                <a:ea typeface="Source Sans Pro"/>
+              </a:rPr>
+              <a:t>E</a:t>
+            </a:r>
+            <a:endParaRPr lang="de-DE" dirty="0"/>
+          </a:p>
+        </p:txBody>
+      </p:sp>
+      <p:cxnSp>
+        <p:nvCxnSpPr>
+          <p:cNvPr id="10" name="Straight Connector 9">
+            <a:extLst>
+              <a:ext uri="{FF2B5EF4-FFF2-40B4-BE49-F238E27FC236}">
+                <a16:creationId xmlns:a16="http://schemas.microsoft.com/office/drawing/2014/main" id="{4F9AEA6C-6EA7-B98F-0E88-18F6CF7FB3B2}"/>
+              </a:ext>
+              <a:ext uri="{C183D7F6-B498-43B3-948B-1728B52AA6E4}">
+                <adec:decorative xmlns:adec="http://schemas.microsoft.com/office/drawing/2017/decorative" val="1"/>
+              </a:ext>
+            </a:extLst>
+          </p:cNvPr>
+          <p:cNvCxnSpPr>
+            <a:cxnSpLocks/>
+          </p:cNvCxnSpPr>
+          <p:nvPr/>
+        </p:nvCxnSpPr>
+        <p:spPr>
+          <a:xfrm flipV="1">
+            <a:off x="677714" y="824568"/>
+            <a:ext cx="0" cy="5339213"/>
+          </a:xfrm>
+          <a:prstGeom prst="line">
+            <a:avLst/>
+          </a:prstGeom>
+          <a:ln w="19050">
+            <a:solidFill>
+              <a:schemeClr val="accent1"/>
+            </a:solidFill>
+          </a:ln>
+        </p:spPr>
+        <p:style>
+          <a:lnRef idx="1">
+            <a:schemeClr val="accent1"/>
+          </a:lnRef>
+          <a:fillRef idx="0">
+            <a:schemeClr val="accent1"/>
+          </a:fillRef>
+          <a:effectRef idx="0">
+            <a:schemeClr val="accent1"/>
+          </a:effectRef>
+          <a:fontRef idx="minor">
+            <a:schemeClr val="tx1"/>
+          </a:fontRef>
+        </p:style>
+      </p:cxnSp>
+      <p:sp>
+        <p:nvSpPr>
+          <p:cNvPr id="2" name="Rectangle 1">
+            <a:extLst>
+              <a:ext uri="{FF2B5EF4-FFF2-40B4-BE49-F238E27FC236}">
+                <a16:creationId xmlns:a16="http://schemas.microsoft.com/office/drawing/2014/main" id="{A28973DF-D2CC-402A-A6B9-1D41C05E122C}"/>
+              </a:ext>
+            </a:extLst>
+          </p:cNvPr>
+          <p:cNvSpPr/>
+          <p:nvPr/>
+        </p:nvSpPr>
+        <p:spPr>
+          <a:xfrm>
+            <a:off x="-1783080" y="-1851660"/>
+            <a:ext cx="16756380" cy="11132820"/>
+          </a:xfrm>
+          <a:prstGeom prst="rect">
+            <a:avLst/>
+          </a:prstGeom>
+          <a:gradFill>
+            <a:gsLst>
+              <a:gs pos="0">
+                <a:schemeClr val="accent1">
+                  <a:shade val="67500"/>
+                  <a:satMod val="115000"/>
+                </a:schemeClr>
+              </a:gs>
+              <a:gs pos="0">
+                <a:srgbClr val="48C0A7"/>
+              </a:gs>
+              <a:gs pos="100000">
+                <a:schemeClr val="accent1">
+                  <a:shade val="67500"/>
+                  <a:satMod val="115000"/>
+                </a:schemeClr>
+              </a:gs>
+              <a:gs pos="100000">
+                <a:schemeClr val="accent1">
+                  <a:shade val="100000"/>
+                  <a:satMod val="115000"/>
+                </a:schemeClr>
+              </a:gs>
+            </a:gsLst>
+            <a:lin ang="10800000" scaled="1"/>
+          </a:gradFill>
+        </p:spPr>
+        <p:style>
+          <a:lnRef idx="2">
+            <a:schemeClr val="accent1">
+              <a:shade val="15000"/>
+            </a:schemeClr>
+          </a:lnRef>
+          <a:fillRef idx="1">
+            <a:schemeClr val="accent1"/>
+          </a:fillRef>
+          <a:effectRef idx="0">
+            <a:schemeClr val="accent1"/>
+          </a:effectRef>
+          <a:fontRef idx="minor">
+            <a:schemeClr val="lt1"/>
+          </a:fontRef>
+        </p:style>
+        <p:txBody>
+          <a:bodyPr rtlCol="0" anchor="ctr"/>
+          <a:lstStyle/>
+          <a:p>
+            <a:pPr algn="ctr"/>
+            <a:endParaRPr lang="en-DE"/>
+          </a:p>
+        </p:txBody>
+      </p:sp>
+    </p:spTree>
+    <p:extLst>
+      <p:ext uri="{BB962C8B-B14F-4D97-AF65-F5344CB8AC3E}">
+        <p14:creationId xmlns:p14="http://schemas.microsoft.com/office/powerpoint/2010/main" val="1229580817"/>
       </p:ext>
     </p:extLst>
   </p:cSld>
@@ -23777,15 +21917,6 @@
 </file>
 
 <file path=customXml/item1.xml><?xml version="1.0" encoding="utf-8"?>
-<?mso-contentType ?>
-<FormTemplates xmlns="http://schemas.microsoft.com/sharepoint/v3/contenttype/forms">
-  <Display>DocumentLibraryForm</Display>
-  <Edit>DocumentLibraryForm</Edit>
-  <New>DocumentLibraryForm</New>
-</FormTemplates>
-</file>
-
-<file path=customXml/item2.xml><?xml version="1.0" encoding="utf-8"?>
 <p:properties xmlns:p="http://schemas.microsoft.com/office/2006/metadata/properties" xmlns:xsi="http://www.w3.org/2001/XMLSchema-instance" xmlns:pc="http://schemas.microsoft.com/office/infopath/2007/PartnerControls">
   <documentManagement>
     <Status xmlns="71af3243-3dd4-4a8d-8c0d-dd76da1f02a5">Not started</Status>
@@ -23802,6 +21933,15 @@
     <MediaServiceKeyPoints xmlns="71af3243-3dd4-4a8d-8c0d-dd76da1f02a5" xsi:nil="true"/>
   </documentManagement>
 </p:properties>
+</file>
+
+<file path=customXml/item2.xml><?xml version="1.0" encoding="utf-8"?>
+<?mso-contentType ?>
+<FormTemplates xmlns="http://schemas.microsoft.com/sharepoint/v3/contenttype/forms">
+  <Display>DocumentLibraryForm</Display>
+  <Edit>DocumentLibraryForm</Edit>
+  <New>DocumentLibraryForm</New>
+</FormTemplates>
 </file>
 
 <file path=customXml/item3.xml><?xml version="1.0" encoding="utf-8"?>
@@ -24087,14 +22227,6 @@
 </file>
 
 <file path=customXml/itemProps1.xml><?xml version="1.0" encoding="utf-8"?>
-<ds:datastoreItem xmlns:ds="http://schemas.openxmlformats.org/officeDocument/2006/customXml" ds:itemID="{7817B950-985C-4D79-B0A3-FA5D2FD7806B}">
-  <ds:schemaRefs>
-    <ds:schemaRef ds:uri="http://schemas.microsoft.com/sharepoint/v3/contenttype/forms"/>
-  </ds:schemaRefs>
-</ds:datastoreItem>
-</file>
-
-<file path=customXml/itemProps2.xml><?xml version="1.0" encoding="utf-8"?>
 <ds:datastoreItem xmlns:ds="http://schemas.openxmlformats.org/officeDocument/2006/customXml" ds:itemID="{8D126E60-8824-40C8-9624-5890E719C527}">
   <ds:schemaRefs>
     <ds:schemaRef ds:uri="http://schemas.microsoft.com/office/2006/metadata/properties"/>
@@ -24102,6 +22234,14 @@
     <ds:schemaRef ds:uri="71af3243-3dd4-4a8d-8c0d-dd76da1f02a5"/>
     <ds:schemaRef ds:uri="http://schemas.microsoft.com/sharepoint/v3"/>
     <ds:schemaRef ds:uri="230e9df3-be65-4c73-a93b-d1236ebd677e"/>
+  </ds:schemaRefs>
+</ds:datastoreItem>
+</file>
+
+<file path=customXml/itemProps2.xml><?xml version="1.0" encoding="utf-8"?>
+<ds:datastoreItem xmlns:ds="http://schemas.openxmlformats.org/officeDocument/2006/customXml" ds:itemID="{7817B950-985C-4D79-B0A3-FA5D2FD7806B}">
+  <ds:schemaRefs>
+    <ds:schemaRef ds:uri="http://schemas.microsoft.com/sharepoint/v3/contenttype/forms"/>
   </ds:schemaRefs>
 </ds:datastoreItem>
 </file>
